--- a/06-ppt/discussion/0524.pptx
+++ b/06-ppt/discussion/0524.pptx
@@ -1,19 +1,25 @@
 
 <file path=ppt/presentation.xml><?xml version="1.0" encoding="utf-8"?>
-<p:presentation xmlns:a="http://schemas.openxmlformats.org/drawingml/2006/main" xmlns:r="http://schemas.openxmlformats.org/officeDocument/2006/relationships" xmlns:p="http://schemas.openxmlformats.org/presentationml/2006/main" saveSubsetFonts="1">
+<p:presentation xmlns:a="http://schemas.openxmlformats.org/drawingml/2006/main" xmlns:r="http://schemas.openxmlformats.org/officeDocument/2006/relationships" xmlns:p="http://schemas.openxmlformats.org/presentationml/2006/main" embedTrueTypeFonts="1" saveSubsetFonts="1">
   <p:sldMasterIdLst>
     <p:sldMasterId id="2147483648" r:id="rId1"/>
   </p:sldMasterIdLst>
   <p:sldIdLst>
-    <p:sldId id="256" r:id="rId2"/>
-    <p:sldId id="257" r:id="rId3"/>
-    <p:sldId id="259" r:id="rId4"/>
-    <p:sldId id="260" r:id="rId5"/>
-    <p:sldId id="261" r:id="rId6"/>
-    <p:sldId id="262" r:id="rId7"/>
+    <p:sldId id="256" r:id="rId3"/>
+    <p:sldId id="257" r:id="rId4"/>
+    <p:sldId id="259" r:id="rId5"/>
+    <p:sldId id="260" r:id="rId6"/>
+    <p:sldId id="261" r:id="rId7"/>
+    <p:sldId id="262" r:id="rId8"/>
   </p:sldIdLst>
   <p:sldSz cx="12192000" cy="6858000"/>
   <p:notesSz cx="6858000" cy="9144000"/>
+  <p:embeddedFontLst>
+    <p:embeddedFont>
+      <p:font typeface="DejaVu Math TeX Gyre" panose="02000503000000000000" charset="0"/>
+      <p:regular r:id="rId12"/>
+    </p:embeddedFont>
+  </p:embeddedFontLst>
   <p:defaultTextStyle>
     <a:defPPr>
       <a:defRPr lang="zh-CN"/>
@@ -112,7 +118,7 @@
   <p:extLst>
     <p:ext uri="{EFAFB233-063F-42B5-8137-9DF3F51BA10A}">
       <p15:sldGuideLst xmlns:p15="http://schemas.microsoft.com/office/powerpoint/2012/main">
-        <p15:guide id="1" orient="horz" pos="2160" userDrawn="1">
+        <p15:guide id="1" orient="horz" pos="2174" userDrawn="1">
           <p15:clr>
             <a:srgbClr val="A4A3A4"/>
           </p15:clr>
@@ -147,13 +153,7 @@
       </p:grpSpPr>
       <p:sp>
         <p:nvSpPr>
-          <p:cNvPr id="2" name="标题 1">
-            <a:extLst>
-              <a:ext uri="{FF2B5EF4-FFF2-40B4-BE49-F238E27FC236}">
-                <a16:creationId xmlns:a16="http://schemas.microsoft.com/office/drawing/2014/main" id="{C7295FFD-9B78-CCC9-AA78-73074901FD21}"/>
-              </a:ext>
-            </a:extLst>
-          </p:cNvPr>
+          <p:cNvPr id="2" name="标题 1"/>
           <p:cNvSpPr>
             <a:spLocks noGrp="1"/>
           </p:cNvSpPr>
@@ -179,18 +179,13 @@
               <a:rPr lang="zh-CN" altLang="en-US"/>
               <a:t>单击此处编辑母版标题样式</a:t>
             </a:r>
-          </a:p>
-        </p:txBody>
-      </p:sp>
-      <p:sp>
-        <p:nvSpPr>
-          <p:cNvPr id="3" name="副标题 2">
-            <a:extLst>
-              <a:ext uri="{FF2B5EF4-FFF2-40B4-BE49-F238E27FC236}">
-                <a16:creationId xmlns:a16="http://schemas.microsoft.com/office/drawing/2014/main" id="{125FBC7A-779A-210C-2D8A-F93B308E3996}"/>
-              </a:ext>
-            </a:extLst>
-          </p:cNvPr>
+            <a:endParaRPr lang="zh-CN" altLang="en-US"/>
+          </a:p>
+        </p:txBody>
+      </p:sp>
+      <p:sp>
+        <p:nvSpPr>
+          <p:cNvPr id="3" name="副标题 2"/>
           <p:cNvSpPr>
             <a:spLocks noGrp="1"/>
           </p:cNvSpPr>
@@ -249,18 +244,13 @@
               <a:rPr lang="zh-CN" altLang="en-US"/>
               <a:t>单击此处编辑母版副标题样式</a:t>
             </a:r>
-          </a:p>
-        </p:txBody>
-      </p:sp>
-      <p:sp>
-        <p:nvSpPr>
-          <p:cNvPr id="4" name="日期占位符 3">
-            <a:extLst>
-              <a:ext uri="{FF2B5EF4-FFF2-40B4-BE49-F238E27FC236}">
-                <a16:creationId xmlns:a16="http://schemas.microsoft.com/office/drawing/2014/main" id="{8A8DE045-686E-6E60-D732-9637FFA3A0A8}"/>
-              </a:ext>
-            </a:extLst>
-          </p:cNvPr>
+            <a:endParaRPr lang="zh-CN" altLang="en-US"/>
+          </a:p>
+        </p:txBody>
+      </p:sp>
+      <p:sp>
+        <p:nvSpPr>
+          <p:cNvPr id="4" name="日期占位符 3"/>
           <p:cNvSpPr>
             <a:spLocks noGrp="1"/>
           </p:cNvSpPr>
@@ -275,7 +265,6 @@
           <a:p>
             <a:fld id="{51FD5836-1B78-4E70-983F-F8F353C30F27}" type="datetimeFigureOut">
               <a:rPr lang="zh-CN" altLang="en-US" smtClean="0"/>
-              <a:t>2024/5/23</a:t>
             </a:fld>
             <a:endParaRPr lang="zh-CN" altLang="en-US"/>
           </a:p>
@@ -283,13 +272,7 @@
       </p:sp>
       <p:sp>
         <p:nvSpPr>
-          <p:cNvPr id="5" name="页脚占位符 4">
-            <a:extLst>
-              <a:ext uri="{FF2B5EF4-FFF2-40B4-BE49-F238E27FC236}">
-                <a16:creationId xmlns:a16="http://schemas.microsoft.com/office/drawing/2014/main" id="{9ED44D9A-4775-32A5-A51D-E228CF5059C8}"/>
-              </a:ext>
-            </a:extLst>
-          </p:cNvPr>
+          <p:cNvPr id="5" name="页脚占位符 4"/>
           <p:cNvSpPr>
             <a:spLocks noGrp="1"/>
           </p:cNvSpPr>
@@ -308,13 +291,7 @@
       </p:sp>
       <p:sp>
         <p:nvSpPr>
-          <p:cNvPr id="6" name="灯片编号占位符 5">
-            <a:extLst>
-              <a:ext uri="{FF2B5EF4-FFF2-40B4-BE49-F238E27FC236}">
-                <a16:creationId xmlns:a16="http://schemas.microsoft.com/office/drawing/2014/main" id="{8EA11A5A-1AA0-08B5-C8B8-51D7D1C90CA5}"/>
-              </a:ext>
-            </a:extLst>
-          </p:cNvPr>
+          <p:cNvPr id="6" name="灯片编号占位符 5"/>
           <p:cNvSpPr>
             <a:spLocks noGrp="1"/>
           </p:cNvSpPr>
@@ -329,18 +306,12 @@
           <a:p>
             <a:fld id="{AB80B9A9-C03D-4F64-ADE2-7C0EC2978D5F}" type="slidenum">
               <a:rPr lang="zh-CN" altLang="en-US" smtClean="0"/>
-              <a:t>‹#›</a:t>
             </a:fld>
             <a:endParaRPr lang="zh-CN" altLang="en-US"/>
           </a:p>
         </p:txBody>
       </p:sp>
     </p:spTree>
-    <p:extLst>
-      <p:ext uri="{BB962C8B-B14F-4D97-AF65-F5344CB8AC3E}">
-        <p14:creationId xmlns:p14="http://schemas.microsoft.com/office/powerpoint/2010/main" val="1132969275"/>
-      </p:ext>
-    </p:extLst>
   </p:cSld>
   <p:clrMapOvr>
     <a:masterClrMapping/>
@@ -367,13 +338,7 @@
       </p:grpSpPr>
       <p:sp>
         <p:nvSpPr>
-          <p:cNvPr id="2" name="标题 1">
-            <a:extLst>
-              <a:ext uri="{FF2B5EF4-FFF2-40B4-BE49-F238E27FC236}">
-                <a16:creationId xmlns:a16="http://schemas.microsoft.com/office/drawing/2014/main" id="{F94FE26E-FFE9-EE48-81DB-6623CA7A8565}"/>
-              </a:ext>
-            </a:extLst>
-          </p:cNvPr>
+          <p:cNvPr id="2" name="标题 1"/>
           <p:cNvSpPr>
             <a:spLocks noGrp="1"/>
           </p:cNvSpPr>
@@ -390,18 +355,13 @@
               <a:rPr lang="zh-CN" altLang="en-US"/>
               <a:t>单击此处编辑母版标题样式</a:t>
             </a:r>
-          </a:p>
-        </p:txBody>
-      </p:sp>
-      <p:sp>
-        <p:nvSpPr>
-          <p:cNvPr id="3" name="竖排文字占位符 2">
-            <a:extLst>
-              <a:ext uri="{FF2B5EF4-FFF2-40B4-BE49-F238E27FC236}">
-                <a16:creationId xmlns:a16="http://schemas.microsoft.com/office/drawing/2014/main" id="{FF99A8F4-A15B-1864-570B-9C53CE1DA1A5}"/>
-              </a:ext>
-            </a:extLst>
-          </p:cNvPr>
+            <a:endParaRPr lang="zh-CN" altLang="en-US"/>
+          </a:p>
+        </p:txBody>
+      </p:sp>
+      <p:sp>
+        <p:nvSpPr>
+          <p:cNvPr id="3" name="竖排文字占位符 2"/>
           <p:cNvSpPr>
             <a:spLocks noGrp="1"/>
           </p:cNvSpPr>
@@ -419,6 +379,7 @@
               <a:rPr lang="zh-CN" altLang="en-US"/>
               <a:t>单击此处编辑母版文本样式</a:t>
             </a:r>
+            <a:endParaRPr lang="zh-CN" altLang="en-US"/>
           </a:p>
           <a:p>
             <a:pPr lvl="1"/>
@@ -426,6 +387,7 @@
               <a:rPr lang="zh-CN" altLang="en-US"/>
               <a:t>二级</a:t>
             </a:r>
+            <a:endParaRPr lang="zh-CN" altLang="en-US"/>
           </a:p>
           <a:p>
             <a:pPr lvl="2"/>
@@ -433,6 +395,7 @@
               <a:rPr lang="zh-CN" altLang="en-US"/>
               <a:t>三级</a:t>
             </a:r>
+            <a:endParaRPr lang="zh-CN" altLang="en-US"/>
           </a:p>
           <a:p>
             <a:pPr lvl="3"/>
@@ -440,6 +403,7 @@
               <a:rPr lang="zh-CN" altLang="en-US"/>
               <a:t>四级</a:t>
             </a:r>
+            <a:endParaRPr lang="zh-CN" altLang="en-US"/>
           </a:p>
           <a:p>
             <a:pPr lvl="4"/>
@@ -447,18 +411,13 @@
               <a:rPr lang="zh-CN" altLang="en-US"/>
               <a:t>五级</a:t>
             </a:r>
-          </a:p>
-        </p:txBody>
-      </p:sp>
-      <p:sp>
-        <p:nvSpPr>
-          <p:cNvPr id="4" name="日期占位符 3">
-            <a:extLst>
-              <a:ext uri="{FF2B5EF4-FFF2-40B4-BE49-F238E27FC236}">
-                <a16:creationId xmlns:a16="http://schemas.microsoft.com/office/drawing/2014/main" id="{2DB1D44A-2758-FEBA-DDB6-4BB4FF5F07C1}"/>
-              </a:ext>
-            </a:extLst>
-          </p:cNvPr>
+            <a:endParaRPr lang="zh-CN" altLang="en-US"/>
+          </a:p>
+        </p:txBody>
+      </p:sp>
+      <p:sp>
+        <p:nvSpPr>
+          <p:cNvPr id="4" name="日期占位符 3"/>
           <p:cNvSpPr>
             <a:spLocks noGrp="1"/>
           </p:cNvSpPr>
@@ -473,7 +432,6 @@
           <a:p>
             <a:fld id="{51FD5836-1B78-4E70-983F-F8F353C30F27}" type="datetimeFigureOut">
               <a:rPr lang="zh-CN" altLang="en-US" smtClean="0"/>
-              <a:t>2024/5/23</a:t>
             </a:fld>
             <a:endParaRPr lang="zh-CN" altLang="en-US"/>
           </a:p>
@@ -481,13 +439,7 @@
       </p:sp>
       <p:sp>
         <p:nvSpPr>
-          <p:cNvPr id="5" name="页脚占位符 4">
-            <a:extLst>
-              <a:ext uri="{FF2B5EF4-FFF2-40B4-BE49-F238E27FC236}">
-                <a16:creationId xmlns:a16="http://schemas.microsoft.com/office/drawing/2014/main" id="{F154DD3F-33B4-2551-865E-EF1B375A6871}"/>
-              </a:ext>
-            </a:extLst>
-          </p:cNvPr>
+          <p:cNvPr id="5" name="页脚占位符 4"/>
           <p:cNvSpPr>
             <a:spLocks noGrp="1"/>
           </p:cNvSpPr>
@@ -506,13 +458,7 @@
       </p:sp>
       <p:sp>
         <p:nvSpPr>
-          <p:cNvPr id="6" name="灯片编号占位符 5">
-            <a:extLst>
-              <a:ext uri="{FF2B5EF4-FFF2-40B4-BE49-F238E27FC236}">
-                <a16:creationId xmlns:a16="http://schemas.microsoft.com/office/drawing/2014/main" id="{8826AE92-F3B5-21E8-2302-59A0B7F22727}"/>
-              </a:ext>
-            </a:extLst>
-          </p:cNvPr>
+          <p:cNvPr id="6" name="灯片编号占位符 5"/>
           <p:cNvSpPr>
             <a:spLocks noGrp="1"/>
           </p:cNvSpPr>
@@ -527,18 +473,12 @@
           <a:p>
             <a:fld id="{AB80B9A9-C03D-4F64-ADE2-7C0EC2978D5F}" type="slidenum">
               <a:rPr lang="zh-CN" altLang="en-US" smtClean="0"/>
-              <a:t>‹#›</a:t>
             </a:fld>
             <a:endParaRPr lang="zh-CN" altLang="en-US"/>
           </a:p>
         </p:txBody>
       </p:sp>
     </p:spTree>
-    <p:extLst>
-      <p:ext uri="{BB962C8B-B14F-4D97-AF65-F5344CB8AC3E}">
-        <p14:creationId xmlns:p14="http://schemas.microsoft.com/office/powerpoint/2010/main" val="3643883580"/>
-      </p:ext>
-    </p:extLst>
   </p:cSld>
   <p:clrMapOvr>
     <a:masterClrMapping/>
@@ -565,13 +505,7 @@
       </p:grpSpPr>
       <p:sp>
         <p:nvSpPr>
-          <p:cNvPr id="2" name="竖排标题 1">
-            <a:extLst>
-              <a:ext uri="{FF2B5EF4-FFF2-40B4-BE49-F238E27FC236}">
-                <a16:creationId xmlns:a16="http://schemas.microsoft.com/office/drawing/2014/main" id="{AD0698DA-4B0B-A514-5867-F8E8CB040812}"/>
-              </a:ext>
-            </a:extLst>
-          </p:cNvPr>
+          <p:cNvPr id="2" name="竖排标题 1"/>
           <p:cNvSpPr>
             <a:spLocks noGrp="1"/>
           </p:cNvSpPr>
@@ -593,18 +527,13 @@
               <a:rPr lang="zh-CN" altLang="en-US"/>
               <a:t>单击此处编辑母版标题样式</a:t>
             </a:r>
-          </a:p>
-        </p:txBody>
-      </p:sp>
-      <p:sp>
-        <p:nvSpPr>
-          <p:cNvPr id="3" name="竖排文字占位符 2">
-            <a:extLst>
-              <a:ext uri="{FF2B5EF4-FFF2-40B4-BE49-F238E27FC236}">
-                <a16:creationId xmlns:a16="http://schemas.microsoft.com/office/drawing/2014/main" id="{A02F958C-6D22-32A9-9F62-A8FD3D4B723E}"/>
-              </a:ext>
-            </a:extLst>
-          </p:cNvPr>
+            <a:endParaRPr lang="zh-CN" altLang="en-US"/>
+          </a:p>
+        </p:txBody>
+      </p:sp>
+      <p:sp>
+        <p:nvSpPr>
+          <p:cNvPr id="3" name="竖排文字占位符 2"/>
           <p:cNvSpPr>
             <a:spLocks noGrp="1"/>
           </p:cNvSpPr>
@@ -627,6 +556,7 @@
               <a:rPr lang="zh-CN" altLang="en-US"/>
               <a:t>单击此处编辑母版文本样式</a:t>
             </a:r>
+            <a:endParaRPr lang="zh-CN" altLang="en-US"/>
           </a:p>
           <a:p>
             <a:pPr lvl="1"/>
@@ -634,6 +564,7 @@
               <a:rPr lang="zh-CN" altLang="en-US"/>
               <a:t>二级</a:t>
             </a:r>
+            <a:endParaRPr lang="zh-CN" altLang="en-US"/>
           </a:p>
           <a:p>
             <a:pPr lvl="2"/>
@@ -641,6 +572,7 @@
               <a:rPr lang="zh-CN" altLang="en-US"/>
               <a:t>三级</a:t>
             </a:r>
+            <a:endParaRPr lang="zh-CN" altLang="en-US"/>
           </a:p>
           <a:p>
             <a:pPr lvl="3"/>
@@ -648,6 +580,7 @@
               <a:rPr lang="zh-CN" altLang="en-US"/>
               <a:t>四级</a:t>
             </a:r>
+            <a:endParaRPr lang="zh-CN" altLang="en-US"/>
           </a:p>
           <a:p>
             <a:pPr lvl="4"/>
@@ -655,18 +588,13 @@
               <a:rPr lang="zh-CN" altLang="en-US"/>
               <a:t>五级</a:t>
             </a:r>
-          </a:p>
-        </p:txBody>
-      </p:sp>
-      <p:sp>
-        <p:nvSpPr>
-          <p:cNvPr id="4" name="日期占位符 3">
-            <a:extLst>
-              <a:ext uri="{FF2B5EF4-FFF2-40B4-BE49-F238E27FC236}">
-                <a16:creationId xmlns:a16="http://schemas.microsoft.com/office/drawing/2014/main" id="{7EAB5047-F052-894F-3FB2-905E25E7CBE9}"/>
-              </a:ext>
-            </a:extLst>
-          </p:cNvPr>
+            <a:endParaRPr lang="zh-CN" altLang="en-US"/>
+          </a:p>
+        </p:txBody>
+      </p:sp>
+      <p:sp>
+        <p:nvSpPr>
+          <p:cNvPr id="4" name="日期占位符 3"/>
           <p:cNvSpPr>
             <a:spLocks noGrp="1"/>
           </p:cNvSpPr>
@@ -681,7 +609,6 @@
           <a:p>
             <a:fld id="{51FD5836-1B78-4E70-983F-F8F353C30F27}" type="datetimeFigureOut">
               <a:rPr lang="zh-CN" altLang="en-US" smtClean="0"/>
-              <a:t>2024/5/23</a:t>
             </a:fld>
             <a:endParaRPr lang="zh-CN" altLang="en-US"/>
           </a:p>
@@ -689,13 +616,7 @@
       </p:sp>
       <p:sp>
         <p:nvSpPr>
-          <p:cNvPr id="5" name="页脚占位符 4">
-            <a:extLst>
-              <a:ext uri="{FF2B5EF4-FFF2-40B4-BE49-F238E27FC236}">
-                <a16:creationId xmlns:a16="http://schemas.microsoft.com/office/drawing/2014/main" id="{21987688-C609-D828-EA35-1C9F3811EE11}"/>
-              </a:ext>
-            </a:extLst>
-          </p:cNvPr>
+          <p:cNvPr id="5" name="页脚占位符 4"/>
           <p:cNvSpPr>
             <a:spLocks noGrp="1"/>
           </p:cNvSpPr>
@@ -714,13 +635,7 @@
       </p:sp>
       <p:sp>
         <p:nvSpPr>
-          <p:cNvPr id="6" name="灯片编号占位符 5">
-            <a:extLst>
-              <a:ext uri="{FF2B5EF4-FFF2-40B4-BE49-F238E27FC236}">
-                <a16:creationId xmlns:a16="http://schemas.microsoft.com/office/drawing/2014/main" id="{19BDF728-4570-D753-36AD-6658FC58571D}"/>
-              </a:ext>
-            </a:extLst>
-          </p:cNvPr>
+          <p:cNvPr id="6" name="灯片编号占位符 5"/>
           <p:cNvSpPr>
             <a:spLocks noGrp="1"/>
           </p:cNvSpPr>
@@ -735,18 +650,12 @@
           <a:p>
             <a:fld id="{AB80B9A9-C03D-4F64-ADE2-7C0EC2978D5F}" type="slidenum">
               <a:rPr lang="zh-CN" altLang="en-US" smtClean="0"/>
-              <a:t>‹#›</a:t>
             </a:fld>
             <a:endParaRPr lang="zh-CN" altLang="en-US"/>
           </a:p>
         </p:txBody>
       </p:sp>
     </p:spTree>
-    <p:extLst>
-      <p:ext uri="{BB962C8B-B14F-4D97-AF65-F5344CB8AC3E}">
-        <p14:creationId xmlns:p14="http://schemas.microsoft.com/office/powerpoint/2010/main" val="1081376952"/>
-      </p:ext>
-    </p:extLst>
   </p:cSld>
   <p:clrMapOvr>
     <a:masterClrMapping/>
@@ -773,13 +682,7 @@
       </p:grpSpPr>
       <p:sp>
         <p:nvSpPr>
-          <p:cNvPr id="2" name="标题 1">
-            <a:extLst>
-              <a:ext uri="{FF2B5EF4-FFF2-40B4-BE49-F238E27FC236}">
-                <a16:creationId xmlns:a16="http://schemas.microsoft.com/office/drawing/2014/main" id="{6F6EBC0D-1B88-607E-C7C4-2EACCD207F7A}"/>
-              </a:ext>
-            </a:extLst>
-          </p:cNvPr>
+          <p:cNvPr id="2" name="标题 1"/>
           <p:cNvSpPr>
             <a:spLocks noGrp="1"/>
           </p:cNvSpPr>
@@ -796,18 +699,13 @@
               <a:rPr lang="zh-CN" altLang="en-US"/>
               <a:t>单击此处编辑母版标题样式</a:t>
             </a:r>
-          </a:p>
-        </p:txBody>
-      </p:sp>
-      <p:sp>
-        <p:nvSpPr>
-          <p:cNvPr id="3" name="内容占位符 2">
-            <a:extLst>
-              <a:ext uri="{FF2B5EF4-FFF2-40B4-BE49-F238E27FC236}">
-                <a16:creationId xmlns:a16="http://schemas.microsoft.com/office/drawing/2014/main" id="{4C7B4188-7DE6-1CAF-5A43-177C40324AA4}"/>
-              </a:ext>
-            </a:extLst>
-          </p:cNvPr>
+            <a:endParaRPr lang="zh-CN" altLang="en-US"/>
+          </a:p>
+        </p:txBody>
+      </p:sp>
+      <p:sp>
+        <p:nvSpPr>
+          <p:cNvPr id="3" name="内容占位符 2"/>
           <p:cNvSpPr>
             <a:spLocks noGrp="1"/>
           </p:cNvSpPr>
@@ -825,6 +723,7 @@
               <a:rPr lang="zh-CN" altLang="en-US"/>
               <a:t>单击此处编辑母版文本样式</a:t>
             </a:r>
+            <a:endParaRPr lang="zh-CN" altLang="en-US"/>
           </a:p>
           <a:p>
             <a:pPr lvl="1"/>
@@ -832,6 +731,7 @@
               <a:rPr lang="zh-CN" altLang="en-US"/>
               <a:t>二级</a:t>
             </a:r>
+            <a:endParaRPr lang="zh-CN" altLang="en-US"/>
           </a:p>
           <a:p>
             <a:pPr lvl="2"/>
@@ -839,6 +739,7 @@
               <a:rPr lang="zh-CN" altLang="en-US"/>
               <a:t>三级</a:t>
             </a:r>
+            <a:endParaRPr lang="zh-CN" altLang="en-US"/>
           </a:p>
           <a:p>
             <a:pPr lvl="3"/>
@@ -846,6 +747,7 @@
               <a:rPr lang="zh-CN" altLang="en-US"/>
               <a:t>四级</a:t>
             </a:r>
+            <a:endParaRPr lang="zh-CN" altLang="en-US"/>
           </a:p>
           <a:p>
             <a:pPr lvl="4"/>
@@ -853,18 +755,13 @@
               <a:rPr lang="zh-CN" altLang="en-US"/>
               <a:t>五级</a:t>
             </a:r>
-          </a:p>
-        </p:txBody>
-      </p:sp>
-      <p:sp>
-        <p:nvSpPr>
-          <p:cNvPr id="4" name="日期占位符 3">
-            <a:extLst>
-              <a:ext uri="{FF2B5EF4-FFF2-40B4-BE49-F238E27FC236}">
-                <a16:creationId xmlns:a16="http://schemas.microsoft.com/office/drawing/2014/main" id="{F1BA012D-CA9B-7428-9CAA-3638722AB9E7}"/>
-              </a:ext>
-            </a:extLst>
-          </p:cNvPr>
+            <a:endParaRPr lang="zh-CN" altLang="en-US"/>
+          </a:p>
+        </p:txBody>
+      </p:sp>
+      <p:sp>
+        <p:nvSpPr>
+          <p:cNvPr id="4" name="日期占位符 3"/>
           <p:cNvSpPr>
             <a:spLocks noGrp="1"/>
           </p:cNvSpPr>
@@ -879,7 +776,6 @@
           <a:p>
             <a:fld id="{51FD5836-1B78-4E70-983F-F8F353C30F27}" type="datetimeFigureOut">
               <a:rPr lang="zh-CN" altLang="en-US" smtClean="0"/>
-              <a:t>2024/5/23</a:t>
             </a:fld>
             <a:endParaRPr lang="zh-CN" altLang="en-US"/>
           </a:p>
@@ -887,13 +783,7 @@
       </p:sp>
       <p:sp>
         <p:nvSpPr>
-          <p:cNvPr id="5" name="页脚占位符 4">
-            <a:extLst>
-              <a:ext uri="{FF2B5EF4-FFF2-40B4-BE49-F238E27FC236}">
-                <a16:creationId xmlns:a16="http://schemas.microsoft.com/office/drawing/2014/main" id="{E9F44021-10A5-055C-15AD-14BA87D310C4}"/>
-              </a:ext>
-            </a:extLst>
-          </p:cNvPr>
+          <p:cNvPr id="5" name="页脚占位符 4"/>
           <p:cNvSpPr>
             <a:spLocks noGrp="1"/>
           </p:cNvSpPr>
@@ -912,13 +802,7 @@
       </p:sp>
       <p:sp>
         <p:nvSpPr>
-          <p:cNvPr id="6" name="灯片编号占位符 5">
-            <a:extLst>
-              <a:ext uri="{FF2B5EF4-FFF2-40B4-BE49-F238E27FC236}">
-                <a16:creationId xmlns:a16="http://schemas.microsoft.com/office/drawing/2014/main" id="{37584ED8-8563-3409-0E9D-D7DD1D4F7EB4}"/>
-              </a:ext>
-            </a:extLst>
-          </p:cNvPr>
+          <p:cNvPr id="6" name="灯片编号占位符 5"/>
           <p:cNvSpPr>
             <a:spLocks noGrp="1"/>
           </p:cNvSpPr>
@@ -933,18 +817,12 @@
           <a:p>
             <a:fld id="{AB80B9A9-C03D-4F64-ADE2-7C0EC2978D5F}" type="slidenum">
               <a:rPr lang="zh-CN" altLang="en-US" smtClean="0"/>
-              <a:t>‹#›</a:t>
             </a:fld>
             <a:endParaRPr lang="zh-CN" altLang="en-US"/>
           </a:p>
         </p:txBody>
       </p:sp>
     </p:spTree>
-    <p:extLst>
-      <p:ext uri="{BB962C8B-B14F-4D97-AF65-F5344CB8AC3E}">
-        <p14:creationId xmlns:p14="http://schemas.microsoft.com/office/powerpoint/2010/main" val="991973923"/>
-      </p:ext>
-    </p:extLst>
   </p:cSld>
   <p:clrMapOvr>
     <a:masterClrMapping/>
@@ -971,13 +849,7 @@
       </p:grpSpPr>
       <p:sp>
         <p:nvSpPr>
-          <p:cNvPr id="2" name="标题 1">
-            <a:extLst>
-              <a:ext uri="{FF2B5EF4-FFF2-40B4-BE49-F238E27FC236}">
-                <a16:creationId xmlns:a16="http://schemas.microsoft.com/office/drawing/2014/main" id="{5D1536B6-A158-9E03-649B-68CF26A2ABEB}"/>
-              </a:ext>
-            </a:extLst>
-          </p:cNvPr>
+          <p:cNvPr id="2" name="标题 1"/>
           <p:cNvSpPr>
             <a:spLocks noGrp="1"/>
           </p:cNvSpPr>
@@ -1003,18 +875,13 @@
               <a:rPr lang="zh-CN" altLang="en-US"/>
               <a:t>单击此处编辑母版标题样式</a:t>
             </a:r>
-          </a:p>
-        </p:txBody>
-      </p:sp>
-      <p:sp>
-        <p:nvSpPr>
-          <p:cNvPr id="3" name="文本占位符 2">
-            <a:extLst>
-              <a:ext uri="{FF2B5EF4-FFF2-40B4-BE49-F238E27FC236}">
-                <a16:creationId xmlns:a16="http://schemas.microsoft.com/office/drawing/2014/main" id="{2903240D-2D56-ECF8-B447-3DD14A9A96DF}"/>
-              </a:ext>
-            </a:extLst>
-          </p:cNvPr>
+            <a:endParaRPr lang="zh-CN" altLang="en-US"/>
+          </a:p>
+        </p:txBody>
+      </p:sp>
+      <p:sp>
+        <p:nvSpPr>
+          <p:cNvPr id="3" name="文本占位符 2"/>
           <p:cNvSpPr>
             <a:spLocks noGrp="1"/>
           </p:cNvSpPr>
@@ -1128,18 +995,13 @@
               <a:rPr lang="zh-CN" altLang="en-US"/>
               <a:t>单击此处编辑母版文本样式</a:t>
             </a:r>
-          </a:p>
-        </p:txBody>
-      </p:sp>
-      <p:sp>
-        <p:nvSpPr>
-          <p:cNvPr id="4" name="日期占位符 3">
-            <a:extLst>
-              <a:ext uri="{FF2B5EF4-FFF2-40B4-BE49-F238E27FC236}">
-                <a16:creationId xmlns:a16="http://schemas.microsoft.com/office/drawing/2014/main" id="{9F277EC6-BEA0-262E-DDE9-2E1755317F36}"/>
-              </a:ext>
-            </a:extLst>
-          </p:cNvPr>
+            <a:endParaRPr lang="zh-CN" altLang="en-US"/>
+          </a:p>
+        </p:txBody>
+      </p:sp>
+      <p:sp>
+        <p:nvSpPr>
+          <p:cNvPr id="4" name="日期占位符 3"/>
           <p:cNvSpPr>
             <a:spLocks noGrp="1"/>
           </p:cNvSpPr>
@@ -1154,7 +1016,6 @@
           <a:p>
             <a:fld id="{51FD5836-1B78-4E70-983F-F8F353C30F27}" type="datetimeFigureOut">
               <a:rPr lang="zh-CN" altLang="en-US" smtClean="0"/>
-              <a:t>2024/5/23</a:t>
             </a:fld>
             <a:endParaRPr lang="zh-CN" altLang="en-US"/>
           </a:p>
@@ -1162,13 +1023,7 @@
       </p:sp>
       <p:sp>
         <p:nvSpPr>
-          <p:cNvPr id="5" name="页脚占位符 4">
-            <a:extLst>
-              <a:ext uri="{FF2B5EF4-FFF2-40B4-BE49-F238E27FC236}">
-                <a16:creationId xmlns:a16="http://schemas.microsoft.com/office/drawing/2014/main" id="{DF3A587D-3B7D-226D-C5E9-3B6C62AA634C}"/>
-              </a:ext>
-            </a:extLst>
-          </p:cNvPr>
+          <p:cNvPr id="5" name="页脚占位符 4"/>
           <p:cNvSpPr>
             <a:spLocks noGrp="1"/>
           </p:cNvSpPr>
@@ -1187,13 +1042,7 @@
       </p:sp>
       <p:sp>
         <p:nvSpPr>
-          <p:cNvPr id="6" name="灯片编号占位符 5">
-            <a:extLst>
-              <a:ext uri="{FF2B5EF4-FFF2-40B4-BE49-F238E27FC236}">
-                <a16:creationId xmlns:a16="http://schemas.microsoft.com/office/drawing/2014/main" id="{FA89B29B-C5A4-C860-C234-0CE348BCCF76}"/>
-              </a:ext>
-            </a:extLst>
-          </p:cNvPr>
+          <p:cNvPr id="6" name="灯片编号占位符 5"/>
           <p:cNvSpPr>
             <a:spLocks noGrp="1"/>
           </p:cNvSpPr>
@@ -1208,18 +1057,12 @@
           <a:p>
             <a:fld id="{AB80B9A9-C03D-4F64-ADE2-7C0EC2978D5F}" type="slidenum">
               <a:rPr lang="zh-CN" altLang="en-US" smtClean="0"/>
-              <a:t>‹#›</a:t>
             </a:fld>
             <a:endParaRPr lang="zh-CN" altLang="en-US"/>
           </a:p>
         </p:txBody>
       </p:sp>
     </p:spTree>
-    <p:extLst>
-      <p:ext uri="{BB962C8B-B14F-4D97-AF65-F5344CB8AC3E}">
-        <p14:creationId xmlns:p14="http://schemas.microsoft.com/office/powerpoint/2010/main" val="2587493267"/>
-      </p:ext>
-    </p:extLst>
   </p:cSld>
   <p:clrMapOvr>
     <a:masterClrMapping/>
@@ -1246,13 +1089,7 @@
       </p:grpSpPr>
       <p:sp>
         <p:nvSpPr>
-          <p:cNvPr id="2" name="标题 1">
-            <a:extLst>
-              <a:ext uri="{FF2B5EF4-FFF2-40B4-BE49-F238E27FC236}">
-                <a16:creationId xmlns:a16="http://schemas.microsoft.com/office/drawing/2014/main" id="{F82FECBF-C234-D9AB-CB59-9DEA67791274}"/>
-              </a:ext>
-            </a:extLst>
-          </p:cNvPr>
+          <p:cNvPr id="2" name="标题 1"/>
           <p:cNvSpPr>
             <a:spLocks noGrp="1"/>
           </p:cNvSpPr>
@@ -1269,18 +1106,13 @@
               <a:rPr lang="zh-CN" altLang="en-US"/>
               <a:t>单击此处编辑母版标题样式</a:t>
             </a:r>
-          </a:p>
-        </p:txBody>
-      </p:sp>
-      <p:sp>
-        <p:nvSpPr>
-          <p:cNvPr id="3" name="内容占位符 2">
-            <a:extLst>
-              <a:ext uri="{FF2B5EF4-FFF2-40B4-BE49-F238E27FC236}">
-                <a16:creationId xmlns:a16="http://schemas.microsoft.com/office/drawing/2014/main" id="{CB153575-3876-C7F1-E486-740AAD62E7C7}"/>
-              </a:ext>
-            </a:extLst>
-          </p:cNvPr>
+            <a:endParaRPr lang="zh-CN" altLang="en-US"/>
+          </a:p>
+        </p:txBody>
+      </p:sp>
+      <p:sp>
+        <p:nvSpPr>
+          <p:cNvPr id="3" name="内容占位符 2"/>
           <p:cNvSpPr>
             <a:spLocks noGrp="1"/>
           </p:cNvSpPr>
@@ -1303,6 +1135,7 @@
               <a:rPr lang="zh-CN" altLang="en-US"/>
               <a:t>单击此处编辑母版文本样式</a:t>
             </a:r>
+            <a:endParaRPr lang="zh-CN" altLang="en-US"/>
           </a:p>
           <a:p>
             <a:pPr lvl="1"/>
@@ -1310,6 +1143,7 @@
               <a:rPr lang="zh-CN" altLang="en-US"/>
               <a:t>二级</a:t>
             </a:r>
+            <a:endParaRPr lang="zh-CN" altLang="en-US"/>
           </a:p>
           <a:p>
             <a:pPr lvl="2"/>
@@ -1317,6 +1151,7 @@
               <a:rPr lang="zh-CN" altLang="en-US"/>
               <a:t>三级</a:t>
             </a:r>
+            <a:endParaRPr lang="zh-CN" altLang="en-US"/>
           </a:p>
           <a:p>
             <a:pPr lvl="3"/>
@@ -1324,6 +1159,7 @@
               <a:rPr lang="zh-CN" altLang="en-US"/>
               <a:t>四级</a:t>
             </a:r>
+            <a:endParaRPr lang="zh-CN" altLang="en-US"/>
           </a:p>
           <a:p>
             <a:pPr lvl="4"/>
@@ -1331,18 +1167,13 @@
               <a:rPr lang="zh-CN" altLang="en-US"/>
               <a:t>五级</a:t>
             </a:r>
-          </a:p>
-        </p:txBody>
-      </p:sp>
-      <p:sp>
-        <p:nvSpPr>
-          <p:cNvPr id="4" name="内容占位符 3">
-            <a:extLst>
-              <a:ext uri="{FF2B5EF4-FFF2-40B4-BE49-F238E27FC236}">
-                <a16:creationId xmlns:a16="http://schemas.microsoft.com/office/drawing/2014/main" id="{81E6925A-2F32-C9BF-7328-169DB984634F}"/>
-              </a:ext>
-            </a:extLst>
-          </p:cNvPr>
+            <a:endParaRPr lang="zh-CN" altLang="en-US"/>
+          </a:p>
+        </p:txBody>
+      </p:sp>
+      <p:sp>
+        <p:nvSpPr>
+          <p:cNvPr id="4" name="内容占位符 3"/>
           <p:cNvSpPr>
             <a:spLocks noGrp="1"/>
           </p:cNvSpPr>
@@ -1365,6 +1196,7 @@
               <a:rPr lang="zh-CN" altLang="en-US"/>
               <a:t>单击此处编辑母版文本样式</a:t>
             </a:r>
+            <a:endParaRPr lang="zh-CN" altLang="en-US"/>
           </a:p>
           <a:p>
             <a:pPr lvl="1"/>
@@ -1372,6 +1204,7 @@
               <a:rPr lang="zh-CN" altLang="en-US"/>
               <a:t>二级</a:t>
             </a:r>
+            <a:endParaRPr lang="zh-CN" altLang="en-US"/>
           </a:p>
           <a:p>
             <a:pPr lvl="2"/>
@@ -1379,6 +1212,7 @@
               <a:rPr lang="zh-CN" altLang="en-US"/>
               <a:t>三级</a:t>
             </a:r>
+            <a:endParaRPr lang="zh-CN" altLang="en-US"/>
           </a:p>
           <a:p>
             <a:pPr lvl="3"/>
@@ -1386,6 +1220,7 @@
               <a:rPr lang="zh-CN" altLang="en-US"/>
               <a:t>四级</a:t>
             </a:r>
+            <a:endParaRPr lang="zh-CN" altLang="en-US"/>
           </a:p>
           <a:p>
             <a:pPr lvl="4"/>
@@ -1393,18 +1228,13 @@
               <a:rPr lang="zh-CN" altLang="en-US"/>
               <a:t>五级</a:t>
             </a:r>
-          </a:p>
-        </p:txBody>
-      </p:sp>
-      <p:sp>
-        <p:nvSpPr>
-          <p:cNvPr id="5" name="日期占位符 4">
-            <a:extLst>
-              <a:ext uri="{FF2B5EF4-FFF2-40B4-BE49-F238E27FC236}">
-                <a16:creationId xmlns:a16="http://schemas.microsoft.com/office/drawing/2014/main" id="{29AC4A85-6DD0-A57A-F878-8A0B18D7E4A2}"/>
-              </a:ext>
-            </a:extLst>
-          </p:cNvPr>
+            <a:endParaRPr lang="zh-CN" altLang="en-US"/>
+          </a:p>
+        </p:txBody>
+      </p:sp>
+      <p:sp>
+        <p:nvSpPr>
+          <p:cNvPr id="5" name="日期占位符 4"/>
           <p:cNvSpPr>
             <a:spLocks noGrp="1"/>
           </p:cNvSpPr>
@@ -1419,7 +1249,6 @@
           <a:p>
             <a:fld id="{51FD5836-1B78-4E70-983F-F8F353C30F27}" type="datetimeFigureOut">
               <a:rPr lang="zh-CN" altLang="en-US" smtClean="0"/>
-              <a:t>2024/5/23</a:t>
             </a:fld>
             <a:endParaRPr lang="zh-CN" altLang="en-US"/>
           </a:p>
@@ -1427,13 +1256,7 @@
       </p:sp>
       <p:sp>
         <p:nvSpPr>
-          <p:cNvPr id="6" name="页脚占位符 5">
-            <a:extLst>
-              <a:ext uri="{FF2B5EF4-FFF2-40B4-BE49-F238E27FC236}">
-                <a16:creationId xmlns:a16="http://schemas.microsoft.com/office/drawing/2014/main" id="{93CC4FC1-5C31-B182-F86F-3045D11997AA}"/>
-              </a:ext>
-            </a:extLst>
-          </p:cNvPr>
+          <p:cNvPr id="6" name="页脚占位符 5"/>
           <p:cNvSpPr>
             <a:spLocks noGrp="1"/>
           </p:cNvSpPr>
@@ -1452,13 +1275,7 @@
       </p:sp>
       <p:sp>
         <p:nvSpPr>
-          <p:cNvPr id="7" name="灯片编号占位符 6">
-            <a:extLst>
-              <a:ext uri="{FF2B5EF4-FFF2-40B4-BE49-F238E27FC236}">
-                <a16:creationId xmlns:a16="http://schemas.microsoft.com/office/drawing/2014/main" id="{D1DCD7CD-6091-CF3E-2D5C-B5794DE5798A}"/>
-              </a:ext>
-            </a:extLst>
-          </p:cNvPr>
+          <p:cNvPr id="7" name="灯片编号占位符 6"/>
           <p:cNvSpPr>
             <a:spLocks noGrp="1"/>
           </p:cNvSpPr>
@@ -1473,18 +1290,12 @@
           <a:p>
             <a:fld id="{AB80B9A9-C03D-4F64-ADE2-7C0EC2978D5F}" type="slidenum">
               <a:rPr lang="zh-CN" altLang="en-US" smtClean="0"/>
-              <a:t>‹#›</a:t>
             </a:fld>
             <a:endParaRPr lang="zh-CN" altLang="en-US"/>
           </a:p>
         </p:txBody>
       </p:sp>
     </p:spTree>
-    <p:extLst>
-      <p:ext uri="{BB962C8B-B14F-4D97-AF65-F5344CB8AC3E}">
-        <p14:creationId xmlns:p14="http://schemas.microsoft.com/office/powerpoint/2010/main" val="3719311158"/>
-      </p:ext>
-    </p:extLst>
   </p:cSld>
   <p:clrMapOvr>
     <a:masterClrMapping/>
@@ -1511,13 +1322,7 @@
       </p:grpSpPr>
       <p:sp>
         <p:nvSpPr>
-          <p:cNvPr id="2" name="标题 1">
-            <a:extLst>
-              <a:ext uri="{FF2B5EF4-FFF2-40B4-BE49-F238E27FC236}">
-                <a16:creationId xmlns:a16="http://schemas.microsoft.com/office/drawing/2014/main" id="{D884B835-2793-0A9C-1645-97FB53A09FEE}"/>
-              </a:ext>
-            </a:extLst>
-          </p:cNvPr>
+          <p:cNvPr id="2" name="标题 1"/>
           <p:cNvSpPr>
             <a:spLocks noGrp="1"/>
           </p:cNvSpPr>
@@ -1539,18 +1344,13 @@
               <a:rPr lang="zh-CN" altLang="en-US"/>
               <a:t>单击此处编辑母版标题样式</a:t>
             </a:r>
-          </a:p>
-        </p:txBody>
-      </p:sp>
-      <p:sp>
-        <p:nvSpPr>
-          <p:cNvPr id="3" name="文本占位符 2">
-            <a:extLst>
-              <a:ext uri="{FF2B5EF4-FFF2-40B4-BE49-F238E27FC236}">
-                <a16:creationId xmlns:a16="http://schemas.microsoft.com/office/drawing/2014/main" id="{45B49C1B-D4A1-4F32-34D0-0E87A4AD6453}"/>
-              </a:ext>
-            </a:extLst>
-          </p:cNvPr>
+            <a:endParaRPr lang="zh-CN" altLang="en-US"/>
+          </a:p>
+        </p:txBody>
+      </p:sp>
+      <p:sp>
+        <p:nvSpPr>
+          <p:cNvPr id="3" name="文本占位符 2"/>
           <p:cNvSpPr>
             <a:spLocks noGrp="1"/>
           </p:cNvSpPr>
@@ -1610,18 +1410,13 @@
               <a:rPr lang="zh-CN" altLang="en-US"/>
               <a:t>单击此处编辑母版文本样式</a:t>
             </a:r>
-          </a:p>
-        </p:txBody>
-      </p:sp>
-      <p:sp>
-        <p:nvSpPr>
-          <p:cNvPr id="4" name="内容占位符 3">
-            <a:extLst>
-              <a:ext uri="{FF2B5EF4-FFF2-40B4-BE49-F238E27FC236}">
-                <a16:creationId xmlns:a16="http://schemas.microsoft.com/office/drawing/2014/main" id="{F3B06966-9630-CB20-F84D-4DC0A25FFF85}"/>
-              </a:ext>
-            </a:extLst>
-          </p:cNvPr>
+            <a:endParaRPr lang="zh-CN" altLang="en-US"/>
+          </a:p>
+        </p:txBody>
+      </p:sp>
+      <p:sp>
+        <p:nvSpPr>
+          <p:cNvPr id="4" name="内容占位符 3"/>
           <p:cNvSpPr>
             <a:spLocks noGrp="1"/>
           </p:cNvSpPr>
@@ -1644,6 +1439,7 @@
               <a:rPr lang="zh-CN" altLang="en-US"/>
               <a:t>单击此处编辑母版文本样式</a:t>
             </a:r>
+            <a:endParaRPr lang="zh-CN" altLang="en-US"/>
           </a:p>
           <a:p>
             <a:pPr lvl="1"/>
@@ -1651,6 +1447,7 @@
               <a:rPr lang="zh-CN" altLang="en-US"/>
               <a:t>二级</a:t>
             </a:r>
+            <a:endParaRPr lang="zh-CN" altLang="en-US"/>
           </a:p>
           <a:p>
             <a:pPr lvl="2"/>
@@ -1658,6 +1455,7 @@
               <a:rPr lang="zh-CN" altLang="en-US"/>
               <a:t>三级</a:t>
             </a:r>
+            <a:endParaRPr lang="zh-CN" altLang="en-US"/>
           </a:p>
           <a:p>
             <a:pPr lvl="3"/>
@@ -1665,6 +1463,7 @@
               <a:rPr lang="zh-CN" altLang="en-US"/>
               <a:t>四级</a:t>
             </a:r>
+            <a:endParaRPr lang="zh-CN" altLang="en-US"/>
           </a:p>
           <a:p>
             <a:pPr lvl="4"/>
@@ -1672,18 +1471,13 @@
               <a:rPr lang="zh-CN" altLang="en-US"/>
               <a:t>五级</a:t>
             </a:r>
-          </a:p>
-        </p:txBody>
-      </p:sp>
-      <p:sp>
-        <p:nvSpPr>
-          <p:cNvPr id="5" name="文本占位符 4">
-            <a:extLst>
-              <a:ext uri="{FF2B5EF4-FFF2-40B4-BE49-F238E27FC236}">
-                <a16:creationId xmlns:a16="http://schemas.microsoft.com/office/drawing/2014/main" id="{89EFB63C-45D3-5CAF-DD78-2713BDBF6E15}"/>
-              </a:ext>
-            </a:extLst>
-          </p:cNvPr>
+            <a:endParaRPr lang="zh-CN" altLang="en-US"/>
+          </a:p>
+        </p:txBody>
+      </p:sp>
+      <p:sp>
+        <p:nvSpPr>
+          <p:cNvPr id="5" name="文本占位符 4"/>
           <p:cNvSpPr>
             <a:spLocks noGrp="1"/>
           </p:cNvSpPr>
@@ -1743,18 +1537,13 @@
               <a:rPr lang="zh-CN" altLang="en-US"/>
               <a:t>单击此处编辑母版文本样式</a:t>
             </a:r>
-          </a:p>
-        </p:txBody>
-      </p:sp>
-      <p:sp>
-        <p:nvSpPr>
-          <p:cNvPr id="6" name="内容占位符 5">
-            <a:extLst>
-              <a:ext uri="{FF2B5EF4-FFF2-40B4-BE49-F238E27FC236}">
-                <a16:creationId xmlns:a16="http://schemas.microsoft.com/office/drawing/2014/main" id="{E40F69A7-89DA-7371-2929-A86EA71F625B}"/>
-              </a:ext>
-            </a:extLst>
-          </p:cNvPr>
+            <a:endParaRPr lang="zh-CN" altLang="en-US"/>
+          </a:p>
+        </p:txBody>
+      </p:sp>
+      <p:sp>
+        <p:nvSpPr>
+          <p:cNvPr id="6" name="内容占位符 5"/>
           <p:cNvSpPr>
             <a:spLocks noGrp="1"/>
           </p:cNvSpPr>
@@ -1777,6 +1566,7 @@
               <a:rPr lang="zh-CN" altLang="en-US"/>
               <a:t>单击此处编辑母版文本样式</a:t>
             </a:r>
+            <a:endParaRPr lang="zh-CN" altLang="en-US"/>
           </a:p>
           <a:p>
             <a:pPr lvl="1"/>
@@ -1784,6 +1574,7 @@
               <a:rPr lang="zh-CN" altLang="en-US"/>
               <a:t>二级</a:t>
             </a:r>
+            <a:endParaRPr lang="zh-CN" altLang="en-US"/>
           </a:p>
           <a:p>
             <a:pPr lvl="2"/>
@@ -1791,6 +1582,7 @@
               <a:rPr lang="zh-CN" altLang="en-US"/>
               <a:t>三级</a:t>
             </a:r>
+            <a:endParaRPr lang="zh-CN" altLang="en-US"/>
           </a:p>
           <a:p>
             <a:pPr lvl="3"/>
@@ -1798,6 +1590,7 @@
               <a:rPr lang="zh-CN" altLang="en-US"/>
               <a:t>四级</a:t>
             </a:r>
+            <a:endParaRPr lang="zh-CN" altLang="en-US"/>
           </a:p>
           <a:p>
             <a:pPr lvl="4"/>
@@ -1805,18 +1598,13 @@
               <a:rPr lang="zh-CN" altLang="en-US"/>
               <a:t>五级</a:t>
             </a:r>
-          </a:p>
-        </p:txBody>
-      </p:sp>
-      <p:sp>
-        <p:nvSpPr>
-          <p:cNvPr id="7" name="日期占位符 6">
-            <a:extLst>
-              <a:ext uri="{FF2B5EF4-FFF2-40B4-BE49-F238E27FC236}">
-                <a16:creationId xmlns:a16="http://schemas.microsoft.com/office/drawing/2014/main" id="{85AA28C5-62D1-92A6-BA76-A587E511A9C0}"/>
-              </a:ext>
-            </a:extLst>
-          </p:cNvPr>
+            <a:endParaRPr lang="zh-CN" altLang="en-US"/>
+          </a:p>
+        </p:txBody>
+      </p:sp>
+      <p:sp>
+        <p:nvSpPr>
+          <p:cNvPr id="7" name="日期占位符 6"/>
           <p:cNvSpPr>
             <a:spLocks noGrp="1"/>
           </p:cNvSpPr>
@@ -1831,7 +1619,6 @@
           <a:p>
             <a:fld id="{51FD5836-1B78-4E70-983F-F8F353C30F27}" type="datetimeFigureOut">
               <a:rPr lang="zh-CN" altLang="en-US" smtClean="0"/>
-              <a:t>2024/5/23</a:t>
             </a:fld>
             <a:endParaRPr lang="zh-CN" altLang="en-US"/>
           </a:p>
@@ -1839,13 +1626,7 @@
       </p:sp>
       <p:sp>
         <p:nvSpPr>
-          <p:cNvPr id="8" name="页脚占位符 7">
-            <a:extLst>
-              <a:ext uri="{FF2B5EF4-FFF2-40B4-BE49-F238E27FC236}">
-                <a16:creationId xmlns:a16="http://schemas.microsoft.com/office/drawing/2014/main" id="{805973BB-8942-6678-E473-07B84461C787}"/>
-              </a:ext>
-            </a:extLst>
-          </p:cNvPr>
+          <p:cNvPr id="8" name="页脚占位符 7"/>
           <p:cNvSpPr>
             <a:spLocks noGrp="1"/>
           </p:cNvSpPr>
@@ -1864,13 +1645,7 @@
       </p:sp>
       <p:sp>
         <p:nvSpPr>
-          <p:cNvPr id="9" name="灯片编号占位符 8">
-            <a:extLst>
-              <a:ext uri="{FF2B5EF4-FFF2-40B4-BE49-F238E27FC236}">
-                <a16:creationId xmlns:a16="http://schemas.microsoft.com/office/drawing/2014/main" id="{85AF7BFC-BFF3-1EBF-9BA6-8A6FBBB65F2C}"/>
-              </a:ext>
-            </a:extLst>
-          </p:cNvPr>
+          <p:cNvPr id="9" name="灯片编号占位符 8"/>
           <p:cNvSpPr>
             <a:spLocks noGrp="1"/>
           </p:cNvSpPr>
@@ -1885,18 +1660,12 @@
           <a:p>
             <a:fld id="{AB80B9A9-C03D-4F64-ADE2-7C0EC2978D5F}" type="slidenum">
               <a:rPr lang="zh-CN" altLang="en-US" smtClean="0"/>
-              <a:t>‹#›</a:t>
             </a:fld>
             <a:endParaRPr lang="zh-CN" altLang="en-US"/>
           </a:p>
         </p:txBody>
       </p:sp>
     </p:spTree>
-    <p:extLst>
-      <p:ext uri="{BB962C8B-B14F-4D97-AF65-F5344CB8AC3E}">
-        <p14:creationId xmlns:p14="http://schemas.microsoft.com/office/powerpoint/2010/main" val="230755656"/>
-      </p:ext>
-    </p:extLst>
   </p:cSld>
   <p:clrMapOvr>
     <a:masterClrMapping/>
@@ -1923,13 +1692,7 @@
       </p:grpSpPr>
       <p:sp>
         <p:nvSpPr>
-          <p:cNvPr id="2" name="标题 1">
-            <a:extLst>
-              <a:ext uri="{FF2B5EF4-FFF2-40B4-BE49-F238E27FC236}">
-                <a16:creationId xmlns:a16="http://schemas.microsoft.com/office/drawing/2014/main" id="{9C539C49-444D-F633-6C51-4052E6EA52CD}"/>
-              </a:ext>
-            </a:extLst>
-          </p:cNvPr>
+          <p:cNvPr id="2" name="标题 1"/>
           <p:cNvSpPr>
             <a:spLocks noGrp="1"/>
           </p:cNvSpPr>
@@ -1946,18 +1709,13 @@
               <a:rPr lang="zh-CN" altLang="en-US"/>
               <a:t>单击此处编辑母版标题样式</a:t>
             </a:r>
-          </a:p>
-        </p:txBody>
-      </p:sp>
-      <p:sp>
-        <p:nvSpPr>
-          <p:cNvPr id="3" name="日期占位符 2">
-            <a:extLst>
-              <a:ext uri="{FF2B5EF4-FFF2-40B4-BE49-F238E27FC236}">
-                <a16:creationId xmlns:a16="http://schemas.microsoft.com/office/drawing/2014/main" id="{B3AB7732-D725-6FED-6266-2198AA05B4B6}"/>
-              </a:ext>
-            </a:extLst>
-          </p:cNvPr>
+            <a:endParaRPr lang="zh-CN" altLang="en-US"/>
+          </a:p>
+        </p:txBody>
+      </p:sp>
+      <p:sp>
+        <p:nvSpPr>
+          <p:cNvPr id="3" name="日期占位符 2"/>
           <p:cNvSpPr>
             <a:spLocks noGrp="1"/>
           </p:cNvSpPr>
@@ -1972,7 +1730,6 @@
           <a:p>
             <a:fld id="{51FD5836-1B78-4E70-983F-F8F353C30F27}" type="datetimeFigureOut">
               <a:rPr lang="zh-CN" altLang="en-US" smtClean="0"/>
-              <a:t>2024/5/23</a:t>
             </a:fld>
             <a:endParaRPr lang="zh-CN" altLang="en-US"/>
           </a:p>
@@ -1980,13 +1737,7 @@
       </p:sp>
       <p:sp>
         <p:nvSpPr>
-          <p:cNvPr id="4" name="页脚占位符 3">
-            <a:extLst>
-              <a:ext uri="{FF2B5EF4-FFF2-40B4-BE49-F238E27FC236}">
-                <a16:creationId xmlns:a16="http://schemas.microsoft.com/office/drawing/2014/main" id="{13921B6A-0B38-A13D-E1C9-ED13E632489D}"/>
-              </a:ext>
-            </a:extLst>
-          </p:cNvPr>
+          <p:cNvPr id="4" name="页脚占位符 3"/>
           <p:cNvSpPr>
             <a:spLocks noGrp="1"/>
           </p:cNvSpPr>
@@ -2005,13 +1756,7 @@
       </p:sp>
       <p:sp>
         <p:nvSpPr>
-          <p:cNvPr id="5" name="灯片编号占位符 4">
-            <a:extLst>
-              <a:ext uri="{FF2B5EF4-FFF2-40B4-BE49-F238E27FC236}">
-                <a16:creationId xmlns:a16="http://schemas.microsoft.com/office/drawing/2014/main" id="{8C3FBF4A-6923-96F3-4CCC-426EAAB5F085}"/>
-              </a:ext>
-            </a:extLst>
-          </p:cNvPr>
+          <p:cNvPr id="5" name="灯片编号占位符 4"/>
           <p:cNvSpPr>
             <a:spLocks noGrp="1"/>
           </p:cNvSpPr>
@@ -2026,18 +1771,12 @@
           <a:p>
             <a:fld id="{AB80B9A9-C03D-4F64-ADE2-7C0EC2978D5F}" type="slidenum">
               <a:rPr lang="zh-CN" altLang="en-US" smtClean="0"/>
-              <a:t>‹#›</a:t>
             </a:fld>
             <a:endParaRPr lang="zh-CN" altLang="en-US"/>
           </a:p>
         </p:txBody>
       </p:sp>
     </p:spTree>
-    <p:extLst>
-      <p:ext uri="{BB962C8B-B14F-4D97-AF65-F5344CB8AC3E}">
-        <p14:creationId xmlns:p14="http://schemas.microsoft.com/office/powerpoint/2010/main" val="3843442546"/>
-      </p:ext>
-    </p:extLst>
   </p:cSld>
   <p:clrMapOvr>
     <a:masterClrMapping/>
@@ -2064,13 +1803,7 @@
       </p:grpSpPr>
       <p:sp>
         <p:nvSpPr>
-          <p:cNvPr id="2" name="日期占位符 1">
-            <a:extLst>
-              <a:ext uri="{FF2B5EF4-FFF2-40B4-BE49-F238E27FC236}">
-                <a16:creationId xmlns:a16="http://schemas.microsoft.com/office/drawing/2014/main" id="{F6DBF4B0-B4CF-7031-B05A-375125398CC0}"/>
-              </a:ext>
-            </a:extLst>
-          </p:cNvPr>
+          <p:cNvPr id="2" name="日期占位符 1"/>
           <p:cNvSpPr>
             <a:spLocks noGrp="1"/>
           </p:cNvSpPr>
@@ -2085,7 +1818,6 @@
           <a:p>
             <a:fld id="{51FD5836-1B78-4E70-983F-F8F353C30F27}" type="datetimeFigureOut">
               <a:rPr lang="zh-CN" altLang="en-US" smtClean="0"/>
-              <a:t>2024/5/23</a:t>
             </a:fld>
             <a:endParaRPr lang="zh-CN" altLang="en-US"/>
           </a:p>
@@ -2093,13 +1825,7 @@
       </p:sp>
       <p:sp>
         <p:nvSpPr>
-          <p:cNvPr id="3" name="页脚占位符 2">
-            <a:extLst>
-              <a:ext uri="{FF2B5EF4-FFF2-40B4-BE49-F238E27FC236}">
-                <a16:creationId xmlns:a16="http://schemas.microsoft.com/office/drawing/2014/main" id="{9BF1C19B-ADDB-CC16-B9DA-2E3C0B566455}"/>
-              </a:ext>
-            </a:extLst>
-          </p:cNvPr>
+          <p:cNvPr id="3" name="页脚占位符 2"/>
           <p:cNvSpPr>
             <a:spLocks noGrp="1"/>
           </p:cNvSpPr>
@@ -2118,13 +1844,7 @@
       </p:sp>
       <p:sp>
         <p:nvSpPr>
-          <p:cNvPr id="4" name="灯片编号占位符 3">
-            <a:extLst>
-              <a:ext uri="{FF2B5EF4-FFF2-40B4-BE49-F238E27FC236}">
-                <a16:creationId xmlns:a16="http://schemas.microsoft.com/office/drawing/2014/main" id="{8519AD77-C9A3-0FA4-D45C-186F002BD7AF}"/>
-              </a:ext>
-            </a:extLst>
-          </p:cNvPr>
+          <p:cNvPr id="4" name="灯片编号占位符 3"/>
           <p:cNvSpPr>
             <a:spLocks noGrp="1"/>
           </p:cNvSpPr>
@@ -2139,18 +1859,12 @@
           <a:p>
             <a:fld id="{AB80B9A9-C03D-4F64-ADE2-7C0EC2978D5F}" type="slidenum">
               <a:rPr lang="zh-CN" altLang="en-US" smtClean="0"/>
-              <a:t>‹#›</a:t>
             </a:fld>
             <a:endParaRPr lang="zh-CN" altLang="en-US"/>
           </a:p>
         </p:txBody>
       </p:sp>
     </p:spTree>
-    <p:extLst>
-      <p:ext uri="{BB962C8B-B14F-4D97-AF65-F5344CB8AC3E}">
-        <p14:creationId xmlns:p14="http://schemas.microsoft.com/office/powerpoint/2010/main" val="2032795263"/>
-      </p:ext>
-    </p:extLst>
   </p:cSld>
   <p:clrMapOvr>
     <a:masterClrMapping/>
@@ -2177,13 +1891,7 @@
       </p:grpSpPr>
       <p:sp>
         <p:nvSpPr>
-          <p:cNvPr id="2" name="标题 1">
-            <a:extLst>
-              <a:ext uri="{FF2B5EF4-FFF2-40B4-BE49-F238E27FC236}">
-                <a16:creationId xmlns:a16="http://schemas.microsoft.com/office/drawing/2014/main" id="{2C00B875-2309-BDB1-DA9D-35537AA644A5}"/>
-              </a:ext>
-            </a:extLst>
-          </p:cNvPr>
+          <p:cNvPr id="2" name="标题 1"/>
           <p:cNvSpPr>
             <a:spLocks noGrp="1"/>
           </p:cNvSpPr>
@@ -2209,18 +1917,13 @@
               <a:rPr lang="zh-CN" altLang="en-US"/>
               <a:t>单击此处编辑母版标题样式</a:t>
             </a:r>
-          </a:p>
-        </p:txBody>
-      </p:sp>
-      <p:sp>
-        <p:nvSpPr>
-          <p:cNvPr id="3" name="内容占位符 2">
-            <a:extLst>
-              <a:ext uri="{FF2B5EF4-FFF2-40B4-BE49-F238E27FC236}">
-                <a16:creationId xmlns:a16="http://schemas.microsoft.com/office/drawing/2014/main" id="{E4E13892-F0C8-0EC5-9CE1-4FCD7805FA6C}"/>
-              </a:ext>
-            </a:extLst>
-          </p:cNvPr>
+            <a:endParaRPr lang="zh-CN" altLang="en-US"/>
+          </a:p>
+        </p:txBody>
+      </p:sp>
+      <p:sp>
+        <p:nvSpPr>
+          <p:cNvPr id="3" name="内容占位符 2"/>
           <p:cNvSpPr>
             <a:spLocks noGrp="1"/>
           </p:cNvSpPr>
@@ -2271,6 +1974,7 @@
               <a:rPr lang="zh-CN" altLang="en-US"/>
               <a:t>单击此处编辑母版文本样式</a:t>
             </a:r>
+            <a:endParaRPr lang="zh-CN" altLang="en-US"/>
           </a:p>
           <a:p>
             <a:pPr lvl="1"/>
@@ -2278,6 +1982,7 @@
               <a:rPr lang="zh-CN" altLang="en-US"/>
               <a:t>二级</a:t>
             </a:r>
+            <a:endParaRPr lang="zh-CN" altLang="en-US"/>
           </a:p>
           <a:p>
             <a:pPr lvl="2"/>
@@ -2285,6 +1990,7 @@
               <a:rPr lang="zh-CN" altLang="en-US"/>
               <a:t>三级</a:t>
             </a:r>
+            <a:endParaRPr lang="zh-CN" altLang="en-US"/>
           </a:p>
           <a:p>
             <a:pPr lvl="3"/>
@@ -2292,6 +1998,7 @@
               <a:rPr lang="zh-CN" altLang="en-US"/>
               <a:t>四级</a:t>
             </a:r>
+            <a:endParaRPr lang="zh-CN" altLang="en-US"/>
           </a:p>
           <a:p>
             <a:pPr lvl="4"/>
@@ -2299,18 +2006,13 @@
               <a:rPr lang="zh-CN" altLang="en-US"/>
               <a:t>五级</a:t>
             </a:r>
-          </a:p>
-        </p:txBody>
-      </p:sp>
-      <p:sp>
-        <p:nvSpPr>
-          <p:cNvPr id="4" name="文本占位符 3">
-            <a:extLst>
-              <a:ext uri="{FF2B5EF4-FFF2-40B4-BE49-F238E27FC236}">
-                <a16:creationId xmlns:a16="http://schemas.microsoft.com/office/drawing/2014/main" id="{EF0C9EFF-9C72-1CAF-AF85-09A3D5D104A7}"/>
-              </a:ext>
-            </a:extLst>
-          </p:cNvPr>
+            <a:endParaRPr lang="zh-CN" altLang="en-US"/>
+          </a:p>
+        </p:txBody>
+      </p:sp>
+      <p:sp>
+        <p:nvSpPr>
+          <p:cNvPr id="4" name="文本占位符 3"/>
           <p:cNvSpPr>
             <a:spLocks noGrp="1"/>
           </p:cNvSpPr>
@@ -2370,18 +2072,13 @@
               <a:rPr lang="zh-CN" altLang="en-US"/>
               <a:t>单击此处编辑母版文本样式</a:t>
             </a:r>
-          </a:p>
-        </p:txBody>
-      </p:sp>
-      <p:sp>
-        <p:nvSpPr>
-          <p:cNvPr id="5" name="日期占位符 4">
-            <a:extLst>
-              <a:ext uri="{FF2B5EF4-FFF2-40B4-BE49-F238E27FC236}">
-                <a16:creationId xmlns:a16="http://schemas.microsoft.com/office/drawing/2014/main" id="{0E69CBAE-63A2-15DC-D96A-09FC154ACF42}"/>
-              </a:ext>
-            </a:extLst>
-          </p:cNvPr>
+            <a:endParaRPr lang="zh-CN" altLang="en-US"/>
+          </a:p>
+        </p:txBody>
+      </p:sp>
+      <p:sp>
+        <p:nvSpPr>
+          <p:cNvPr id="5" name="日期占位符 4"/>
           <p:cNvSpPr>
             <a:spLocks noGrp="1"/>
           </p:cNvSpPr>
@@ -2396,7 +2093,6 @@
           <a:p>
             <a:fld id="{51FD5836-1B78-4E70-983F-F8F353C30F27}" type="datetimeFigureOut">
               <a:rPr lang="zh-CN" altLang="en-US" smtClean="0"/>
-              <a:t>2024/5/23</a:t>
             </a:fld>
             <a:endParaRPr lang="zh-CN" altLang="en-US"/>
           </a:p>
@@ -2404,13 +2100,7 @@
       </p:sp>
       <p:sp>
         <p:nvSpPr>
-          <p:cNvPr id="6" name="页脚占位符 5">
-            <a:extLst>
-              <a:ext uri="{FF2B5EF4-FFF2-40B4-BE49-F238E27FC236}">
-                <a16:creationId xmlns:a16="http://schemas.microsoft.com/office/drawing/2014/main" id="{FCC53D46-0886-1BEA-6337-5334196F4897}"/>
-              </a:ext>
-            </a:extLst>
-          </p:cNvPr>
+          <p:cNvPr id="6" name="页脚占位符 5"/>
           <p:cNvSpPr>
             <a:spLocks noGrp="1"/>
           </p:cNvSpPr>
@@ -2429,13 +2119,7 @@
       </p:sp>
       <p:sp>
         <p:nvSpPr>
-          <p:cNvPr id="7" name="灯片编号占位符 6">
-            <a:extLst>
-              <a:ext uri="{FF2B5EF4-FFF2-40B4-BE49-F238E27FC236}">
-                <a16:creationId xmlns:a16="http://schemas.microsoft.com/office/drawing/2014/main" id="{1CC2CF55-3BC5-E170-6EF3-3EE27595186B}"/>
-              </a:ext>
-            </a:extLst>
-          </p:cNvPr>
+          <p:cNvPr id="7" name="灯片编号占位符 6"/>
           <p:cNvSpPr>
             <a:spLocks noGrp="1"/>
           </p:cNvSpPr>
@@ -2450,18 +2134,12 @@
           <a:p>
             <a:fld id="{AB80B9A9-C03D-4F64-ADE2-7C0EC2978D5F}" type="slidenum">
               <a:rPr lang="zh-CN" altLang="en-US" smtClean="0"/>
-              <a:t>‹#›</a:t>
             </a:fld>
             <a:endParaRPr lang="zh-CN" altLang="en-US"/>
           </a:p>
         </p:txBody>
       </p:sp>
     </p:spTree>
-    <p:extLst>
-      <p:ext uri="{BB962C8B-B14F-4D97-AF65-F5344CB8AC3E}">
-        <p14:creationId xmlns:p14="http://schemas.microsoft.com/office/powerpoint/2010/main" val="4257840622"/>
-      </p:ext>
-    </p:extLst>
   </p:cSld>
   <p:clrMapOvr>
     <a:masterClrMapping/>
@@ -2488,13 +2166,7 @@
       </p:grpSpPr>
       <p:sp>
         <p:nvSpPr>
-          <p:cNvPr id="2" name="标题 1">
-            <a:extLst>
-              <a:ext uri="{FF2B5EF4-FFF2-40B4-BE49-F238E27FC236}">
-                <a16:creationId xmlns:a16="http://schemas.microsoft.com/office/drawing/2014/main" id="{D70F4F0D-3C59-2760-A146-6138A34B2D4D}"/>
-              </a:ext>
-            </a:extLst>
-          </p:cNvPr>
+          <p:cNvPr id="2" name="标题 1"/>
           <p:cNvSpPr>
             <a:spLocks noGrp="1"/>
           </p:cNvSpPr>
@@ -2520,18 +2192,13 @@
               <a:rPr lang="zh-CN" altLang="en-US"/>
               <a:t>单击此处编辑母版标题样式</a:t>
             </a:r>
-          </a:p>
-        </p:txBody>
-      </p:sp>
-      <p:sp>
-        <p:nvSpPr>
-          <p:cNvPr id="3" name="图片占位符 2">
-            <a:extLst>
-              <a:ext uri="{FF2B5EF4-FFF2-40B4-BE49-F238E27FC236}">
-                <a16:creationId xmlns:a16="http://schemas.microsoft.com/office/drawing/2014/main" id="{3CD8962C-7900-0BC0-1F8B-3919AEFDE1BC}"/>
-              </a:ext>
-            </a:extLst>
-          </p:cNvPr>
+            <a:endParaRPr lang="zh-CN" altLang="en-US"/>
+          </a:p>
+        </p:txBody>
+      </p:sp>
+      <p:sp>
+        <p:nvSpPr>
+          <p:cNvPr id="3" name="图片占位符 2"/>
           <p:cNvSpPr>
             <a:spLocks noGrp="1"/>
           </p:cNvSpPr>
@@ -2592,13 +2259,7 @@
       </p:sp>
       <p:sp>
         <p:nvSpPr>
-          <p:cNvPr id="4" name="文本占位符 3">
-            <a:extLst>
-              <a:ext uri="{FF2B5EF4-FFF2-40B4-BE49-F238E27FC236}">
-                <a16:creationId xmlns:a16="http://schemas.microsoft.com/office/drawing/2014/main" id="{455867B0-94C7-9AD7-DA91-F7F47CF89E1D}"/>
-              </a:ext>
-            </a:extLst>
-          </p:cNvPr>
+          <p:cNvPr id="4" name="文本占位符 3"/>
           <p:cNvSpPr>
             <a:spLocks noGrp="1"/>
           </p:cNvSpPr>
@@ -2658,18 +2319,13 @@
               <a:rPr lang="zh-CN" altLang="en-US"/>
               <a:t>单击此处编辑母版文本样式</a:t>
             </a:r>
-          </a:p>
-        </p:txBody>
-      </p:sp>
-      <p:sp>
-        <p:nvSpPr>
-          <p:cNvPr id="5" name="日期占位符 4">
-            <a:extLst>
-              <a:ext uri="{FF2B5EF4-FFF2-40B4-BE49-F238E27FC236}">
-                <a16:creationId xmlns:a16="http://schemas.microsoft.com/office/drawing/2014/main" id="{CDC0BA10-2EE2-052E-AD1B-05BFD5D1A9DB}"/>
-              </a:ext>
-            </a:extLst>
-          </p:cNvPr>
+            <a:endParaRPr lang="zh-CN" altLang="en-US"/>
+          </a:p>
+        </p:txBody>
+      </p:sp>
+      <p:sp>
+        <p:nvSpPr>
+          <p:cNvPr id="5" name="日期占位符 4"/>
           <p:cNvSpPr>
             <a:spLocks noGrp="1"/>
           </p:cNvSpPr>
@@ -2684,7 +2340,6 @@
           <a:p>
             <a:fld id="{51FD5836-1B78-4E70-983F-F8F353C30F27}" type="datetimeFigureOut">
               <a:rPr lang="zh-CN" altLang="en-US" smtClean="0"/>
-              <a:t>2024/5/23</a:t>
             </a:fld>
             <a:endParaRPr lang="zh-CN" altLang="en-US"/>
           </a:p>
@@ -2692,13 +2347,7 @@
       </p:sp>
       <p:sp>
         <p:nvSpPr>
-          <p:cNvPr id="6" name="页脚占位符 5">
-            <a:extLst>
-              <a:ext uri="{FF2B5EF4-FFF2-40B4-BE49-F238E27FC236}">
-                <a16:creationId xmlns:a16="http://schemas.microsoft.com/office/drawing/2014/main" id="{AA3F60E2-D3B9-8987-93F0-4853E88B7359}"/>
-              </a:ext>
-            </a:extLst>
-          </p:cNvPr>
+          <p:cNvPr id="6" name="页脚占位符 5"/>
           <p:cNvSpPr>
             <a:spLocks noGrp="1"/>
           </p:cNvSpPr>
@@ -2717,13 +2366,7 @@
       </p:sp>
       <p:sp>
         <p:nvSpPr>
-          <p:cNvPr id="7" name="灯片编号占位符 6">
-            <a:extLst>
-              <a:ext uri="{FF2B5EF4-FFF2-40B4-BE49-F238E27FC236}">
-                <a16:creationId xmlns:a16="http://schemas.microsoft.com/office/drawing/2014/main" id="{BCE4ABD0-0B5A-5E74-4B39-594833D639BA}"/>
-              </a:ext>
-            </a:extLst>
-          </p:cNvPr>
+          <p:cNvPr id="7" name="灯片编号占位符 6"/>
           <p:cNvSpPr>
             <a:spLocks noGrp="1"/>
           </p:cNvSpPr>
@@ -2738,18 +2381,12 @@
           <a:p>
             <a:fld id="{AB80B9A9-C03D-4F64-ADE2-7C0EC2978D5F}" type="slidenum">
               <a:rPr lang="zh-CN" altLang="en-US" smtClean="0"/>
-              <a:t>‹#›</a:t>
             </a:fld>
             <a:endParaRPr lang="zh-CN" altLang="en-US"/>
           </a:p>
         </p:txBody>
       </p:sp>
     </p:spTree>
-    <p:extLst>
-      <p:ext uri="{BB962C8B-B14F-4D97-AF65-F5344CB8AC3E}">
-        <p14:creationId xmlns:p14="http://schemas.microsoft.com/office/powerpoint/2010/main" val="2732347102"/>
-      </p:ext>
-    </p:extLst>
   </p:cSld>
   <p:clrMapOvr>
     <a:masterClrMapping/>
@@ -2781,13 +2418,7 @@
       </p:grpSpPr>
       <p:sp>
         <p:nvSpPr>
-          <p:cNvPr id="2" name="标题占位符 1">
-            <a:extLst>
-              <a:ext uri="{FF2B5EF4-FFF2-40B4-BE49-F238E27FC236}">
-                <a16:creationId xmlns:a16="http://schemas.microsoft.com/office/drawing/2014/main" id="{2319F1BD-AFB5-61DA-7E47-828688908BCD}"/>
-              </a:ext>
-            </a:extLst>
-          </p:cNvPr>
+          <p:cNvPr id="2" name="标题占位符 1"/>
           <p:cNvSpPr>
             <a:spLocks noGrp="1"/>
           </p:cNvSpPr>
@@ -2814,18 +2445,13 @@
               <a:rPr lang="zh-CN" altLang="en-US"/>
               <a:t>单击此处编辑母版标题样式</a:t>
             </a:r>
-          </a:p>
-        </p:txBody>
-      </p:sp>
-      <p:sp>
-        <p:nvSpPr>
-          <p:cNvPr id="3" name="文本占位符 2">
-            <a:extLst>
-              <a:ext uri="{FF2B5EF4-FFF2-40B4-BE49-F238E27FC236}">
-                <a16:creationId xmlns:a16="http://schemas.microsoft.com/office/drawing/2014/main" id="{7B5FFBF3-0F68-DE9A-171D-06956400D4CB}"/>
-              </a:ext>
-            </a:extLst>
-          </p:cNvPr>
+            <a:endParaRPr lang="zh-CN" altLang="en-US"/>
+          </a:p>
+        </p:txBody>
+      </p:sp>
+      <p:sp>
+        <p:nvSpPr>
+          <p:cNvPr id="3" name="文本占位符 2"/>
           <p:cNvSpPr>
             <a:spLocks noGrp="1"/>
           </p:cNvSpPr>
@@ -2853,6 +2479,7 @@
               <a:rPr lang="zh-CN" altLang="en-US"/>
               <a:t>单击此处编辑母版文本样式</a:t>
             </a:r>
+            <a:endParaRPr lang="zh-CN" altLang="en-US"/>
           </a:p>
           <a:p>
             <a:pPr lvl="1"/>
@@ -2860,6 +2487,7 @@
               <a:rPr lang="zh-CN" altLang="en-US"/>
               <a:t>二级</a:t>
             </a:r>
+            <a:endParaRPr lang="zh-CN" altLang="en-US"/>
           </a:p>
           <a:p>
             <a:pPr lvl="2"/>
@@ -2867,6 +2495,7 @@
               <a:rPr lang="zh-CN" altLang="en-US"/>
               <a:t>三级</a:t>
             </a:r>
+            <a:endParaRPr lang="zh-CN" altLang="en-US"/>
           </a:p>
           <a:p>
             <a:pPr lvl="3"/>
@@ -2874,6 +2503,7 @@
               <a:rPr lang="zh-CN" altLang="en-US"/>
               <a:t>四级</a:t>
             </a:r>
+            <a:endParaRPr lang="zh-CN" altLang="en-US"/>
           </a:p>
           <a:p>
             <a:pPr lvl="4"/>
@@ -2881,18 +2511,13 @@
               <a:rPr lang="zh-CN" altLang="en-US"/>
               <a:t>五级</a:t>
             </a:r>
-          </a:p>
-        </p:txBody>
-      </p:sp>
-      <p:sp>
-        <p:nvSpPr>
-          <p:cNvPr id="4" name="日期占位符 3">
-            <a:extLst>
-              <a:ext uri="{FF2B5EF4-FFF2-40B4-BE49-F238E27FC236}">
-                <a16:creationId xmlns:a16="http://schemas.microsoft.com/office/drawing/2014/main" id="{ED80AD44-21C1-EC3D-F394-13517E0D857D}"/>
-              </a:ext>
-            </a:extLst>
-          </p:cNvPr>
+            <a:endParaRPr lang="zh-CN" altLang="en-US"/>
+          </a:p>
+        </p:txBody>
+      </p:sp>
+      <p:sp>
+        <p:nvSpPr>
+          <p:cNvPr id="4" name="日期占位符 3"/>
           <p:cNvSpPr>
             <a:spLocks noGrp="1"/>
           </p:cNvSpPr>
@@ -2925,7 +2550,6 @@
           <a:p>
             <a:fld id="{51FD5836-1B78-4E70-983F-F8F353C30F27}" type="datetimeFigureOut">
               <a:rPr lang="zh-CN" altLang="en-US" smtClean="0"/>
-              <a:t>2024/5/23</a:t>
             </a:fld>
             <a:endParaRPr lang="zh-CN" altLang="en-US"/>
           </a:p>
@@ -2933,13 +2557,7 @@
       </p:sp>
       <p:sp>
         <p:nvSpPr>
-          <p:cNvPr id="5" name="页脚占位符 4">
-            <a:extLst>
-              <a:ext uri="{FF2B5EF4-FFF2-40B4-BE49-F238E27FC236}">
-                <a16:creationId xmlns:a16="http://schemas.microsoft.com/office/drawing/2014/main" id="{136DC39D-6AF0-5BC2-75AC-C6865F962B9B}"/>
-              </a:ext>
-            </a:extLst>
-          </p:cNvPr>
+          <p:cNvPr id="5" name="页脚占位符 4"/>
           <p:cNvSpPr>
             <a:spLocks noGrp="1"/>
           </p:cNvSpPr>
@@ -2976,13 +2594,7 @@
       </p:sp>
       <p:sp>
         <p:nvSpPr>
-          <p:cNvPr id="6" name="灯片编号占位符 5">
-            <a:extLst>
-              <a:ext uri="{FF2B5EF4-FFF2-40B4-BE49-F238E27FC236}">
-                <a16:creationId xmlns:a16="http://schemas.microsoft.com/office/drawing/2014/main" id="{E6F69D94-CA5B-9C6A-1095-06A6F069A627}"/>
-              </a:ext>
-            </a:extLst>
-          </p:cNvPr>
+          <p:cNvPr id="6" name="灯片编号占位符 5"/>
           <p:cNvSpPr>
             <a:spLocks noGrp="1"/>
           </p:cNvSpPr>
@@ -3015,18 +2627,12 @@
           <a:p>
             <a:fld id="{AB80B9A9-C03D-4F64-ADE2-7C0EC2978D5F}" type="slidenum">
               <a:rPr lang="zh-CN" altLang="en-US" smtClean="0"/>
-              <a:t>‹#›</a:t>
             </a:fld>
             <a:endParaRPr lang="zh-CN" altLang="en-US"/>
           </a:p>
         </p:txBody>
       </p:sp>
     </p:spTree>
-    <p:extLst>
-      <p:ext uri="{BB962C8B-B14F-4D97-AF65-F5344CB8AC3E}">
-        <p14:creationId xmlns:p14="http://schemas.microsoft.com/office/powerpoint/2010/main" val="4182881793"/>
-      </p:ext>
-    </p:extLst>
   </p:cSld>
   <p:clrMap bg1="lt1" tx1="dk1" bg2="lt2" tx2="dk2" accent1="accent1" accent2="accent2" accent3="accent3" accent4="accent4" accent5="accent5" accent6="accent6" hlink="hlink" folHlink="folHlink"/>
   <p:sldLayoutIdLst>
@@ -3070,7 +2676,7 @@
         <a:spcBef>
           <a:spcPts val="1000"/>
         </a:spcBef>
-        <a:buFont typeface="Arial" panose="020B0604020202020204" pitchFamily="34" charset="0"/>
+        <a:buFont typeface="Arial" panose="020B0604020202090204" pitchFamily="34" charset="0"/>
         <a:buChar char="•"/>
         <a:defRPr sz="2800" kern="1200">
           <a:solidFill>
@@ -3088,7 +2694,7 @@
         <a:spcBef>
           <a:spcPts val="500"/>
         </a:spcBef>
-        <a:buFont typeface="Arial" panose="020B0604020202020204" pitchFamily="34" charset="0"/>
+        <a:buFont typeface="Arial" panose="020B0604020202090204" pitchFamily="34" charset="0"/>
         <a:buChar char="•"/>
         <a:defRPr sz="2400" kern="1200">
           <a:solidFill>
@@ -3106,7 +2712,7 @@
         <a:spcBef>
           <a:spcPts val="500"/>
         </a:spcBef>
-        <a:buFont typeface="Arial" panose="020B0604020202020204" pitchFamily="34" charset="0"/>
+        <a:buFont typeface="Arial" panose="020B0604020202090204" pitchFamily="34" charset="0"/>
         <a:buChar char="•"/>
         <a:defRPr sz="2000" kern="1200">
           <a:solidFill>
@@ -3124,7 +2730,7 @@
         <a:spcBef>
           <a:spcPts val="500"/>
         </a:spcBef>
-        <a:buFont typeface="Arial" panose="020B0604020202020204" pitchFamily="34" charset="0"/>
+        <a:buFont typeface="Arial" panose="020B0604020202090204" pitchFamily="34" charset="0"/>
         <a:buChar char="•"/>
         <a:defRPr sz="1800" kern="1200">
           <a:solidFill>
@@ -3142,7 +2748,7 @@
         <a:spcBef>
           <a:spcPts val="500"/>
         </a:spcBef>
-        <a:buFont typeface="Arial" panose="020B0604020202020204" pitchFamily="34" charset="0"/>
+        <a:buFont typeface="Arial" panose="020B0604020202090204" pitchFamily="34" charset="0"/>
         <a:buChar char="•"/>
         <a:defRPr sz="1800" kern="1200">
           <a:solidFill>
@@ -3160,7 +2766,7 @@
         <a:spcBef>
           <a:spcPts val="500"/>
         </a:spcBef>
-        <a:buFont typeface="Arial" panose="020B0604020202020204" pitchFamily="34" charset="0"/>
+        <a:buFont typeface="Arial" panose="020B0604020202090204" pitchFamily="34" charset="0"/>
         <a:buChar char="•"/>
         <a:defRPr sz="1800" kern="1200">
           <a:solidFill>
@@ -3178,7 +2784,7 @@
         <a:spcBef>
           <a:spcPts val="500"/>
         </a:spcBef>
-        <a:buFont typeface="Arial" panose="020B0604020202020204" pitchFamily="34" charset="0"/>
+        <a:buFont typeface="Arial" panose="020B0604020202090204" pitchFamily="34" charset="0"/>
         <a:buChar char="•"/>
         <a:defRPr sz="1800" kern="1200">
           <a:solidFill>
@@ -3196,7 +2802,7 @@
         <a:spcBef>
           <a:spcPts val="500"/>
         </a:spcBef>
-        <a:buFont typeface="Arial" panose="020B0604020202020204" pitchFamily="34" charset="0"/>
+        <a:buFont typeface="Arial" panose="020B0604020202090204" pitchFamily="34" charset="0"/>
         <a:buChar char="•"/>
         <a:defRPr sz="1800" kern="1200">
           <a:solidFill>
@@ -3214,7 +2820,7 @@
         <a:spcBef>
           <a:spcPts val="500"/>
         </a:spcBef>
-        <a:buFont typeface="Arial" panose="020B0604020202020204" pitchFamily="34" charset="0"/>
+        <a:buFont typeface="Arial" panose="020B0604020202090204" pitchFamily="34" charset="0"/>
         <a:buChar char="•"/>
         <a:defRPr sz="1800" kern="1200">
           <a:solidFill>
@@ -3344,13 +2950,7 @@
       </p:grpSpPr>
       <p:sp>
         <p:nvSpPr>
-          <p:cNvPr id="2" name="标题 1">
-            <a:extLst>
-              <a:ext uri="{FF2B5EF4-FFF2-40B4-BE49-F238E27FC236}">
-                <a16:creationId xmlns:a16="http://schemas.microsoft.com/office/drawing/2014/main" id="{643627E4-3D66-D01B-F68A-5EF8F5966777}"/>
-              </a:ext>
-            </a:extLst>
-          </p:cNvPr>
+          <p:cNvPr id="2" name="标题 1"/>
           <p:cNvSpPr>
             <a:spLocks noGrp="1"/>
           </p:cNvSpPr>
@@ -3373,13 +2973,7 @@
       </p:sp>
       <p:sp>
         <p:nvSpPr>
-          <p:cNvPr id="3" name="副标题 2">
-            <a:extLst>
-              <a:ext uri="{FF2B5EF4-FFF2-40B4-BE49-F238E27FC236}">
-                <a16:creationId xmlns:a16="http://schemas.microsoft.com/office/drawing/2014/main" id="{9941ACF3-54B9-CF6D-4AFC-71BD6B50B5CC}"/>
-              </a:ext>
-            </a:extLst>
-          </p:cNvPr>
+          <p:cNvPr id="3" name="副标题 2"/>
           <p:cNvSpPr>
             <a:spLocks noGrp="1"/>
           </p:cNvSpPr>
@@ -3397,11 +2991,6 @@
         </p:txBody>
       </p:sp>
     </p:spTree>
-    <p:extLst>
-      <p:ext uri="{BB962C8B-B14F-4D97-AF65-F5344CB8AC3E}">
-        <p14:creationId xmlns:p14="http://schemas.microsoft.com/office/powerpoint/2010/main" val="2737774238"/>
-      </p:ext>
-    </p:extLst>
   </p:cSld>
   <p:clrMapOvr>
     <a:masterClrMapping/>
@@ -3428,13 +3017,7 @@
       </p:grpSpPr>
       <p:sp>
         <p:nvSpPr>
-          <p:cNvPr id="2" name="标题 1">
-            <a:extLst>
-              <a:ext uri="{FF2B5EF4-FFF2-40B4-BE49-F238E27FC236}">
-                <a16:creationId xmlns:a16="http://schemas.microsoft.com/office/drawing/2014/main" id="{F24B1AC8-C346-C066-8312-EC4669007BC2}"/>
-              </a:ext>
-            </a:extLst>
-          </p:cNvPr>
+          <p:cNvPr id="2" name="标题 1"/>
           <p:cNvSpPr>
             <a:spLocks noGrp="1"/>
           </p:cNvSpPr>
@@ -3464,13 +3047,7 @@
       </p:sp>
       <p:sp>
         <p:nvSpPr>
-          <p:cNvPr id="3" name="内容占位符 2">
-            <a:extLst>
-              <a:ext uri="{FF2B5EF4-FFF2-40B4-BE49-F238E27FC236}">
-                <a16:creationId xmlns:a16="http://schemas.microsoft.com/office/drawing/2014/main" id="{48E70D3F-7BCE-F295-1DBC-CFC2BC54F02B}"/>
-              </a:ext>
-            </a:extLst>
-          </p:cNvPr>
+          <p:cNvPr id="3" name="内容占位符 2"/>
           <p:cNvSpPr>
             <a:spLocks noGrp="1"/>
           </p:cNvSpPr>
@@ -3491,9 +3068,14 @@
           <a:lstStyle/>
           <a:p>
             <a:r>
+              <a:rPr lang="en-US" altLang="zh-CN" sz="2000" b="1" dirty="0"/>
+              <a:t>Callback</a:t>
+            </a:r>
+            <a:r>
               <a:rPr lang="en-US" altLang="zh-CN" sz="2000" dirty="0"/>
-              <a:t>Callback: Minimum scheduling entity</a:t>
-            </a:r>
+              <a:t>: Minimum scheduling entity</a:t>
+            </a:r>
+            <a:endParaRPr lang="en-US" altLang="zh-CN" sz="2000" dirty="0"/>
           </a:p>
           <a:p>
             <a:pPr lvl="1"/>
@@ -3501,6 +3083,7 @@
               <a:rPr lang="en-US" altLang="zh-CN" sz="1600" dirty="0"/>
               <a:t>Including timers, subscriptions, services, and client callbacks.</a:t>
             </a:r>
+            <a:endParaRPr lang="en-US" altLang="zh-CN" sz="1600" dirty="0"/>
           </a:p>
           <a:p>
             <a:pPr lvl="1"/>
@@ -3508,6 +3091,7 @@
               <a:rPr lang="en-US" altLang="zh-CN" sz="1600" dirty="0"/>
               <a:t>Timer callbacks have a period (time trigger). </a:t>
             </a:r>
+            <a:endParaRPr lang="en-US" altLang="zh-CN" sz="1600" dirty="0"/>
           </a:p>
           <a:p>
             <a:pPr lvl="1"/>
@@ -3515,6 +3099,7 @@
               <a:rPr lang="en-US" altLang="zh-CN" sz="1600" dirty="0"/>
               <a:t>Others are regular callbacks (event triggered)</a:t>
             </a:r>
+            <a:endParaRPr lang="en-US" altLang="zh-CN" sz="1600" dirty="0"/>
           </a:p>
           <a:p>
             <a:pPr lvl="1"/>
@@ -3522,12 +3107,18 @@
               <a:rPr lang="en-US" altLang="zh-CN" sz="1600" dirty="0"/>
               <a:t>With priority attribute: Timer&gt;Subscription&gt;Service&gt;Client</a:t>
             </a:r>
-          </a:p>
-          <a:p>
+            <a:endParaRPr lang="en-US" altLang="zh-CN" sz="1600" dirty="0"/>
+          </a:p>
+          <a:p>
+            <a:r>
+              <a:rPr lang="en-US" altLang="zh-CN" sz="2000" b="1" dirty="0"/>
+              <a:t>Node</a:t>
+            </a:r>
             <a:r>
               <a:rPr lang="en-US" altLang="zh-CN" sz="2000" dirty="0"/>
-              <a:t>Node: publish-subscribe communication</a:t>
-            </a:r>
+              <a:t>: publish-subscribe communication</a:t>
+            </a:r>
+            <a:endParaRPr lang="en-US" altLang="zh-CN" sz="2000" dirty="0"/>
           </a:p>
           <a:p>
             <a:pPr lvl="1"/>
@@ -3547,6 +3138,7 @@
               <a:rPr lang="en-US" altLang="zh-CN" sz="1600" dirty="0"/>
               <a:t>Can only be assigned to the only executor</a:t>
             </a:r>
+            <a:endParaRPr lang="en-US" altLang="zh-CN" sz="1600" dirty="0"/>
           </a:p>
           <a:p>
             <a:pPr lvl="1"/>
@@ -3566,12 +3158,18 @@
               <a:rPr lang="en-US" altLang="zh-CN" sz="1600" dirty="0"/>
               <a:t>Messages published by nodes to multiple topics are processed concurrently</a:t>
             </a:r>
-          </a:p>
-          <a:p>
+            <a:endParaRPr lang="en-US" altLang="zh-CN" sz="1600" dirty="0"/>
+          </a:p>
+          <a:p>
+            <a:r>
+              <a:rPr lang="en-US" altLang="zh-CN" sz="2000" b="1" dirty="0"/>
+              <a:t>Executor</a:t>
+            </a:r>
             <a:r>
               <a:rPr lang="en-US" altLang="zh-CN" sz="2000" dirty="0"/>
-              <a:t>Executor: schedule callback execution</a:t>
-            </a:r>
+              <a:t>: schedule callback execution</a:t>
+            </a:r>
+            <a:endParaRPr lang="en-US" altLang="zh-CN" sz="2000" dirty="0"/>
           </a:p>
           <a:p>
             <a:pPr lvl="1"/>
@@ -3579,6 +3177,7 @@
               <a:rPr lang="en-US" altLang="zh-CN" sz="1600" dirty="0"/>
               <a:t>The executor itself occupies a thread</a:t>
             </a:r>
+            <a:endParaRPr lang="en-US" altLang="zh-CN" sz="1600" dirty="0"/>
           </a:p>
           <a:p>
             <a:pPr lvl="1"/>
@@ -3586,6 +3185,7 @@
               <a:rPr lang="en-US" altLang="zh-CN" sz="1600" dirty="0"/>
               <a:t>Nodes are assigned to different executors, and all callbacks within the node are scheduled by this executor.</a:t>
             </a:r>
+            <a:endParaRPr lang="en-US" altLang="zh-CN" sz="1600" dirty="0"/>
           </a:p>
           <a:p>
             <a:pPr lvl="1"/>
@@ -3593,6 +3193,7 @@
               <a:rPr lang="en-US" altLang="zh-CN" sz="1600" dirty="0"/>
               <a:t>Divided into single-threaded executors and multi-threaded executors</a:t>
             </a:r>
+            <a:endParaRPr lang="en-US" altLang="zh-CN" sz="1600" dirty="0"/>
           </a:p>
           <a:p>
             <a:pPr lvl="1"/>
@@ -3600,6 +3201,7 @@
               <a:rPr lang="en-US" altLang="zh-CN" sz="1600" dirty="0"/>
               <a:t>Single-threaded executor: handle all callbacks in a single thread</a:t>
             </a:r>
+            <a:endParaRPr lang="en-US" altLang="zh-CN" sz="1600" dirty="0"/>
           </a:p>
           <a:p>
             <a:pPr lvl="1"/>
@@ -3607,6 +3209,7 @@
               <a:rPr lang="en-US" altLang="zh-CN" sz="1600" dirty="0"/>
               <a:t>Multi-threaded executor: multiple threads handle callbacks</a:t>
             </a:r>
+            <a:endParaRPr lang="en-US" altLang="zh-CN" sz="1600" dirty="0"/>
           </a:p>
           <a:p>
             <a:pPr lvl="1"/>
@@ -3620,20 +3223,14 @@
       </p:sp>
       <p:pic>
         <p:nvPicPr>
-          <p:cNvPr id="9" name="图片 8">
-            <a:extLst>
-              <a:ext uri="{FF2B5EF4-FFF2-40B4-BE49-F238E27FC236}">
-                <a16:creationId xmlns:a16="http://schemas.microsoft.com/office/drawing/2014/main" id="{F3083EF5-D78C-2A6E-E1E2-1EE1CD37242B}"/>
-              </a:ext>
-            </a:extLst>
-          </p:cNvPr>
+          <p:cNvPr id="9" name="图片 8"/>
           <p:cNvPicPr>
             <a:picLocks noChangeAspect="1"/>
           </p:cNvPicPr>
           <p:nvPr/>
         </p:nvPicPr>
         <p:blipFill>
-          <a:blip r:embed="rId2"/>
+          <a:blip r:embed="rId1"/>
           <a:stretch>
             <a:fillRect/>
           </a:stretch>
@@ -3649,11 +3246,6 @@
         </p:spPr>
       </p:pic>
     </p:spTree>
-    <p:extLst>
-      <p:ext uri="{BB962C8B-B14F-4D97-AF65-F5344CB8AC3E}">
-        <p14:creationId xmlns:p14="http://schemas.microsoft.com/office/powerpoint/2010/main" val="3771486269"/>
-      </p:ext>
-    </p:extLst>
   </p:cSld>
   <p:clrMapOvr>
     <a:masterClrMapping/>
@@ -3680,13 +3272,7 @@
       </p:grpSpPr>
       <p:sp>
         <p:nvSpPr>
-          <p:cNvPr id="2" name="标题 1">
-            <a:extLst>
-              <a:ext uri="{FF2B5EF4-FFF2-40B4-BE49-F238E27FC236}">
-                <a16:creationId xmlns:a16="http://schemas.microsoft.com/office/drawing/2014/main" id="{F24B1AC8-C346-C066-8312-EC4669007BC2}"/>
-              </a:ext>
-            </a:extLst>
-          </p:cNvPr>
+          <p:cNvPr id="2" name="标题 1"/>
           <p:cNvSpPr>
             <a:spLocks noGrp="1"/>
           </p:cNvSpPr>
@@ -3716,13 +3302,7 @@
       </p:sp>
       <p:sp>
         <p:nvSpPr>
-          <p:cNvPr id="3" name="内容占位符 2">
-            <a:extLst>
-              <a:ext uri="{FF2B5EF4-FFF2-40B4-BE49-F238E27FC236}">
-                <a16:creationId xmlns:a16="http://schemas.microsoft.com/office/drawing/2014/main" id="{48E70D3F-7BCE-F295-1DBC-CFC2BC54F02B}"/>
-              </a:ext>
-            </a:extLst>
-          </p:cNvPr>
+          <p:cNvPr id="3" name="内容占位符 2"/>
           <p:cNvSpPr>
             <a:spLocks noGrp="1"/>
           </p:cNvSpPr>
@@ -3750,6 +3330,13 @@
               <a:rPr lang="zh-CN" altLang="en-US" sz="2000" dirty="0"/>
               <a:t> </a:t>
             </a:r>
+            <a:endParaRPr lang="zh-CN" altLang="en-US" sz="2000" dirty="0"/>
+          </a:p>
+          <a:p>
+            <a:r>
+              <a:rPr lang="en-US" altLang="zh-CN" sz="2000" dirty="0"/>
+              <a:t>Processing window: between two polling points.</a:t>
+            </a:r>
             <a:endParaRPr lang="en-US" altLang="zh-CN" sz="2000" dirty="0"/>
           </a:p>
           <a:p>
@@ -3757,6 +3344,7 @@
               <a:rPr lang="en-US" altLang="zh-CN" sz="2000" dirty="0"/>
               <a:t>Single-threaded executor process</a:t>
             </a:r>
+            <a:endParaRPr lang="en-US" altLang="zh-CN" sz="2000" dirty="0"/>
           </a:p>
           <a:p>
             <a:pPr lvl="1"/>
@@ -3768,6 +3356,7 @@
               <a:rPr lang="en-US" altLang="zh-CN" sz="1600" dirty="0"/>
               <a:t> is empty, reaching the polling point</a:t>
             </a:r>
+            <a:endParaRPr lang="en-US" altLang="zh-CN" sz="1600" dirty="0"/>
           </a:p>
           <a:p>
             <a:pPr lvl="1"/>
@@ -3787,6 +3376,7 @@
               <a:rPr lang="en-US" altLang="zh-CN" sz="1600" dirty="0"/>
               <a:t>The timer callback does not need to wait for the polling point, only needs to wait for the scheduled arrival</a:t>
             </a:r>
+            <a:endParaRPr lang="en-US" altLang="zh-CN" sz="1600" dirty="0"/>
           </a:p>
           <a:p>
             <a:pPr lvl="1"/>
@@ -3794,6 +3384,7 @@
               <a:rPr lang="en-US" altLang="zh-CN" sz="1600" dirty="0"/>
               <a:t>In a poll, only the first instance of the callback is processed</a:t>
             </a:r>
+            <a:endParaRPr lang="en-US" altLang="zh-CN" sz="1600" dirty="0"/>
           </a:p>
           <a:p>
             <a:pPr lvl="1"/>
@@ -3801,6 +3392,7 @@
               <a:rPr lang="en-US" altLang="zh-CN" sz="1600" dirty="0"/>
               <a:t>The order in which instances are executed is determined by type priority:</a:t>
             </a:r>
+            <a:endParaRPr lang="en-US" altLang="zh-CN" sz="1600" dirty="0"/>
           </a:p>
           <a:p>
             <a:pPr lvl="1"/>
@@ -3808,6 +3400,7 @@
               <a:rPr lang="en-US" altLang="zh-CN" sz="1600" dirty="0"/>
               <a:t>Timers&gt;Subscriptions&gt;Services&gt;Client</a:t>
             </a:r>
+            <a:endParaRPr lang="en-US" altLang="zh-CN" sz="1600" dirty="0"/>
           </a:p>
           <a:p>
             <a:pPr lvl="1"/>
@@ -3815,6 +3408,7 @@
               <a:rPr lang="en-US" altLang="zh-CN" sz="1600" dirty="0"/>
               <a:t>When the type priorities are the same, compare the callback registration time, and the earlier registration time has higher priority.</a:t>
             </a:r>
+            <a:endParaRPr lang="en-US" altLang="zh-CN" sz="1600" dirty="0"/>
           </a:p>
           <a:p>
             <a:pPr lvl="1"/>
@@ -3830,25 +3424,20 @@
               <a:rPr lang="en-US" altLang="zh-CN" sz="1600" dirty="0"/>
               <a:t> is empty.</a:t>
             </a:r>
+            <a:endParaRPr lang="en-US" altLang="zh-CN" sz="1600" dirty="0"/>
           </a:p>
         </p:txBody>
       </p:sp>
       <p:pic>
         <p:nvPicPr>
-          <p:cNvPr id="5" name="图片 4">
-            <a:extLst>
-              <a:ext uri="{FF2B5EF4-FFF2-40B4-BE49-F238E27FC236}">
-                <a16:creationId xmlns:a16="http://schemas.microsoft.com/office/drawing/2014/main" id="{31F7852E-FF43-2AC8-8707-8A856BFC1AB2}"/>
-              </a:ext>
-            </a:extLst>
-          </p:cNvPr>
+          <p:cNvPr id="5" name="图片 4"/>
           <p:cNvPicPr>
             <a:picLocks noChangeAspect="1"/>
           </p:cNvPicPr>
           <p:nvPr/>
         </p:nvPicPr>
         <p:blipFill>
-          <a:blip r:embed="rId2"/>
+          <a:blip r:embed="rId1"/>
           <a:stretch>
             <a:fillRect/>
           </a:stretch>
@@ -3864,11 +3453,6 @@
         </p:spPr>
       </p:pic>
     </p:spTree>
-    <p:extLst>
-      <p:ext uri="{BB962C8B-B14F-4D97-AF65-F5344CB8AC3E}">
-        <p14:creationId xmlns:p14="http://schemas.microsoft.com/office/powerpoint/2010/main" val="2604598608"/>
-      </p:ext>
-    </p:extLst>
   </p:cSld>
   <p:clrMapOvr>
     <a:masterClrMapping/>
@@ -3895,13 +3479,7 @@
       </p:grpSpPr>
       <p:sp>
         <p:nvSpPr>
-          <p:cNvPr id="2" name="标题 1">
-            <a:extLst>
-              <a:ext uri="{FF2B5EF4-FFF2-40B4-BE49-F238E27FC236}">
-                <a16:creationId xmlns:a16="http://schemas.microsoft.com/office/drawing/2014/main" id="{F24B1AC8-C346-C066-8312-EC4669007BC2}"/>
-              </a:ext>
-            </a:extLst>
-          </p:cNvPr>
+          <p:cNvPr id="2" name="标题 1"/>
           <p:cNvSpPr>
             <a:spLocks noGrp="1"/>
           </p:cNvSpPr>
@@ -3929,164 +3507,568 @@
           </a:p>
         </p:txBody>
       </p:sp>
-      <p:sp>
-        <p:nvSpPr>
-          <p:cNvPr id="3" name="内容占位符 2">
-            <a:extLst>
-              <a:ext uri="{FF2B5EF4-FFF2-40B4-BE49-F238E27FC236}">
-                <a16:creationId xmlns:a16="http://schemas.microsoft.com/office/drawing/2014/main" id="{48E70D3F-7BCE-F295-1DBC-CFC2BC54F02B}"/>
-              </a:ext>
-            </a:extLst>
-          </p:cNvPr>
-          <p:cNvSpPr>
-            <a:spLocks noGrp="1"/>
-          </p:cNvSpPr>
-          <p:nvPr>
-            <p:ph idx="1"/>
-          </p:nvPr>
-        </p:nvSpPr>
-        <p:spPr>
-          <a:xfrm>
-            <a:off x="0" y="575652"/>
-            <a:ext cx="12192000" cy="5753344"/>
-          </a:xfrm>
-        </p:spPr>
-        <p:txBody>
-          <a:bodyPr>
-            <a:normAutofit/>
-          </a:bodyPr>
-          <a:lstStyle/>
-          <a:p>
-            <a:r>
-              <a:rPr lang="en-US" altLang="zh-CN" sz="2000" dirty="0"/>
-              <a:t>The triggering relationship between callbacks constitutes the callback chain</a:t>
-            </a:r>
-          </a:p>
-          <a:p>
-            <a:r>
-              <a:rPr lang="en-US" altLang="zh-CN" sz="2000" dirty="0"/>
-              <a:t>A callback chain can exist within a single executor or node, or span multiple executors.</a:t>
-            </a:r>
-          </a:p>
-          <a:p>
-            <a:pPr lvl="1"/>
-            <a:r>
-              <a:rPr lang="en-US" altLang="zh-CN" sz="1600" dirty="0"/>
-              <a:t>Similar to a chain of tasks (callbacks) scheduled on a single or multiple cores (single or multiple executors), instances of tasks are similar to instances of callbacks</a:t>
-            </a:r>
-          </a:p>
-          <a:p>
-            <a:pPr lvl="1"/>
-            <a:r>
-              <a:rPr lang="en-US" altLang="zh-CN" sz="1600" dirty="0"/>
-              <a:t>Callbacks only belong to one callback chain - single task chain model</a:t>
-            </a:r>
-          </a:p>
-          <a:p>
-            <a:pPr lvl="1"/>
-            <a:r>
-              <a:rPr lang="en-US" altLang="zh-CN" sz="1600" dirty="0"/>
-              <a:t>Callbacks can belong to multiple callback chains - DAG model</a:t>
-            </a:r>
-            <a:endParaRPr lang="en-US" altLang="zh-CN" sz="2000" dirty="0"/>
-          </a:p>
-          <a:p>
-            <a:r>
-              <a:rPr lang="en-US" altLang="zh-CN" sz="2000" dirty="0"/>
-              <a:t>The callback chain usually starts with a timer callback, followed by regular callbacks.</a:t>
-            </a:r>
-          </a:p>
-          <a:p>
-            <a:r>
-              <a:rPr lang="en-US" altLang="zh-CN" sz="1600" dirty="0"/>
-              <a:t>C = {</a:t>
-            </a:r>
-            <a:r>
-              <a:rPr lang="en-US" altLang="zh-CN" sz="1600" dirty="0" err="1"/>
-              <a:t>Ctm</a:t>
-            </a:r>
-            <a:r>
-              <a:rPr lang="en-US" altLang="zh-CN" sz="1600" dirty="0"/>
-              <a:t>, C1, ..., CN}, C_1^I, </a:t>
-            </a:r>
-            <a:r>
-              <a:rPr lang="en-US" altLang="zh-CN" sz="1600" dirty="0" err="1"/>
-              <a:t>i-th</a:t>
-            </a:r>
-            <a:r>
-              <a:rPr lang="en-US" altLang="zh-CN" sz="1600" dirty="0"/>
-              <a:t> instance of c1 callback</a:t>
-            </a:r>
-          </a:p>
-          <a:p>
-            <a:r>
-              <a:rPr lang="en-US" altLang="zh-CN" sz="2000" dirty="0"/>
-              <a:t>External events (e.g. sensors) are not constructs in ROS2 systems, but can be modeled as pseudo-callbacks</a:t>
-            </a:r>
-          </a:p>
-          <a:p>
-            <a:pPr lvl="1"/>
-            <a:r>
-              <a:rPr lang="en-US" altLang="zh-CN" sz="1600" dirty="0"/>
-              <a:t>An external event interface is added, which can publish messages to ROS2 nodes and trigger corresponding callbacks to continue processing.</a:t>
-            </a:r>
-          </a:p>
-          <a:p>
-            <a:r>
-              <a:rPr lang="en-US" altLang="zh-CN" sz="2000" dirty="0"/>
-              <a:t>Attributes:</a:t>
-            </a:r>
-          </a:p>
-          <a:p>
-            <a:pPr lvl="1"/>
-            <a:r>
-              <a:rPr lang="en-US" altLang="zh-CN" sz="1600" dirty="0"/>
-              <a:t>Different instances of the same callback are executed in the order of activation. $C^{i−1}_z$ must be completed before $C^{</a:t>
-            </a:r>
-            <a:r>
-              <a:rPr lang="en-US" altLang="zh-CN" sz="1600" dirty="0" err="1"/>
-              <a:t>i</a:t>
-            </a:r>
-            <a:r>
-              <a:rPr lang="en-US" altLang="zh-CN" sz="1600" dirty="0"/>
-              <a:t>}_z$ can continue. </a:t>
-            </a:r>
-            <a:endParaRPr lang="en-US" altLang="zh-CN" sz="1200" dirty="0"/>
-          </a:p>
-          <a:p>
-            <a:pPr lvl="1"/>
-            <a:r>
-              <a:rPr lang="en-US" altLang="zh-CN" sz="1600" dirty="0"/>
-              <a:t>The executor selects a new instance only after the previous instance has completed. $</a:t>
-            </a:r>
-            <a:r>
-              <a:rPr lang="en-US" altLang="zh-CN" sz="1600" dirty="0" err="1"/>
-              <a:t>C^i</a:t>
-            </a:r>
-            <a:r>
-              <a:rPr lang="en-US" altLang="zh-CN" sz="1600" dirty="0"/>
-              <a:t>_{z-1}$ is completed and can continue $</a:t>
-            </a:r>
-            <a:r>
-              <a:rPr lang="en-US" altLang="zh-CN" sz="1600" dirty="0" err="1"/>
-              <a:t>C^i</a:t>
-            </a:r>
-            <a:r>
-              <a:rPr lang="en-US" altLang="zh-CN" sz="1600" dirty="0"/>
-              <a:t>_{z}$</a:t>
-            </a:r>
-          </a:p>
-        </p:txBody>
-      </p:sp>
+      <mc:AlternateContent xmlns:mc="http://schemas.openxmlformats.org/markup-compatibility/2006">
+        <mc:Choice xmlns:a14="http://schemas.microsoft.com/office/drawing/2010/main" Requires="a14">
+          <p:sp>
+            <p:nvSpPr>
+              <p:cNvPr id="3" name="内容占位符 2"/>
+              <p:cNvSpPr>
+                <a:spLocks noGrp="1"/>
+              </p:cNvSpPr>
+              <p:nvPr>
+                <p:ph idx="1"/>
+              </p:nvPr>
+            </p:nvSpPr>
+            <p:spPr>
+              <a:xfrm>
+                <a:off x="0" y="575652"/>
+                <a:ext cx="12192000" cy="5753344"/>
+              </a:xfrm>
+            </p:spPr>
+            <p:txBody>
+              <a:bodyPr>
+                <a:normAutofit/>
+              </a:bodyPr>
+              <a:lstStyle/>
+              <a:p>
+                <a:r>
+                  <a:rPr lang="en-US" altLang="zh-CN" sz="2000" dirty="0"/>
+                  <a:t>The triggering relationship between callbacks constitutes the callback chain</a:t>
+                </a:r>
+                <a:endParaRPr lang="en-US" altLang="zh-CN" sz="2000" dirty="0"/>
+              </a:p>
+              <a:p>
+                <a:r>
+                  <a:rPr lang="en-US" altLang="zh-CN" sz="2000" dirty="0"/>
+                  <a:t>A callback chain can exist within a single executor or node, or span multiple executors.</a:t>
+                </a:r>
+                <a:endParaRPr lang="en-US" altLang="zh-CN" sz="2000" dirty="0"/>
+              </a:p>
+              <a:p>
+                <a:pPr lvl="1"/>
+                <a:r>
+                  <a:rPr lang="en-US" altLang="zh-CN" sz="1600" dirty="0"/>
+                  <a:t>Similar to a chain of tasks (callbacks) scheduled on a single or multiple cores (single or multiple executors), instances of tasks are similar to instances of callbacks</a:t>
+                </a:r>
+                <a:endParaRPr lang="en-US" altLang="zh-CN" sz="1600" dirty="0"/>
+              </a:p>
+              <a:p>
+                <a:pPr lvl="1"/>
+                <a:r>
+                  <a:rPr lang="en-US" altLang="zh-CN" sz="1600" dirty="0"/>
+                  <a:t>Callbacks only belong to one callback chain - single task chain model</a:t>
+                </a:r>
+                <a:endParaRPr lang="en-US" altLang="zh-CN" sz="1600" dirty="0"/>
+              </a:p>
+              <a:p>
+                <a:pPr lvl="1"/>
+                <a:r>
+                  <a:rPr lang="en-US" altLang="zh-CN" sz="1600" dirty="0"/>
+                  <a:t>Callbacks can belong to multiple callback chains - DAG model</a:t>
+                </a:r>
+                <a:endParaRPr lang="en-US" altLang="zh-CN" sz="2000" dirty="0"/>
+              </a:p>
+              <a:p>
+                <a:r>
+                  <a:rPr lang="en-US" altLang="zh-CN" sz="2000" dirty="0"/>
+                  <a:t>The callback chain usually starts with a timer callback, followed by regular callbacks.</a:t>
+                </a:r>
+                <a:endParaRPr lang="en-US" altLang="zh-CN" sz="2000" dirty="0"/>
+              </a:p>
+              <a:p>
+                <a14:m>
+                  <m:oMath xmlns:m="http://schemas.openxmlformats.org/officeDocument/2006/math">
+                    <m:r>
+                      <a:rPr lang="en-US" altLang="zh-CN" sz="1600" i="1" dirty="0">
+                        <a:latin typeface="DejaVu Math TeX Gyre" panose="02000503000000000000" charset="0"/>
+                        <a:cs typeface="DejaVu Math TeX Gyre" panose="02000503000000000000" charset="0"/>
+                      </a:rPr>
+                      <m:t>𝐶</m:t>
+                    </m:r>
+                    <m:r>
+                      <a:rPr lang="en-US" altLang="zh-CN" sz="1600" i="1" dirty="0">
+                        <a:latin typeface="DejaVu Math TeX Gyre" panose="02000503000000000000" charset="0"/>
+                        <a:cs typeface="DejaVu Math TeX Gyre" panose="02000503000000000000" charset="0"/>
+                      </a:rPr>
+                      <m:t>={</m:t>
+                    </m:r>
+                    <m:sSubSup>
+                      <m:sSubSupPr>
+                        <m:ctrlPr>
+                          <a:rPr lang="en-US" altLang="zh-CN" sz="1600" i="1" dirty="0">
+                            <a:latin typeface="DejaVu Math TeX Gyre" panose="02000503000000000000" charset="0"/>
+                            <a:cs typeface="DejaVu Math TeX Gyre" panose="02000503000000000000" charset="0"/>
+                          </a:rPr>
+                        </m:ctrlPr>
+                      </m:sSubSupPr>
+                      <m:e>
+                        <m:r>
+                          <a:rPr lang="en-US" altLang="zh-CN" sz="1600" i="1" dirty="0">
+                            <a:latin typeface="DejaVu Math TeX Gyre" panose="02000503000000000000" charset="0"/>
+                            <a:cs typeface="DejaVu Math TeX Gyre" panose="02000503000000000000" charset="0"/>
+                          </a:rPr>
+                          <m:t>𝐶</m:t>
+                        </m:r>
+                      </m:e>
+                      <m:sub>
+                        <m:r>
+                          <a:rPr lang="en-US" altLang="zh-CN" sz="1600" i="1" dirty="0">
+                            <a:latin typeface="DejaVu Math TeX Gyre" panose="02000503000000000000" charset="0"/>
+                            <a:cs typeface="DejaVu Math TeX Gyre" panose="02000503000000000000" charset="0"/>
+                          </a:rPr>
+                          <m:t>𝑡𝑚</m:t>
+                        </m:r>
+                      </m:sub>
+                      <m:sup/>
+                    </m:sSubSup>
+                    <m:r>
+                      <a:rPr lang="en-US" altLang="zh-CN" sz="1600" i="1" dirty="0">
+                        <a:latin typeface="DejaVu Math TeX Gyre" panose="02000503000000000000" charset="0"/>
+                        <a:cs typeface="DejaVu Math TeX Gyre" panose="02000503000000000000" charset="0"/>
+                      </a:rPr>
+                      <m:t>,</m:t>
+                    </m:r>
+                    <m:sSubSup>
+                      <m:sSubSupPr>
+                        <m:ctrlPr>
+                          <a:rPr lang="en-US" altLang="zh-CN" sz="1600" i="1" dirty="0">
+                            <a:latin typeface="DejaVu Math TeX Gyre" panose="02000503000000000000" charset="0"/>
+                            <a:cs typeface="DejaVu Math TeX Gyre" panose="02000503000000000000" charset="0"/>
+                          </a:rPr>
+                        </m:ctrlPr>
+                      </m:sSubSupPr>
+                      <m:e>
+                        <m:r>
+                          <a:rPr lang="en-US" altLang="zh-CN" sz="1600" i="1" dirty="0">
+                            <a:latin typeface="DejaVu Math TeX Gyre" panose="02000503000000000000" charset="0"/>
+                            <a:cs typeface="DejaVu Math TeX Gyre" panose="02000503000000000000" charset="0"/>
+                          </a:rPr>
+                          <m:t>𝐶</m:t>
+                        </m:r>
+                      </m:e>
+                      <m:sub>
+                        <m:r>
+                          <a:rPr lang="en-US" altLang="zh-CN" sz="1600" i="1" dirty="0">
+                            <a:latin typeface="DejaVu Math TeX Gyre" panose="02000503000000000000" charset="0"/>
+                            <a:cs typeface="DejaVu Math TeX Gyre" panose="02000503000000000000" charset="0"/>
+                          </a:rPr>
+                          <m:t>1</m:t>
+                        </m:r>
+                      </m:sub>
+                      <m:sup/>
+                    </m:sSubSup>
+                    <m:r>
+                      <a:rPr lang="en-US" altLang="zh-CN" sz="1600" i="1" dirty="0">
+                        <a:latin typeface="DejaVu Math TeX Gyre" panose="02000503000000000000" charset="0"/>
+                        <a:cs typeface="DejaVu Math TeX Gyre" panose="02000503000000000000" charset="0"/>
+                      </a:rPr>
+                      <m:t>,...,</m:t>
+                    </m:r>
+                    <m:sSubSup>
+                      <m:sSubSupPr>
+                        <m:ctrlPr>
+                          <a:rPr lang="en-US" altLang="zh-CN" sz="1600" i="1" dirty="0">
+                            <a:latin typeface="DejaVu Math TeX Gyre" panose="02000503000000000000" charset="0"/>
+                            <a:cs typeface="DejaVu Math TeX Gyre" panose="02000503000000000000" charset="0"/>
+                          </a:rPr>
+                        </m:ctrlPr>
+                      </m:sSubSupPr>
+                      <m:e>
+                        <m:r>
+                          <a:rPr lang="en-US" altLang="zh-CN" sz="1600" i="1" dirty="0">
+                            <a:latin typeface="DejaVu Math TeX Gyre" panose="02000503000000000000" charset="0"/>
+                            <a:cs typeface="DejaVu Math TeX Gyre" panose="02000503000000000000" charset="0"/>
+                          </a:rPr>
+                          <m:t>𝐶</m:t>
+                        </m:r>
+                      </m:e>
+                      <m:sub>
+                        <m:r>
+                          <a:rPr lang="en-US" altLang="zh-CN" sz="1600" i="1" dirty="0">
+                            <a:latin typeface="DejaVu Math TeX Gyre" panose="02000503000000000000" charset="0"/>
+                            <a:cs typeface="DejaVu Math TeX Gyre" panose="02000503000000000000" charset="0"/>
+                          </a:rPr>
+                          <m:t>𝑛</m:t>
+                        </m:r>
+                      </m:sub>
+                      <m:sup/>
+                    </m:sSubSup>
+                    <m:r>
+                      <a:rPr lang="en-US" altLang="zh-CN" sz="1600" i="1" dirty="0">
+                        <a:latin typeface="DejaVu Math TeX Gyre" panose="02000503000000000000" charset="0"/>
+                        <a:cs typeface="DejaVu Math TeX Gyre" panose="02000503000000000000" charset="0"/>
+                      </a:rPr>
+                      <m:t>}</m:t>
+                    </m:r>
+                  </m:oMath>
+                </a14:m>
+                <a:r>
+                  <a:rPr lang="en-US" altLang="zh-CN" sz="1600" dirty="0"/>
+                  <a:t>, </a:t>
+                </a:r>
+                <a14:m>
+                  <m:oMath xmlns:m="http://schemas.openxmlformats.org/officeDocument/2006/math">
+                    <m:sSubSup>
+                      <m:sSubSupPr>
+                        <m:ctrlPr>
+                          <a:rPr lang="en-US" altLang="zh-CN" sz="1600" i="1" dirty="0">
+                            <a:latin typeface="DejaVu Math TeX Gyre" panose="02000503000000000000" charset="0"/>
+                            <a:cs typeface="DejaVu Math TeX Gyre" panose="02000503000000000000" charset="0"/>
+                          </a:rPr>
+                        </m:ctrlPr>
+                      </m:sSubSupPr>
+                      <m:e>
+                        <m:r>
+                          <a:rPr lang="en-US" altLang="zh-CN" sz="1600" i="1" dirty="0">
+                            <a:latin typeface="DejaVu Math TeX Gyre" panose="02000503000000000000" charset="0"/>
+                            <a:cs typeface="DejaVu Math TeX Gyre" panose="02000503000000000000" charset="0"/>
+                          </a:rPr>
+                          <m:t>𝐶</m:t>
+                        </m:r>
+                      </m:e>
+                      <m:sub>
+                        <m:r>
+                          <a:rPr lang="en-US" altLang="zh-CN" sz="1600" i="1" dirty="0">
+                            <a:latin typeface="DejaVu Math TeX Gyre" panose="02000503000000000000" charset="0"/>
+                            <a:cs typeface="DejaVu Math TeX Gyre" panose="02000503000000000000" charset="0"/>
+                          </a:rPr>
+                          <m:t>1</m:t>
+                        </m:r>
+                      </m:sub>
+                      <m:sup>
+                        <m:r>
+                          <a:rPr lang="en-US" altLang="zh-CN" sz="1600" i="1" dirty="0">
+                            <a:latin typeface="DejaVu Math TeX Gyre" panose="02000503000000000000" charset="0"/>
+                            <a:cs typeface="DejaVu Math TeX Gyre" panose="02000503000000000000" charset="0"/>
+                          </a:rPr>
+                          <m:t>𝑖</m:t>
+                        </m:r>
+                      </m:sup>
+                    </m:sSubSup>
+                  </m:oMath>
+                </a14:m>
+                <a:r>
+                  <a:rPr lang="en-US" altLang="zh-CN" sz="1600" dirty="0"/>
+                  <a:t>, </a:t>
+                </a:r>
+                <a:r>
+                  <a:rPr lang="en-US" altLang="zh-CN" sz="1600" dirty="0" err="1"/>
+                  <a:t>i-th</a:t>
+                </a:r>
+                <a:r>
+                  <a:rPr lang="en-US" altLang="zh-CN" sz="1600" dirty="0"/>
+                  <a:t> instance of </a:t>
+                </a:r>
+                <a14:m>
+                  <m:oMath xmlns:m="http://schemas.openxmlformats.org/officeDocument/2006/math">
+                    <m:sSub>
+                      <m:sSubPr>
+                        <m:ctrlPr>
+                          <a:rPr lang="en-US" altLang="zh-CN" sz="1600" i="1" dirty="0">
+                            <a:latin typeface="DejaVu Math TeX Gyre" panose="02000503000000000000" charset="0"/>
+                            <a:cs typeface="DejaVu Math TeX Gyre" panose="02000503000000000000" charset="0"/>
+                          </a:rPr>
+                        </m:ctrlPr>
+                      </m:sSubPr>
+                      <m:e>
+                        <m:r>
+                          <a:rPr lang="en-US" altLang="zh-CN" sz="1600" i="1" dirty="0">
+                            <a:latin typeface="DejaVu Math TeX Gyre" panose="02000503000000000000" charset="0"/>
+                            <a:cs typeface="DejaVu Math TeX Gyre" panose="02000503000000000000" charset="0"/>
+                          </a:rPr>
+                          <m:t>𝐶</m:t>
+                        </m:r>
+                      </m:e>
+                      <m:sub>
+                        <m:r>
+                          <a:rPr lang="en-US" altLang="zh-CN" sz="1600" i="1" dirty="0">
+                            <a:latin typeface="DejaVu Math TeX Gyre" panose="02000503000000000000" charset="0"/>
+                            <a:cs typeface="DejaVu Math TeX Gyre" panose="02000503000000000000" charset="0"/>
+                          </a:rPr>
+                          <m:t>1</m:t>
+                        </m:r>
+                      </m:sub>
+                    </m:sSub>
+                  </m:oMath>
+                </a14:m>
+                <a:r>
+                  <a:rPr lang="en-US" altLang="zh-CN" sz="1600" dirty="0"/>
+                  <a:t> callback</a:t>
+                </a:r>
+                <a:endParaRPr lang="en-US" altLang="zh-CN" sz="1600" dirty="0"/>
+              </a:p>
+              <a:p>
+                <a:r>
+                  <a:rPr lang="en-US" altLang="zh-CN" sz="2000" dirty="0"/>
+                  <a:t>External events (e.g. sensors) are not constructs in ROS2 systems, but can be modeled as pseudo-callbacks</a:t>
+                </a:r>
+                <a:endParaRPr lang="en-US" altLang="zh-CN" sz="2000" dirty="0"/>
+              </a:p>
+              <a:p>
+                <a:pPr lvl="1"/>
+                <a:r>
+                  <a:rPr lang="en-US" altLang="zh-CN" sz="1600" dirty="0"/>
+                  <a:t>An external event interface is added, which can publish messages to ROS2 nodes and trigger corresponding callbacks to continue processing.</a:t>
+                </a:r>
+                <a:endParaRPr lang="en-US" altLang="zh-CN" sz="1600" dirty="0"/>
+              </a:p>
+              <a:p>
+                <a:r>
+                  <a:rPr lang="en-US" altLang="zh-CN" sz="2000" dirty="0"/>
+                  <a:t>Attributes:</a:t>
+                </a:r>
+                <a:endParaRPr lang="en-US" altLang="zh-CN" sz="2000" dirty="0"/>
+              </a:p>
+              <a:p>
+                <a:pPr lvl="1"/>
+                <a:r>
+                  <a:rPr lang="en-US" altLang="zh-CN" sz="1600" dirty="0"/>
+                  <a:t>Different instances of the same callback are executed in the order of activation. </a:t>
+                </a:r>
+                <a14:m>
+                  <m:oMath xmlns:m="http://schemas.openxmlformats.org/officeDocument/2006/math">
+                    <m:sSubSup>
+                      <m:sSubSupPr>
+                        <m:ctrlPr>
+                          <a:rPr lang="en-US" altLang="zh-CN" sz="1600" i="1" dirty="0">
+                            <a:latin typeface="DejaVu Math TeX Gyre" panose="02000503000000000000" charset="0"/>
+                            <a:cs typeface="DejaVu Math TeX Gyre" panose="02000503000000000000" charset="0"/>
+                          </a:rPr>
+                        </m:ctrlPr>
+                      </m:sSubSupPr>
+                      <m:e>
+                        <m:r>
+                          <a:rPr lang="en-US" altLang="zh-CN" sz="1600" i="1" dirty="0">
+                            <a:latin typeface="DejaVu Math TeX Gyre" panose="02000503000000000000" charset="0"/>
+                            <a:cs typeface="DejaVu Math TeX Gyre" panose="02000503000000000000" charset="0"/>
+                          </a:rPr>
+                          <m:t>𝐶</m:t>
+                        </m:r>
+                      </m:e>
+                      <m:sub>
+                        <m:r>
+                          <a:rPr lang="en-US" altLang="zh-CN" sz="1600" i="1" dirty="0">
+                            <a:latin typeface="DejaVu Math TeX Gyre" panose="02000503000000000000" charset="0"/>
+                            <a:cs typeface="DejaVu Math TeX Gyre" panose="02000503000000000000" charset="0"/>
+                          </a:rPr>
+                          <m:t>𝑧</m:t>
+                        </m:r>
+                      </m:sub>
+                      <m:sup>
+                        <m:r>
+                          <a:rPr lang="en-US" altLang="zh-CN" sz="1600" i="1" dirty="0">
+                            <a:latin typeface="DejaVu Math TeX Gyre" panose="02000503000000000000" charset="0"/>
+                            <a:cs typeface="DejaVu Math TeX Gyre" panose="02000503000000000000" charset="0"/>
+                          </a:rPr>
+                          <m:t>𝑖−</m:t>
+                        </m:r>
+                        <m:r>
+                          <a:rPr lang="en-US" altLang="zh-CN" sz="1600" i="1" dirty="0">
+                            <a:latin typeface="DejaVu Math TeX Gyre" panose="02000503000000000000" charset="0"/>
+                            <a:cs typeface="DejaVu Math TeX Gyre" panose="02000503000000000000" charset="0"/>
+                          </a:rPr>
+                          <m:t>1</m:t>
+                        </m:r>
+                      </m:sup>
+                    </m:sSubSup>
+                  </m:oMath>
+                </a14:m>
+                <a:r>
+                  <a:rPr lang="en-US" altLang="zh-CN" sz="1600" dirty="0"/>
+                  <a:t> must be completed before </a:t>
+                </a:r>
+                <a14:m>
+                  <m:oMath xmlns:m="http://schemas.openxmlformats.org/officeDocument/2006/math">
+                    <m:sSubSup>
+                      <m:sSubSupPr>
+                        <m:ctrlPr>
+                          <a:rPr lang="en-US" altLang="zh-CN" sz="1600" i="1" dirty="0">
+                            <a:latin typeface="DejaVu Math TeX Gyre" panose="02000503000000000000" charset="0"/>
+                            <a:cs typeface="DejaVu Math TeX Gyre" panose="02000503000000000000" charset="0"/>
+                          </a:rPr>
+                        </m:ctrlPr>
+                      </m:sSubSupPr>
+                      <m:e>
+                        <m:r>
+                          <a:rPr lang="en-US" altLang="zh-CN" sz="1600" i="1" dirty="0">
+                            <a:latin typeface="DejaVu Math TeX Gyre" panose="02000503000000000000" charset="0"/>
+                            <a:cs typeface="DejaVu Math TeX Gyre" panose="02000503000000000000" charset="0"/>
+                          </a:rPr>
+                          <m:t>𝐶</m:t>
+                        </m:r>
+                      </m:e>
+                      <m:sub>
+                        <m:r>
+                          <a:rPr lang="en-US" altLang="zh-CN" sz="1600" i="1" dirty="0">
+                            <a:latin typeface="DejaVu Math TeX Gyre" panose="02000503000000000000" charset="0"/>
+                            <a:cs typeface="DejaVu Math TeX Gyre" panose="02000503000000000000" charset="0"/>
+                          </a:rPr>
+                          <m:t>𝑧</m:t>
+                        </m:r>
+                      </m:sub>
+                      <m:sup>
+                        <m:r>
+                          <a:rPr lang="en-US" altLang="zh-CN" sz="1600" i="1" dirty="0">
+                            <a:latin typeface="DejaVu Math TeX Gyre" panose="02000503000000000000" charset="0"/>
+                            <a:cs typeface="DejaVu Math TeX Gyre" panose="02000503000000000000" charset="0"/>
+                          </a:rPr>
+                          <m:t>𝑖</m:t>
+                        </m:r>
+                      </m:sup>
+                    </m:sSubSup>
+                  </m:oMath>
+                </a14:m>
+                <a:r>
+                  <a:rPr lang="en-US" altLang="zh-CN" sz="1600" dirty="0"/>
+                  <a:t> can continue. </a:t>
+                </a:r>
+                <a:endParaRPr lang="en-US" altLang="zh-CN" sz="1200" dirty="0"/>
+              </a:p>
+              <a:p>
+                <a:pPr lvl="1"/>
+                <a:r>
+                  <a:rPr lang="en-US" altLang="zh-CN" sz="1600" dirty="0"/>
+                  <a:t>The executor selects a new instance only after the previous instance has completed. </a:t>
+                </a:r>
+                <a14:m>
+                  <m:oMath xmlns:m="http://schemas.openxmlformats.org/officeDocument/2006/math">
+                    <m:sSubSup>
+                      <m:sSubSupPr>
+                        <m:ctrlPr>
+                          <a:rPr lang="en-US" altLang="zh-CN" sz="1600" i="1" dirty="0">
+                            <a:latin typeface="DejaVu Math TeX Gyre" panose="02000503000000000000" charset="0"/>
+                            <a:cs typeface="DejaVu Math TeX Gyre" panose="02000503000000000000" charset="0"/>
+                          </a:rPr>
+                        </m:ctrlPr>
+                      </m:sSubSupPr>
+                      <m:e>
+                        <m:r>
+                          <a:rPr lang="en-US" altLang="zh-CN" sz="1600" i="1" dirty="0">
+                            <a:latin typeface="DejaVu Math TeX Gyre" panose="02000503000000000000" charset="0"/>
+                            <a:cs typeface="DejaVu Math TeX Gyre" panose="02000503000000000000" charset="0"/>
+                          </a:rPr>
+                          <m:t>𝐶</m:t>
+                        </m:r>
+                      </m:e>
+                      <m:sub>
+                        <m:r>
+                          <a:rPr lang="en-US" altLang="zh-CN" sz="1600" i="1" dirty="0">
+                            <a:latin typeface="DejaVu Math TeX Gyre" panose="02000503000000000000" charset="0"/>
+                            <a:cs typeface="DejaVu Math TeX Gyre" panose="02000503000000000000" charset="0"/>
+                          </a:rPr>
+                          <m:t>𝑧−</m:t>
+                        </m:r>
+                        <m:r>
+                          <a:rPr lang="en-US" altLang="zh-CN" sz="1600" i="1" dirty="0">
+                            <a:latin typeface="DejaVu Math TeX Gyre" panose="02000503000000000000" charset="0"/>
+                            <a:cs typeface="DejaVu Math TeX Gyre" panose="02000503000000000000" charset="0"/>
+                          </a:rPr>
+                          <m:t>1</m:t>
+                        </m:r>
+                      </m:sub>
+                      <m:sup>
+                        <m:r>
+                          <a:rPr lang="en-US" altLang="zh-CN" sz="1600" i="1" dirty="0">
+                            <a:latin typeface="DejaVu Math TeX Gyre" panose="02000503000000000000" charset="0"/>
+                            <a:cs typeface="DejaVu Math TeX Gyre" panose="02000503000000000000" charset="0"/>
+                          </a:rPr>
+                          <m:t>𝑖</m:t>
+                        </m:r>
+                      </m:sup>
+                    </m:sSubSup>
+                  </m:oMath>
+                </a14:m>
+                <a:r>
+                  <a:rPr lang="en-US" altLang="zh-CN" sz="1600" dirty="0"/>
+                  <a:t> is completed and can continue </a:t>
+                </a:r>
+                <a14:m>
+                  <m:oMath xmlns:m="http://schemas.openxmlformats.org/officeDocument/2006/math">
+                    <m:sSubSup>
+                      <m:sSubSupPr>
+                        <m:ctrlPr>
+                          <a:rPr lang="en-US" altLang="zh-CN" sz="1600" i="1" dirty="0">
+                            <a:latin typeface="DejaVu Math TeX Gyre" panose="02000503000000000000" charset="0"/>
+                            <a:cs typeface="DejaVu Math TeX Gyre" panose="02000503000000000000" charset="0"/>
+                          </a:rPr>
+                        </m:ctrlPr>
+                      </m:sSubSupPr>
+                      <m:e>
+                        <m:r>
+                          <a:rPr lang="en-US" altLang="zh-CN" sz="1600" i="1" dirty="0">
+                            <a:latin typeface="DejaVu Math TeX Gyre" panose="02000503000000000000" charset="0"/>
+                            <a:cs typeface="DejaVu Math TeX Gyre" panose="02000503000000000000" charset="0"/>
+                          </a:rPr>
+                          <m:t>𝐶</m:t>
+                        </m:r>
+                      </m:e>
+                      <m:sub>
+                        <m:r>
+                          <a:rPr lang="en-US" altLang="zh-CN" sz="1600" i="1" dirty="0">
+                            <a:latin typeface="DejaVu Math TeX Gyre" panose="02000503000000000000" charset="0"/>
+                            <a:cs typeface="DejaVu Math TeX Gyre" panose="02000503000000000000" charset="0"/>
+                          </a:rPr>
+                          <m:t>𝑧</m:t>
+                        </m:r>
+                      </m:sub>
+                      <m:sup>
+                        <m:r>
+                          <a:rPr lang="en-US" altLang="zh-CN" sz="1600" i="1" dirty="0">
+                            <a:latin typeface="DejaVu Math TeX Gyre" panose="02000503000000000000" charset="0"/>
+                            <a:cs typeface="DejaVu Math TeX Gyre" panose="02000503000000000000" charset="0"/>
+                          </a:rPr>
+                          <m:t>𝑖</m:t>
+                        </m:r>
+                      </m:sup>
+                    </m:sSubSup>
+                  </m:oMath>
+                </a14:m>
+                <a:endParaRPr lang="en-US" altLang="zh-CN" sz="1600" dirty="0"/>
+              </a:p>
+            </p:txBody>
+          </p:sp>
+        </mc:Choice>
+        <mc:Fallback>
+          <p:sp>
+            <p:nvSpPr>
+              <p:cNvPr id="3" name="内容占位符 2"/>
+              <p:cNvSpPr>
+                <a:spLocks noRot="1" noChangeAspect="1" noMove="1" noResize="1" noEditPoints="1" noAdjustHandles="1" noChangeArrowheads="1" noChangeShapeType="1" noTextEdit="1"/>
+              </p:cNvSpPr>
+              <p:nvPr>
+                <p:ph idx="1"/>
+              </p:nvPr>
+            </p:nvSpPr>
+            <p:spPr>
+              <a:xfrm>
+                <a:off x="0" y="575652"/>
+                <a:ext cx="12192000" cy="5753344"/>
+              </a:xfrm>
+              <a:blipFill rotWithShape="1">
+                <a:blip r:embed="rId1"/>
+                <a:stretch>
+                  <a:fillRect t="-6" b="10"/>
+                </a:stretch>
+              </a:blipFill>
+            </p:spPr>
+            <p:txBody>
+              <a:bodyPr/>
+              <a:lstStyle/>
+              <a:p>
+                <a:r>
+                  <a:rPr lang="zh-CN" altLang="en-US">
+                    <a:noFill/>
+                  </a:rPr>
+                  <a:t> </a:t>
+                </a:r>
+              </a:p>
+            </p:txBody>
+          </p:sp>
+        </mc:Fallback>
+      </mc:AlternateContent>
       <p:pic>
         <p:nvPicPr>
-          <p:cNvPr id="5" name="图片 4">
-            <a:extLst>
-              <a:ext uri="{FF2B5EF4-FFF2-40B4-BE49-F238E27FC236}">
-                <a16:creationId xmlns:a16="http://schemas.microsoft.com/office/drawing/2014/main" id="{198C5037-9F4E-406D-D228-EBD7A3F48BD6}"/>
-              </a:ext>
-            </a:extLst>
-          </p:cNvPr>
+          <p:cNvPr id="5" name="图片 4"/>
           <p:cNvPicPr>
             <a:picLocks noChangeAspect="1"/>
           </p:cNvPicPr>
@@ -4095,7 +4077,9 @@
         <p:blipFill rotWithShape="1">
           <a:blip r:embed="rId2"/>
           <a:srcRect l="3516"/>
-          <a:stretch/>
+          <a:stretch>
+            <a:fillRect/>
+          </a:stretch>
         </p:blipFill>
         <p:spPr>
           <a:xfrm>
@@ -4109,13 +4093,7 @@
       </p:pic>
       <p:pic>
         <p:nvPicPr>
-          <p:cNvPr id="7" name="图片 6">
-            <a:extLst>
-              <a:ext uri="{FF2B5EF4-FFF2-40B4-BE49-F238E27FC236}">
-                <a16:creationId xmlns:a16="http://schemas.microsoft.com/office/drawing/2014/main" id="{E9E73501-F548-34AA-A9A3-DC3D2F590546}"/>
-              </a:ext>
-            </a:extLst>
-          </p:cNvPr>
+          <p:cNvPr id="7" name="图片 6"/>
           <p:cNvPicPr>
             <a:picLocks noChangeAspect="1"/>
           </p:cNvPicPr>
@@ -4129,8 +4107,8 @@
         </p:blipFill>
         <p:spPr>
           <a:xfrm>
-            <a:off x="7426705" y="5374948"/>
-            <a:ext cx="3836242" cy="1330773"/>
+            <a:off x="6597650" y="5217795"/>
+            <a:ext cx="4288155" cy="1487805"/>
           </a:xfrm>
           <a:prstGeom prst="rect">
             <a:avLst/>
@@ -4138,11 +4116,6 @@
         </p:spPr>
       </p:pic>
     </p:spTree>
-    <p:extLst>
-      <p:ext uri="{BB962C8B-B14F-4D97-AF65-F5344CB8AC3E}">
-        <p14:creationId xmlns:p14="http://schemas.microsoft.com/office/powerpoint/2010/main" val="2821725175"/>
-      </p:ext>
-    </p:extLst>
   </p:cSld>
   <p:clrMapOvr>
     <a:masterClrMapping/>
@@ -4169,13 +4142,7 @@
       </p:grpSpPr>
       <p:sp>
         <p:nvSpPr>
-          <p:cNvPr id="2" name="标题 1">
-            <a:extLst>
-              <a:ext uri="{FF2B5EF4-FFF2-40B4-BE49-F238E27FC236}">
-                <a16:creationId xmlns:a16="http://schemas.microsoft.com/office/drawing/2014/main" id="{F24B1AC8-C346-C066-8312-EC4669007BC2}"/>
-              </a:ext>
-            </a:extLst>
-          </p:cNvPr>
+          <p:cNvPr id="2" name="标题 1"/>
           <p:cNvSpPr>
             <a:spLocks noGrp="1"/>
           </p:cNvSpPr>
@@ -4203,201 +4170,652 @@
           </a:p>
         </p:txBody>
       </p:sp>
-      <p:sp>
-        <p:nvSpPr>
-          <p:cNvPr id="3" name="内容占位符 2">
-            <a:extLst>
-              <a:ext uri="{FF2B5EF4-FFF2-40B4-BE49-F238E27FC236}">
-                <a16:creationId xmlns:a16="http://schemas.microsoft.com/office/drawing/2014/main" id="{48E70D3F-7BCE-F295-1DBC-CFC2BC54F02B}"/>
-              </a:ext>
-            </a:extLst>
-          </p:cNvPr>
-          <p:cNvSpPr>
-            <a:spLocks noGrp="1"/>
-          </p:cNvSpPr>
-          <p:nvPr>
-            <p:ph idx="1"/>
-          </p:nvPr>
-        </p:nvSpPr>
-        <p:spPr>
-          <a:xfrm>
-            <a:off x="0" y="575652"/>
-            <a:ext cx="12192000" cy="5753344"/>
-          </a:xfrm>
-        </p:spPr>
-        <p:txBody>
-          <a:bodyPr>
-            <a:normAutofit/>
-          </a:bodyPr>
-          <a:lstStyle/>
-          <a:p>
-            <a:r>
-              <a:rPr lang="en-US" altLang="zh-CN" sz="2000" dirty="0"/>
-              <a:t>Use the </a:t>
-            </a:r>
-            <a:r>
-              <a:rPr lang="en-US" altLang="zh-CN" sz="2000" dirty="0" err="1"/>
-              <a:t>ApproximateTime</a:t>
-            </a:r>
-            <a:r>
-              <a:rPr lang="en-US" altLang="zh-CN" sz="2000" dirty="0"/>
-              <a:t> strategy in ROS2 to synchronize messages from multiple topics with approximate timestamps</a:t>
-            </a:r>
-          </a:p>
-          <a:p>
-            <a:r>
-              <a:rPr lang="en-US" altLang="zh-CN" sz="2000" dirty="0"/>
-              <a:t>Use a synchronization node to subscribe to messages from multiple other nodes, merge data from different topics at the synchronization node, and then output it to other required nodes after integration.</a:t>
-            </a:r>
-          </a:p>
-          <a:p>
-            <a:r>
-              <a:rPr lang="en-US" altLang="zh-CN" sz="2000" dirty="0"/>
-              <a:t>Message sequence Mi = (mi1, mi2, · · · ). </a:t>
-            </a:r>
-            <a:r>
-              <a:rPr lang="en-US" altLang="zh-CN" sz="2000" dirty="0" err="1"/>
-              <a:t>mik</a:t>
-            </a:r>
-            <a:r>
-              <a:rPr lang="en-US" altLang="zh-CN" sz="2000" dirty="0"/>
-              <a:t> represents the k-</a:t>
-            </a:r>
-            <a:r>
-              <a:rPr lang="en-US" altLang="zh-CN" sz="2000" dirty="0" err="1"/>
-              <a:t>th</a:t>
-            </a:r>
-            <a:r>
-              <a:rPr lang="en-US" altLang="zh-CN" sz="2000" dirty="0"/>
-              <a:t> message generated by the </a:t>
-            </a:r>
-            <a:r>
-              <a:rPr lang="en-US" altLang="zh-CN" sz="2000" dirty="0" err="1"/>
-              <a:t>i-th</a:t>
-            </a:r>
-            <a:r>
-              <a:rPr lang="en-US" altLang="zh-CN" sz="2000" dirty="0"/>
-              <a:t> sensor. t(</a:t>
-            </a:r>
-            <a:r>
-              <a:rPr lang="en-US" altLang="zh-CN" sz="2000" dirty="0" err="1"/>
-              <a:t>mik</a:t>
-            </a:r>
-            <a:r>
-              <a:rPr lang="en-US" altLang="zh-CN" sz="2000" dirty="0"/>
-              <a:t>) represents the timestamp (sampling time).</a:t>
-            </a:r>
-            <a:r>
-              <a:rPr lang="zh-CN" altLang="en-US" sz="2000" dirty="0"/>
-              <a:t>  </a:t>
-            </a:r>
-            <a:endParaRPr lang="en-US" altLang="zh-CN" sz="2000" dirty="0"/>
-          </a:p>
-          <a:p>
-            <a:r>
-              <a:rPr lang="en-US" altLang="zh-CN" sz="2000" dirty="0"/>
-              <a:t>Qi represents the message queue of the </a:t>
-            </a:r>
-            <a:r>
-              <a:rPr lang="en-US" altLang="zh-CN" sz="2000" dirty="0" err="1"/>
-              <a:t>i-th</a:t>
-            </a:r>
-            <a:r>
-              <a:rPr lang="en-US" altLang="zh-CN" sz="2000" dirty="0"/>
-              <a:t> channel, and the corresponding message sequence is Mi. It will not block if it is infinite. The difference in timestamps of two consecutive messages in Q </a:t>
-            </a:r>
-            <a:r>
-              <a:rPr lang="en-US" altLang="zh-CN" sz="2000" dirty="0" err="1"/>
-              <a:t>i</a:t>
-            </a:r>
-            <a:r>
-              <a:rPr lang="en-US" altLang="zh-CN" sz="2000" dirty="0"/>
-              <a:t> is at least T B </a:t>
-            </a:r>
-            <a:r>
-              <a:rPr lang="en-US" altLang="zh-CN" sz="2000" dirty="0" err="1"/>
-              <a:t>i</a:t>
-            </a:r>
-            <a:r>
-              <a:rPr lang="en-US" altLang="zh-CN" sz="2000" dirty="0"/>
-              <a:t> and at most T W </a:t>
-            </a:r>
-            <a:r>
-              <a:rPr lang="en-US" altLang="zh-CN" sz="2000" dirty="0" err="1"/>
-              <a:t>i</a:t>
-            </a:r>
-            <a:r>
-              <a:rPr lang="en-US" altLang="zh-CN" sz="2000" dirty="0"/>
-              <a:t> .</a:t>
-            </a:r>
-          </a:p>
-          <a:p>
-            <a:r>
-              <a:rPr lang="en-US" altLang="zh-CN" sz="2000" dirty="0" err="1"/>
-              <a:t>ApproximateTime</a:t>
-            </a:r>
-            <a:r>
-              <a:rPr lang="en-US" altLang="zh-CN" sz="2000" dirty="0"/>
-              <a:t> strategy:</a:t>
-            </a:r>
-          </a:p>
-          <a:p>
-            <a:pPr lvl="1"/>
-            <a:r>
-              <a:rPr lang="en-US" altLang="zh-CN" sz="1600" dirty="0"/>
-              <a:t>The end of the message queue is the prediction point</a:t>
-            </a:r>
-          </a:p>
-          <a:p>
-            <a:pPr lvl="1"/>
-            <a:r>
-              <a:rPr lang="en-US" altLang="zh-CN" sz="1600" dirty="0"/>
-              <a:t>When new news arrives, it is inserted into the end of the queue and the original prediction point is deleted.</a:t>
-            </a:r>
-          </a:p>
-          <a:p>
-            <a:pPr lvl="1"/>
-            <a:r>
-              <a:rPr lang="en-US" altLang="zh-CN" sz="1600" dirty="0"/>
-              <a:t>Generate new prediction points based on new message timestamps</a:t>
-            </a:r>
-          </a:p>
-          <a:p>
-            <a:pPr lvl="1"/>
-            <a:r>
-              <a:rPr lang="en-US" altLang="zh-CN" sz="1600" dirty="0"/>
-              <a:t>When messages arrive in all message queues, the one with the largest timestamp is selected as the pivot.</a:t>
-            </a:r>
-          </a:p>
-          <a:p>
-            <a:pPr lvl="1"/>
-            <a:r>
-              <a:rPr lang="en-US" altLang="zh-CN" sz="1600" dirty="0"/>
-              <a:t>Messages that meet the time difference requirements are formed into a candidate set.</a:t>
-            </a:r>
-          </a:p>
-          <a:p>
-            <a:pPr lvl="1"/>
-            <a:r>
-              <a:rPr lang="en-US" altLang="zh-CN" sz="1600" dirty="0"/>
-              <a:t>Select the output with the smallest time gap in the candidate set</a:t>
-            </a:r>
-          </a:p>
-          <a:p>
-            <a:pPr lvl="1"/>
-            <a:r>
-              <a:rPr lang="en-US" altLang="zh-CN" sz="1600" dirty="0"/>
-              <a:t>The output message and the queue messages before it are cleared</a:t>
-            </a:r>
-          </a:p>
-        </p:txBody>
-      </p:sp>
+      <mc:AlternateContent xmlns:mc="http://schemas.openxmlformats.org/markup-compatibility/2006">
+        <mc:Choice xmlns:a14="http://schemas.microsoft.com/office/drawing/2010/main" Requires="a14">
+          <p:sp>
+            <p:nvSpPr>
+              <p:cNvPr id="3" name="内容占位符 2"/>
+              <p:cNvSpPr>
+                <a:spLocks noGrp="1"/>
+              </p:cNvSpPr>
+              <p:nvPr>
+                <p:ph idx="1"/>
+                <p:custDataLst>
+                  <p:tags r:id="rId1"/>
+                </p:custDataLst>
+              </p:nvPr>
+            </p:nvSpPr>
+            <p:spPr>
+              <a:xfrm>
+                <a:off x="0" y="575652"/>
+                <a:ext cx="12192000" cy="5753344"/>
+              </a:xfrm>
+            </p:spPr>
+            <p:txBody>
+              <a:bodyPr>
+                <a:normAutofit/>
+              </a:bodyPr>
+              <a:lstStyle/>
+              <a:p>
+                <a:r>
+                  <a:rPr lang="en-US" altLang="zh-CN" sz="2000" dirty="0"/>
+                  <a:t>Use the </a:t>
+                </a:r>
+                <a:r>
+                  <a:rPr lang="en-US" altLang="zh-CN" sz="2000" dirty="0" err="1"/>
+                  <a:t>ApproximateTime</a:t>
+                </a:r>
+                <a:r>
+                  <a:rPr lang="en-US" altLang="zh-CN" sz="2000" dirty="0"/>
+                  <a:t> strategy in ROS2 to synchronize messages from multiple topics with approximate timestamps</a:t>
+                </a:r>
+                <a:endParaRPr lang="en-US" altLang="zh-CN" sz="2000" dirty="0"/>
+              </a:p>
+              <a:p>
+                <a:r>
+                  <a:rPr lang="en-US" altLang="zh-CN" sz="2000" dirty="0"/>
+                  <a:t>Use a synchronization node to subscribe to messages from multiple other nodes, merge data from different topics at the synchronization node, and then output it to other required nodes after integration.</a:t>
+                </a:r>
+                <a:endParaRPr lang="en-US" altLang="zh-CN" sz="2000" dirty="0"/>
+              </a:p>
+              <a:p>
+                <a:r>
+                  <a:rPr lang="en-US" altLang="zh-CN" sz="2000" dirty="0"/>
+                  <a:t>Message sequence </a:t>
+                </a:r>
+                <a14:m>
+                  <m:oMath xmlns:m="http://schemas.openxmlformats.org/officeDocument/2006/math">
+                    <m:sSub>
+                      <m:sSubPr>
+                        <m:ctrlPr>
+                          <a:rPr lang="en-US" altLang="zh-CN" sz="2000" i="1" dirty="0">
+                            <a:latin typeface="DejaVu Math TeX Gyre" panose="02000503000000000000" charset="0"/>
+                            <a:cs typeface="DejaVu Math TeX Gyre" panose="02000503000000000000" charset="0"/>
+                          </a:rPr>
+                        </m:ctrlPr>
+                      </m:sSubPr>
+                      <m:e>
+                        <m:r>
+                          <a:rPr lang="en-US" altLang="zh-CN" sz="2000" i="1" dirty="0">
+                            <a:latin typeface="DejaVu Math TeX Gyre" panose="02000503000000000000" charset="0"/>
+                            <a:cs typeface="DejaVu Math TeX Gyre" panose="02000503000000000000" charset="0"/>
+                          </a:rPr>
+                          <m:t>𝑀</m:t>
+                        </m:r>
+                      </m:e>
+                      <m:sub>
+                        <m:r>
+                          <a:rPr lang="en-US" altLang="zh-CN" sz="2000" i="1" dirty="0">
+                            <a:latin typeface="DejaVu Math TeX Gyre" panose="02000503000000000000" charset="0"/>
+                            <a:cs typeface="DejaVu Math TeX Gyre" panose="02000503000000000000" charset="0"/>
+                          </a:rPr>
+                          <m:t>𝑖</m:t>
+                        </m:r>
+                      </m:sub>
+                    </m:sSub>
+                    <m:r>
+                      <a:rPr lang="en-US" altLang="zh-CN" sz="2000" i="1" dirty="0">
+                        <a:latin typeface="DejaVu Math TeX Gyre" panose="02000503000000000000" charset="0"/>
+                        <a:cs typeface="DejaVu Math TeX Gyre" panose="02000503000000000000" charset="0"/>
+                      </a:rPr>
+                      <m:t>={</m:t>
+                    </m:r>
+                    <m:sSubSup>
+                      <m:sSubSupPr>
+                        <m:ctrlPr>
+                          <a:rPr lang="en-US" altLang="zh-CN" sz="2000" i="1" dirty="0">
+                            <a:latin typeface="DejaVu Math TeX Gyre" panose="02000503000000000000" charset="0"/>
+                            <a:cs typeface="DejaVu Math TeX Gyre" panose="02000503000000000000" charset="0"/>
+                          </a:rPr>
+                        </m:ctrlPr>
+                      </m:sSubSupPr>
+                      <m:e>
+                        <m:r>
+                          <a:rPr lang="en-US" altLang="zh-CN" sz="2000" i="1" dirty="0">
+                            <a:latin typeface="DejaVu Math TeX Gyre" panose="02000503000000000000" charset="0"/>
+                            <a:cs typeface="DejaVu Math TeX Gyre" panose="02000503000000000000" charset="0"/>
+                          </a:rPr>
+                          <m:t>𝑚</m:t>
+                        </m:r>
+                      </m:e>
+                      <m:sub>
+                        <m:r>
+                          <a:rPr lang="en-US" altLang="zh-CN" sz="2000" i="1" dirty="0">
+                            <a:latin typeface="DejaVu Math TeX Gyre" panose="02000503000000000000" charset="0"/>
+                            <a:cs typeface="DejaVu Math TeX Gyre" panose="02000503000000000000" charset="0"/>
+                          </a:rPr>
+                          <m:t>𝑖</m:t>
+                        </m:r>
+                      </m:sub>
+                      <m:sup>
+                        <m:r>
+                          <a:rPr lang="en-US" altLang="zh-CN" sz="2000" i="1" dirty="0">
+                            <a:latin typeface="DejaVu Math TeX Gyre" panose="02000503000000000000" charset="0"/>
+                            <a:cs typeface="DejaVu Math TeX Gyre" panose="02000503000000000000" charset="0"/>
+                          </a:rPr>
+                          <m:t>1</m:t>
+                        </m:r>
+                      </m:sup>
+                    </m:sSubSup>
+                    <m:r>
+                      <a:rPr lang="en-US" altLang="zh-CN" sz="2000" i="1" dirty="0">
+                        <a:latin typeface="DejaVu Math TeX Gyre" panose="02000503000000000000" charset="0"/>
+                        <a:cs typeface="DejaVu Math TeX Gyre" panose="02000503000000000000" charset="0"/>
+                      </a:rPr>
+                      <m:t>,</m:t>
+                    </m:r>
+                    <m:sSubSup>
+                      <m:sSubSupPr>
+                        <m:ctrlPr>
+                          <a:rPr lang="en-US" altLang="zh-CN" sz="2000" i="1" dirty="0">
+                            <a:latin typeface="DejaVu Math TeX Gyre" panose="02000503000000000000" charset="0"/>
+                            <a:cs typeface="DejaVu Math TeX Gyre" panose="02000503000000000000" charset="0"/>
+                          </a:rPr>
+                        </m:ctrlPr>
+                      </m:sSubSupPr>
+                      <m:e>
+                        <m:r>
+                          <a:rPr lang="en-US" altLang="zh-CN" sz="2000" i="1" dirty="0">
+                            <a:latin typeface="DejaVu Math TeX Gyre" panose="02000503000000000000" charset="0"/>
+                            <a:cs typeface="DejaVu Math TeX Gyre" panose="02000503000000000000" charset="0"/>
+                          </a:rPr>
+                          <m:t>𝑚</m:t>
+                        </m:r>
+                      </m:e>
+                      <m:sub>
+                        <m:r>
+                          <a:rPr lang="en-US" altLang="zh-CN" sz="2000" i="1" dirty="0">
+                            <a:latin typeface="DejaVu Math TeX Gyre" panose="02000503000000000000" charset="0"/>
+                            <a:cs typeface="DejaVu Math TeX Gyre" panose="02000503000000000000" charset="0"/>
+                          </a:rPr>
+                          <m:t>𝑖</m:t>
+                        </m:r>
+                      </m:sub>
+                      <m:sup>
+                        <m:r>
+                          <a:rPr lang="en-US" altLang="zh-CN" sz="2000" i="1" dirty="0">
+                            <a:latin typeface="DejaVu Math TeX Gyre" panose="02000503000000000000" charset="0"/>
+                            <a:cs typeface="DejaVu Math TeX Gyre" panose="02000503000000000000" charset="0"/>
+                          </a:rPr>
+                          <m:t>2</m:t>
+                        </m:r>
+                      </m:sup>
+                    </m:sSubSup>
+                    <m:r>
+                      <a:rPr lang="en-US" altLang="zh-CN" sz="2000" i="1" dirty="0">
+                        <a:latin typeface="DejaVu Math TeX Gyre" panose="02000503000000000000" charset="0"/>
+                        <a:cs typeface="DejaVu Math TeX Gyre" panose="02000503000000000000" charset="0"/>
+                      </a:rPr>
+                      <m:t>,...}</m:t>
+                    </m:r>
+                  </m:oMath>
+                </a14:m>
+                <a:r>
+                  <a:rPr lang="en-US" altLang="zh-CN" sz="2000" dirty="0"/>
+                  <a:t>. </a:t>
+                </a:r>
+                <a14:m>
+                  <m:oMath xmlns:m="http://schemas.openxmlformats.org/officeDocument/2006/math">
+                    <m:sSubSup>
+                      <m:sSubSupPr>
+                        <m:ctrlPr>
+                          <a:rPr lang="en-US" altLang="zh-CN" sz="2000" i="1" dirty="0">
+                            <a:latin typeface="DejaVu Math TeX Gyre" panose="02000503000000000000" charset="0"/>
+                            <a:cs typeface="DejaVu Math TeX Gyre" panose="02000503000000000000" charset="0"/>
+                          </a:rPr>
+                        </m:ctrlPr>
+                      </m:sSubSupPr>
+                      <m:e>
+                        <m:r>
+                          <a:rPr lang="en-US" altLang="zh-CN" sz="2000" i="1" dirty="0">
+                            <a:latin typeface="DejaVu Math TeX Gyre" panose="02000503000000000000" charset="0"/>
+                            <a:cs typeface="DejaVu Math TeX Gyre" panose="02000503000000000000" charset="0"/>
+                          </a:rPr>
+                          <m:t>𝑚</m:t>
+                        </m:r>
+                      </m:e>
+                      <m:sub>
+                        <m:r>
+                          <a:rPr lang="en-US" altLang="zh-CN" sz="2000" i="1" dirty="0">
+                            <a:latin typeface="DejaVu Math TeX Gyre" panose="02000503000000000000" charset="0"/>
+                            <a:cs typeface="DejaVu Math TeX Gyre" panose="02000503000000000000" charset="0"/>
+                          </a:rPr>
+                          <m:t>𝑖</m:t>
+                        </m:r>
+                      </m:sub>
+                      <m:sup>
+                        <m:r>
+                          <a:rPr lang="en-US" altLang="zh-CN" sz="2000" i="1" dirty="0">
+                            <a:latin typeface="DejaVu Math TeX Gyre" panose="02000503000000000000" charset="0"/>
+                            <a:cs typeface="DejaVu Math TeX Gyre" panose="02000503000000000000" charset="0"/>
+                          </a:rPr>
+                          <m:t>𝑘</m:t>
+                        </m:r>
+                      </m:sup>
+                    </m:sSubSup>
+                  </m:oMath>
+                </a14:m>
+                <a:r>
+                  <a:rPr lang="en-US" altLang="zh-CN" sz="2000" dirty="0"/>
+                  <a:t> represents the k-</a:t>
+                </a:r>
+                <a:r>
+                  <a:rPr lang="en-US" altLang="zh-CN" sz="2000" dirty="0" err="1"/>
+                  <a:t>th</a:t>
+                </a:r>
+                <a:r>
+                  <a:rPr lang="en-US" altLang="zh-CN" sz="2000" dirty="0"/>
+                  <a:t> message generated by the </a:t>
+                </a:r>
+                <a:r>
+                  <a:rPr lang="en-US" altLang="zh-CN" sz="2000" dirty="0" err="1"/>
+                  <a:t>i-th</a:t>
+                </a:r>
+                <a:r>
+                  <a:rPr lang="en-US" altLang="zh-CN" sz="2000" dirty="0"/>
+                  <a:t> sensor. </a:t>
+                </a:r>
+                <a14:m>
+                  <m:oMath xmlns:m="http://schemas.openxmlformats.org/officeDocument/2006/math">
+                    <m:r>
+                      <m:rPr>
+                        <m:sty m:val="p"/>
+                      </m:rPr>
+                      <a:rPr lang="en-US" altLang="zh-CN" sz="2000" dirty="0">
+                        <a:sym typeface="+mn-ea"/>
+                      </a:rPr>
+                      <m:t>t</m:t>
+                    </m:r>
+                    <m:r>
+                      <a:rPr lang="en-US" altLang="zh-CN" sz="2000" dirty="0">
+                        <a:sym typeface="+mn-ea"/>
+                      </a:rPr>
+                      <m:t>(</m:t>
+                    </m:r>
+                    <m:sSubSup>
+                      <m:sSubSupPr>
+                        <m:ctrlPr>
+                          <a:rPr lang="en-US" altLang="zh-CN" sz="2000" i="1" dirty="0">
+                            <a:latin typeface="DejaVu Math TeX Gyre" panose="02000503000000000000" charset="0"/>
+                            <a:cs typeface="DejaVu Math TeX Gyre" panose="02000503000000000000" charset="0"/>
+                          </a:rPr>
+                        </m:ctrlPr>
+                      </m:sSubSupPr>
+                      <m:e>
+                        <m:r>
+                          <a:rPr lang="en-US" altLang="zh-CN" sz="2000" i="1" dirty="0">
+                            <a:latin typeface="DejaVu Math TeX Gyre" panose="02000503000000000000" charset="0"/>
+                            <a:cs typeface="DejaVu Math TeX Gyre" panose="02000503000000000000" charset="0"/>
+                          </a:rPr>
+                          <m:t>𝑚</m:t>
+                        </m:r>
+                      </m:e>
+                      <m:sub>
+                        <m:r>
+                          <a:rPr lang="en-US" altLang="zh-CN" sz="2000" i="1" dirty="0">
+                            <a:latin typeface="DejaVu Math TeX Gyre" panose="02000503000000000000" charset="0"/>
+                            <a:cs typeface="DejaVu Math TeX Gyre" panose="02000503000000000000" charset="0"/>
+                          </a:rPr>
+                          <m:t>𝑖</m:t>
+                        </m:r>
+                      </m:sub>
+                      <m:sup>
+                        <m:r>
+                          <a:rPr lang="en-US" altLang="zh-CN" sz="2000" i="1" dirty="0">
+                            <a:latin typeface="DejaVu Math TeX Gyre" panose="02000503000000000000" charset="0"/>
+                            <a:cs typeface="DejaVu Math TeX Gyre" panose="02000503000000000000" charset="0"/>
+                          </a:rPr>
+                          <m:t>𝑘</m:t>
+                        </m:r>
+                      </m:sup>
+                    </m:sSubSup>
+                    <m:r>
+                      <a:rPr lang="en-US" altLang="zh-CN" sz="2000" i="1" dirty="0">
+                        <a:latin typeface="DejaVu Math TeX Gyre" panose="02000503000000000000" charset="0"/>
+                        <a:cs typeface="DejaVu Math TeX Gyre" panose="02000503000000000000" charset="0"/>
+                      </a:rPr>
+                      <m:t>)</m:t>
+                    </m:r>
+                  </m:oMath>
+                </a14:m>
+                <a:r>
+                  <a:rPr lang="en-US" altLang="zh-CN" sz="2000" dirty="0"/>
+                  <a:t> represents the timestamp (sampling time).</a:t>
+                </a:r>
+                <a:r>
+                  <a:rPr lang="zh-CN" altLang="en-US" sz="2000" dirty="0"/>
+                  <a:t>  </a:t>
+                </a:r>
+                <a:endParaRPr lang="en-US" altLang="zh-CN" sz="2000" dirty="0"/>
+              </a:p>
+              <a:p>
+                <a14:m>
+                  <m:oMath xmlns:m="http://schemas.openxmlformats.org/officeDocument/2006/math">
+                    <m:sSub>
+                      <m:sSubPr>
+                        <m:ctrlPr>
+                          <a:rPr lang="en-US" altLang="zh-CN" sz="2000" i="1" dirty="0">
+                            <a:latin typeface="DejaVu Math TeX Gyre" panose="02000503000000000000" charset="0"/>
+                            <a:cs typeface="DejaVu Math TeX Gyre" panose="02000503000000000000" charset="0"/>
+                          </a:rPr>
+                        </m:ctrlPr>
+                      </m:sSubPr>
+                      <m:e>
+                        <m:r>
+                          <a:rPr lang="en-US" altLang="zh-CN" sz="2000" i="1" dirty="0">
+                            <a:latin typeface="DejaVu Math TeX Gyre" panose="02000503000000000000" charset="0"/>
+                            <a:cs typeface="DejaVu Math TeX Gyre" panose="02000503000000000000" charset="0"/>
+                          </a:rPr>
+                          <m:t>𝑄</m:t>
+                        </m:r>
+                      </m:e>
+                      <m:sub>
+                        <m:r>
+                          <a:rPr lang="en-US" altLang="zh-CN" sz="2000" i="1" dirty="0">
+                            <a:latin typeface="DejaVu Math TeX Gyre" panose="02000503000000000000" charset="0"/>
+                            <a:cs typeface="DejaVu Math TeX Gyre" panose="02000503000000000000" charset="0"/>
+                          </a:rPr>
+                          <m:t>𝑖</m:t>
+                        </m:r>
+                      </m:sub>
+                    </m:sSub>
+                  </m:oMath>
+                </a14:m>
+                <a:r>
+                  <a:rPr lang="en-US" altLang="zh-CN" sz="2000" dirty="0"/>
+                  <a:t> represents the message queue of the </a:t>
+                </a:r>
+                <a:r>
+                  <a:rPr lang="en-US" altLang="zh-CN" sz="2000" dirty="0" err="1"/>
+                  <a:t>i-th</a:t>
+                </a:r>
+                <a:r>
+                  <a:rPr lang="en-US" altLang="zh-CN" sz="2000" dirty="0"/>
+                  <a:t> channel, and the corresponding message sequence is </a:t>
+                </a:r>
+                <a:r>
+                  <a:rPr lang="en-US" altLang="zh-CN" sz="2000" dirty="0">
+                    <a:sym typeface="+mn-ea"/>
+                  </a:rPr>
+                  <a:t> </a:t>
+                </a:r>
+                <a14:m>
+                  <m:oMath xmlns:m="http://schemas.openxmlformats.org/officeDocument/2006/math">
+                    <m:sSubSup>
+                      <m:sSubSupPr>
+                        <m:ctrlPr>
+                          <a:rPr lang="en-US" altLang="zh-CN" sz="2000" i="1" dirty="0">
+                            <a:latin typeface="DejaVu Math TeX Gyre" panose="02000503000000000000" charset="0"/>
+                            <a:cs typeface="DejaVu Math TeX Gyre" panose="02000503000000000000" charset="0"/>
+                          </a:rPr>
+                        </m:ctrlPr>
+                      </m:sSubSupPr>
+                      <m:e>
+                        <m:r>
+                          <a:rPr lang="en-US" altLang="zh-CN" sz="2000" i="1" dirty="0">
+                            <a:latin typeface="DejaVu Math TeX Gyre" panose="02000503000000000000" charset="0"/>
+                            <a:cs typeface="DejaVu Math TeX Gyre" panose="02000503000000000000" charset="0"/>
+                          </a:rPr>
+                          <m:t>𝑀</m:t>
+                        </m:r>
+                      </m:e>
+                      <m:sub>
+                        <m:r>
+                          <a:rPr lang="en-US" altLang="zh-CN" sz="2000" i="1" dirty="0">
+                            <a:latin typeface="DejaVu Math TeX Gyre" panose="02000503000000000000" charset="0"/>
+                            <a:cs typeface="DejaVu Math TeX Gyre" panose="02000503000000000000" charset="0"/>
+                          </a:rPr>
+                          <m:t>𝑖</m:t>
+                        </m:r>
+                      </m:sub>
+                      <m:sup/>
+                    </m:sSubSup>
+                  </m:oMath>
+                </a14:m>
+                <a:r>
+                  <a:rPr lang="en-US" altLang="zh-CN" sz="2000" dirty="0"/>
+                  <a:t>. It will not block if it is infinite. The difference in timestamps of two consecutive messages in </a:t>
+                </a:r>
+                <a14:m>
+                  <m:oMath xmlns:m="http://schemas.openxmlformats.org/officeDocument/2006/math">
+                    <m:sSub>
+                      <m:sSubPr>
+                        <m:ctrlPr>
+                          <a:rPr lang="en-US" altLang="zh-CN" sz="2000" i="1" dirty="0">
+                            <a:latin typeface="DejaVu Math TeX Gyre" panose="02000503000000000000" charset="0"/>
+                            <a:cs typeface="DejaVu Math TeX Gyre" panose="02000503000000000000" charset="0"/>
+                          </a:rPr>
+                        </m:ctrlPr>
+                      </m:sSubPr>
+                      <m:e>
+                        <m:r>
+                          <a:rPr lang="en-US" altLang="zh-CN" sz="2000" i="1" dirty="0">
+                            <a:latin typeface="DejaVu Math TeX Gyre" panose="02000503000000000000" charset="0"/>
+                            <a:cs typeface="DejaVu Math TeX Gyre" panose="02000503000000000000" charset="0"/>
+                          </a:rPr>
+                          <m:t>𝑄</m:t>
+                        </m:r>
+                      </m:e>
+                      <m:sub>
+                        <m:r>
+                          <a:rPr lang="en-US" altLang="zh-CN" sz="2000" i="1" dirty="0">
+                            <a:latin typeface="DejaVu Math TeX Gyre" panose="02000503000000000000" charset="0"/>
+                            <a:cs typeface="DejaVu Math TeX Gyre" panose="02000503000000000000" charset="0"/>
+                          </a:rPr>
+                          <m:t>𝑖</m:t>
+                        </m:r>
+                      </m:sub>
+                    </m:sSub>
+                  </m:oMath>
+                </a14:m>
+                <a:r>
+                  <a:rPr lang="en-US" altLang="zh-CN" sz="2000" dirty="0"/>
+                  <a:t> is at least </a:t>
+                </a:r>
+                <a14:m>
+                  <m:oMath xmlns:m="http://schemas.openxmlformats.org/officeDocument/2006/math">
+                    <m:sSubSup>
+                      <m:sSubSupPr>
+                        <m:ctrlPr>
+                          <a:rPr lang="en-US" altLang="zh-CN" sz="2000" i="1" dirty="0">
+                            <a:latin typeface="DejaVu Math TeX Gyre" panose="02000503000000000000" charset="0"/>
+                            <a:cs typeface="DejaVu Math TeX Gyre" panose="02000503000000000000" charset="0"/>
+                          </a:rPr>
+                        </m:ctrlPr>
+                      </m:sSubSupPr>
+                      <m:e>
+                        <m:r>
+                          <a:rPr lang="en-US" altLang="zh-CN" sz="2000" i="1" dirty="0">
+                            <a:latin typeface="DejaVu Math TeX Gyre" panose="02000503000000000000" charset="0"/>
+                            <a:cs typeface="DejaVu Math TeX Gyre" panose="02000503000000000000" charset="0"/>
+                          </a:rPr>
+                          <m:t>𝑇</m:t>
+                        </m:r>
+                      </m:e>
+                      <m:sub>
+                        <m:r>
+                          <a:rPr lang="en-US" altLang="zh-CN" sz="2000" i="1" dirty="0">
+                            <a:latin typeface="DejaVu Math TeX Gyre" panose="02000503000000000000" charset="0"/>
+                            <a:cs typeface="DejaVu Math TeX Gyre" panose="02000503000000000000" charset="0"/>
+                          </a:rPr>
+                          <m:t>𝑖</m:t>
+                        </m:r>
+                      </m:sub>
+                      <m:sup>
+                        <m:r>
+                          <a:rPr lang="en-US" altLang="zh-CN" sz="2000" i="1" dirty="0">
+                            <a:latin typeface="DejaVu Math TeX Gyre" panose="02000503000000000000" charset="0"/>
+                            <a:cs typeface="DejaVu Math TeX Gyre" panose="02000503000000000000" charset="0"/>
+                          </a:rPr>
+                          <m:t>𝐵</m:t>
+                        </m:r>
+                      </m:sup>
+                    </m:sSubSup>
+                  </m:oMath>
+                </a14:m>
+                <a:r>
+                  <a:rPr lang="en-US" altLang="zh-CN" sz="2000" dirty="0"/>
+                  <a:t> and at most </a:t>
+                </a:r>
+                <a14:m>
+                  <m:oMath xmlns:m="http://schemas.openxmlformats.org/officeDocument/2006/math">
+                    <m:sSubSup>
+                      <m:sSubSupPr>
+                        <m:ctrlPr>
+                          <a:rPr lang="en-US" altLang="zh-CN" sz="2000" i="1" dirty="0">
+                            <a:latin typeface="DejaVu Math TeX Gyre" panose="02000503000000000000" charset="0"/>
+                            <a:cs typeface="DejaVu Math TeX Gyre" panose="02000503000000000000" charset="0"/>
+                          </a:rPr>
+                        </m:ctrlPr>
+                      </m:sSubSupPr>
+                      <m:e>
+                        <m:r>
+                          <a:rPr lang="en-US" altLang="zh-CN" sz="2000" i="1" dirty="0">
+                            <a:latin typeface="DejaVu Math TeX Gyre" panose="02000503000000000000" charset="0"/>
+                            <a:cs typeface="DejaVu Math TeX Gyre" panose="02000503000000000000" charset="0"/>
+                          </a:rPr>
+                          <m:t>𝑇</m:t>
+                        </m:r>
+                      </m:e>
+                      <m:sub>
+                        <m:r>
+                          <a:rPr lang="en-US" altLang="zh-CN" sz="2000" i="1" dirty="0">
+                            <a:latin typeface="DejaVu Math TeX Gyre" panose="02000503000000000000" charset="0"/>
+                            <a:cs typeface="DejaVu Math TeX Gyre" panose="02000503000000000000" charset="0"/>
+                          </a:rPr>
+                          <m:t>𝑖</m:t>
+                        </m:r>
+                      </m:sub>
+                      <m:sup>
+                        <m:r>
+                          <a:rPr lang="en-US" altLang="zh-CN" sz="2000" i="1" dirty="0">
+                            <a:latin typeface="DejaVu Math TeX Gyre" panose="02000503000000000000" charset="0"/>
+                            <a:cs typeface="DejaVu Math TeX Gyre" panose="02000503000000000000" charset="0"/>
+                          </a:rPr>
+                          <m:t>𝑤</m:t>
+                        </m:r>
+                      </m:sup>
+                    </m:sSubSup>
+                  </m:oMath>
+                </a14:m>
+                <a:r>
+                  <a:rPr lang="en-US" altLang="zh-CN" sz="2000" dirty="0"/>
+                  <a:t> .</a:t>
+                </a:r>
+                <a:endParaRPr lang="en-US" altLang="zh-CN" sz="2000" dirty="0"/>
+              </a:p>
+              <a:p>
+                <a:r>
+                  <a:rPr lang="en-US" altLang="zh-CN" sz="2000" dirty="0" err="1"/>
+                  <a:t>ApproximateTime</a:t>
+                </a:r>
+                <a:r>
+                  <a:rPr lang="en-US" altLang="zh-CN" sz="2000" dirty="0"/>
+                  <a:t> strategy:</a:t>
+                </a:r>
+                <a:endParaRPr lang="en-US" altLang="zh-CN" sz="2000" dirty="0"/>
+              </a:p>
+              <a:p>
+                <a:pPr lvl="1"/>
+                <a:r>
+                  <a:rPr lang="en-US" altLang="zh-CN" sz="1600" dirty="0"/>
+                  <a:t>The end of the message queue is the prediction point</a:t>
+                </a:r>
+                <a:endParaRPr lang="en-US" altLang="zh-CN" sz="1600" dirty="0"/>
+              </a:p>
+              <a:p>
+                <a:pPr lvl="1"/>
+                <a:r>
+                  <a:rPr lang="en-US" altLang="zh-CN" sz="1600" dirty="0"/>
+                  <a:t>When new news arrives, it is inserted into the end of the queue and the original prediction point is deleted.</a:t>
+                </a:r>
+                <a:endParaRPr lang="en-US" altLang="zh-CN" sz="1600" dirty="0"/>
+              </a:p>
+              <a:p>
+                <a:pPr lvl="1"/>
+                <a:r>
+                  <a:rPr lang="en-US" altLang="zh-CN" sz="1600" dirty="0"/>
+                  <a:t>Generate new prediction points based on new message timestamps</a:t>
+                </a:r>
+                <a:endParaRPr lang="en-US" altLang="zh-CN" sz="1600" dirty="0"/>
+              </a:p>
+              <a:p>
+                <a:pPr lvl="1"/>
+                <a:r>
+                  <a:rPr lang="en-US" altLang="zh-CN" sz="1600" dirty="0"/>
+                  <a:t>When messages arrive in all message queues, the one with the largest timestamp is selected as the pivot.</a:t>
+                </a:r>
+                <a:endParaRPr lang="en-US" altLang="zh-CN" sz="1600" dirty="0"/>
+              </a:p>
+              <a:p>
+                <a:pPr lvl="1"/>
+                <a:r>
+                  <a:rPr lang="en-US" altLang="zh-CN" sz="1600" dirty="0"/>
+                  <a:t>Messages that meet the time difference requirements are formed into a candidate set.</a:t>
+                </a:r>
+                <a:endParaRPr lang="en-US" altLang="zh-CN" sz="1600" dirty="0"/>
+              </a:p>
+              <a:p>
+                <a:pPr lvl="1"/>
+                <a:r>
+                  <a:rPr lang="en-US" altLang="zh-CN" sz="1600" dirty="0"/>
+                  <a:t>Select the output with the smallest time gap in the candidate set</a:t>
+                </a:r>
+                <a:endParaRPr lang="en-US" altLang="zh-CN" sz="1600" dirty="0"/>
+              </a:p>
+              <a:p>
+                <a:pPr lvl="1"/>
+                <a:r>
+                  <a:rPr lang="en-US" altLang="zh-CN" sz="1600" dirty="0"/>
+                  <a:t>The output message and the queue messages before it are cleared</a:t>
+                </a:r>
+                <a:endParaRPr lang="en-US" altLang="zh-CN" sz="1600" dirty="0"/>
+              </a:p>
+            </p:txBody>
+          </p:sp>
+        </mc:Choice>
+        <mc:Fallback>
+          <p:sp>
+            <p:nvSpPr>
+              <p:cNvPr id="3" name="内容占位符 2"/>
+              <p:cNvSpPr>
+                <a:spLocks noRot="1" noChangeAspect="1" noMove="1" noResize="1" noEditPoints="1" noAdjustHandles="1" noChangeArrowheads="1" noChangeShapeType="1" noTextEdit="1"/>
+              </p:cNvSpPr>
+              <p:nvPr>
+                <p:ph idx="1"/>
+                <p:custDataLst>
+                  <p:tags r:id="rId2"/>
+                </p:custDataLst>
+              </p:nvPr>
+            </p:nvSpPr>
+            <p:spPr>
+              <a:xfrm>
+                <a:off x="0" y="575652"/>
+                <a:ext cx="12192000" cy="5753344"/>
+              </a:xfrm>
+              <a:blipFill rotWithShape="1">
+                <a:blip r:embed="rId3"/>
+                <a:stretch>
+                  <a:fillRect t="-6" b="10"/>
+                </a:stretch>
+              </a:blipFill>
+            </p:spPr>
+            <p:txBody>
+              <a:bodyPr/>
+              <a:lstStyle/>
+              <a:p>
+                <a:r>
+                  <a:rPr lang="zh-CN" altLang="en-US">
+                    <a:noFill/>
+                  </a:rPr>
+                  <a:t> </a:t>
+                </a:r>
+              </a:p>
+            </p:txBody>
+          </p:sp>
+        </mc:Fallback>
+      </mc:AlternateContent>
     </p:spTree>
-    <p:extLst>
-      <p:ext uri="{BB962C8B-B14F-4D97-AF65-F5344CB8AC3E}">
-        <p14:creationId xmlns:p14="http://schemas.microsoft.com/office/powerpoint/2010/main" val="2552437054"/>
-      </p:ext>
-    </p:extLst>
   </p:cSld>
   <p:clrMapOvr>
     <a:masterClrMapping/>
@@ -4424,13 +4842,7 @@
       </p:grpSpPr>
       <p:sp>
         <p:nvSpPr>
-          <p:cNvPr id="2" name="标题 1">
-            <a:extLst>
-              <a:ext uri="{FF2B5EF4-FFF2-40B4-BE49-F238E27FC236}">
-                <a16:creationId xmlns:a16="http://schemas.microsoft.com/office/drawing/2014/main" id="{F24B1AC8-C346-C066-8312-EC4669007BC2}"/>
-              </a:ext>
-            </a:extLst>
-          </p:cNvPr>
+          <p:cNvPr id="2" name="标题 1"/>
           <p:cNvSpPr>
             <a:spLocks noGrp="1"/>
           </p:cNvSpPr>
@@ -4440,7 +4852,7 @@
         </p:nvSpPr>
         <p:spPr>
           <a:xfrm>
-            <a:off x="0" y="198072"/>
+            <a:off x="0" y="-48"/>
             <a:ext cx="10515600" cy="575652"/>
           </a:xfrm>
         </p:spPr>
@@ -4460,13 +4872,7 @@
       </p:sp>
       <p:sp>
         <p:nvSpPr>
-          <p:cNvPr id="3" name="内容占位符 2">
-            <a:extLst>
-              <a:ext uri="{FF2B5EF4-FFF2-40B4-BE49-F238E27FC236}">
-                <a16:creationId xmlns:a16="http://schemas.microsoft.com/office/drawing/2014/main" id="{48E70D3F-7BCE-F295-1DBC-CFC2BC54F02B}"/>
-              </a:ext>
-            </a:extLst>
-          </p:cNvPr>
+          <p:cNvPr id="3" name="内容占位符 2"/>
           <p:cNvSpPr>
             <a:spLocks noGrp="1"/>
           </p:cNvSpPr>
@@ -4476,7 +4882,7 @@
         </p:nvSpPr>
         <p:spPr>
           <a:xfrm>
-            <a:off x="0" y="1104656"/>
+            <a:off x="0" y="575066"/>
             <a:ext cx="12192000" cy="5753344"/>
           </a:xfrm>
         </p:spPr>
@@ -4490,45 +4896,51 @@
               <a:rPr lang="en-US" altLang="zh-CN" sz="2000" dirty="0"/>
               <a:t>Time analysis based on callback chain</a:t>
             </a:r>
+            <a:endParaRPr lang="en-US" altLang="zh-CN" sz="2000" dirty="0"/>
           </a:p>
           <a:p>
             <a:pPr lvl="1"/>
             <a:r>
+              <a:rPr lang="en-US" altLang="zh-CN" sz="2000" dirty="0"/>
+              <a:t>The impact of callback chain priority</a:t>
+            </a:r>
+            <a:endParaRPr lang="en-US" altLang="zh-CN" sz="2000" dirty="0"/>
+          </a:p>
+          <a:p>
+            <a:pPr lvl="2"/>
+            <a:r>
+              <a:rPr lang="en-US" altLang="zh-CN" sz="1600" dirty="0" err="1"/>
+              <a:t>PiCAS</a:t>
+            </a:r>
+            <a:r>
               <a:rPr lang="en-US" altLang="zh-CN" sz="1600" dirty="0"/>
-              <a:t>The impact of callback chain priority</a:t>
-            </a:r>
+              <a:t>: New Design of Priority-Driven Chain-Aware Scheduling for ROS2</a:t>
+            </a:r>
+            <a:endParaRPr lang="en-US" altLang="zh-CN" sz="1600" dirty="0"/>
+          </a:p>
+          <a:p>
+            <a:pPr lvl="1"/>
+            <a:r>
+              <a:rPr lang="en-US" altLang="zh-CN" sz="2000" dirty="0"/>
+              <a:t>Time analysis of callback belonging to a single task chain</a:t>
+            </a:r>
+            <a:endParaRPr lang="en-US" altLang="zh-CN" sz="2000" dirty="0"/>
           </a:p>
           <a:p>
             <a:pPr lvl="2"/>
             <a:r>
-              <a:rPr lang="en-US" altLang="zh-CN" sz="1200" dirty="0" err="1"/>
-              <a:t>PiCAS</a:t>
-            </a:r>
-            <a:r>
-              <a:rPr lang="en-US" altLang="zh-CN" sz="1200" dirty="0"/>
-              <a:t>: New Design of Priority-Driven Chain-Aware Scheduling for ROS2</a:t>
-            </a:r>
+              <a:rPr lang="en-US" altLang="zh-CN" sz="1600" dirty="0"/>
+              <a:t>Response Time Analysis and Priority Assignment of Processing Chains on ROS2 Executors</a:t>
+            </a:r>
+            <a:endParaRPr lang="en-US" altLang="zh-CN" sz="1600" dirty="0"/>
           </a:p>
           <a:p>
             <a:pPr lvl="1"/>
             <a:r>
-              <a:rPr lang="en-US" altLang="zh-CN" sz="1600" dirty="0"/>
-              <a:t>Time analysis of callback belonging to a single task chain</a:t>
-            </a:r>
-          </a:p>
-          <a:p>
-            <a:pPr lvl="2"/>
-            <a:r>
-              <a:rPr lang="en-US" altLang="zh-CN" sz="1200" dirty="0"/>
-              <a:t>Response Time Analysis and Priority Assignment of Processing Chains on ROS2 Executors</a:t>
-            </a:r>
-          </a:p>
-          <a:p>
-            <a:pPr lvl="1"/>
-            <a:r>
-              <a:rPr lang="en-US" altLang="zh-CN" sz="1600" dirty="0"/>
+              <a:rPr lang="en-US" altLang="zh-CN" sz="2000" dirty="0"/>
               <a:t>Time analysis of callbacks belonging to multiple task chains</a:t>
             </a:r>
+            <a:endParaRPr lang="en-US" altLang="zh-CN" sz="2000" dirty="0"/>
           </a:p>
           <a:p>
             <a:pPr lvl="2"/>
@@ -4536,71 +4948,90 @@
               <a:rPr lang="en-US" altLang="zh-CN" sz="1600" dirty="0"/>
               <a:t>A ROS 2 Response-Time Analysis Exploiting Starvation Freedom and Execution-Time Variance</a:t>
             </a:r>
-          </a:p>
-          <a:p>
-            <a:endParaRPr lang="en-US" altLang="zh-CN" sz="2000" dirty="0"/>
+            <a:endParaRPr lang="en-US" altLang="zh-CN" sz="1600" dirty="0"/>
+          </a:p>
+          <a:p>
+            <a:endParaRPr lang="en-US" altLang="zh-CN" sz="2400" dirty="0"/>
           </a:p>
           <a:p>
             <a:r>
               <a:rPr lang="en-US" altLang="zh-CN" sz="2000" dirty="0"/>
               <a:t>Analysis based on message synchronization</a:t>
             </a:r>
+            <a:endParaRPr lang="en-US" altLang="zh-CN" sz="2000" dirty="0"/>
           </a:p>
           <a:p>
             <a:pPr lvl="1"/>
             <a:r>
+              <a:rPr lang="en-US" altLang="zh-CN" sz="2000" dirty="0"/>
+              <a:t>Selection of output message set</a:t>
+            </a:r>
+            <a:endParaRPr lang="en-US" altLang="zh-CN" sz="2000" dirty="0"/>
+          </a:p>
+          <a:p>
+            <a:pPr lvl="2"/>
+            <a:r>
               <a:rPr lang="en-US" altLang="zh-CN" sz="1600" dirty="0"/>
-              <a:t>Selection of output message set</a:t>
-            </a:r>
+              <a:t>SEAM: An Optimal Message Synchronizer in ROS with Well-Bounded Time Disparity</a:t>
+            </a:r>
+            <a:endParaRPr lang="en-US" altLang="zh-CN" sz="1600" dirty="0"/>
+          </a:p>
+          <a:p>
+            <a:pPr lvl="1"/>
+            <a:r>
+              <a:rPr lang="en-US" altLang="zh-CN" sz="2000" dirty="0"/>
+              <a:t>Queue overflow processing</a:t>
+            </a:r>
+            <a:endParaRPr lang="en-US" altLang="zh-CN" sz="2000" dirty="0"/>
           </a:p>
           <a:p>
             <a:pPr lvl="2"/>
             <a:r>
-              <a:rPr lang="en-US" altLang="zh-CN" sz="1200" dirty="0"/>
-              <a:t>SEAM: An Optimal Message Synchronizer in ROS with Well-Bounded Time Disparity</a:t>
-            </a:r>
+              <a:rPr lang="en-US" altLang="zh-CN" sz="1600" dirty="0"/>
+              <a:t>Modeling and Property Analysis of the Message Synchronization Policy in ROS</a:t>
+            </a:r>
+            <a:endParaRPr lang="en-US" altLang="zh-CN" sz="1600" dirty="0"/>
           </a:p>
           <a:p>
             <a:pPr lvl="1"/>
             <a:r>
+              <a:rPr lang="en-US" altLang="zh-CN" sz="2000" dirty="0"/>
+              <a:t>End-to-end time of message synchronization</a:t>
+            </a:r>
+            <a:endParaRPr lang="en-US" altLang="zh-CN" sz="2000" dirty="0"/>
+          </a:p>
+          <a:p>
+            <a:pPr lvl="2"/>
+            <a:r>
               <a:rPr lang="en-US" altLang="zh-CN" sz="1600" dirty="0"/>
-              <a:t>Queue overflow processing</a:t>
-            </a:r>
-          </a:p>
-          <a:p>
-            <a:pPr lvl="2"/>
-            <a:r>
-              <a:rPr lang="en-US" altLang="zh-CN" sz="1200" dirty="0"/>
-              <a:t>Modeling and Property Analysis of the Message Synchronization Policy in ROS</a:t>
-            </a:r>
-          </a:p>
-          <a:p>
-            <a:pPr lvl="1"/>
-            <a:r>
-              <a:rPr lang="en-US" altLang="zh-CN" sz="1600" dirty="0"/>
-              <a:t>End-to-end time of message synchronization</a:t>
-            </a:r>
-          </a:p>
-          <a:p>
-            <a:pPr lvl="2"/>
-            <a:r>
-              <a:rPr lang="en-US" altLang="zh-CN" sz="1200" dirty="0"/>
-              <a:t>Worst-Case Time Disparity Analysis of Message Synchronization in ROS	</a:t>
-            </a:r>
+              <a:t>Worst-Case Time Disparity Analysis of Message Synchronization in ROS</a:t>
+            </a:r>
+            <a:r>
+              <a:rPr lang="en-US" altLang="zh-CN" sz="1400" dirty="0"/>
+              <a:t>	</a:t>
+            </a:r>
+            <a:endParaRPr lang="en-US" altLang="zh-CN" sz="1400" dirty="0"/>
           </a:p>
         </p:txBody>
       </p:sp>
     </p:spTree>
-    <p:extLst>
-      <p:ext uri="{BB962C8B-B14F-4D97-AF65-F5344CB8AC3E}">
-        <p14:creationId xmlns:p14="http://schemas.microsoft.com/office/powerpoint/2010/main" val="1210276616"/>
-      </p:ext>
-    </p:extLst>
   </p:cSld>
   <p:clrMapOvr>
     <a:masterClrMapping/>
   </p:clrMapOvr>
 </p:sld>
+</file>
+
+<file path=ppt/tags/tag1.xml><?xml version="1.0" encoding="utf-8"?>
+<p:tagLst xmlns:p="http://schemas.openxmlformats.org/presentationml/2006/main">
+  <p:tag name="KSO_WM_BEAUTIFY_FLAG" val=""/>
+</p:tagLst>
+</file>
+
+<file path=ppt/tags/tag2.xml><?xml version="1.0" encoding="utf-8"?>
+<p:tagLst xmlns:p="http://schemas.openxmlformats.org/presentationml/2006/main">
+  <p:tag name="KSO_WM_BEAUTIFY_FLAG" val=""/>
+</p:tagLst>
 </file>
 
 <file path=ppt/theme/theme1.xml><?xml version="1.0" encoding="utf-8"?>
@@ -4646,7 +5077,7 @@
     </a:clrScheme>
     <a:fontScheme name="Office">
       <a:majorFont>
-        <a:latin typeface="等线 Light" panose="020F0302020204030204"/>
+        <a:latin typeface="等线 Light"/>
         <a:ea typeface=""/>
         <a:cs typeface=""/>
         <a:font script="Jpan" typeface="游ゴシック Light"/>
@@ -4679,26 +5110,9 @@
         <a:font script="Viet" typeface="Times New Roman"/>
         <a:font script="Uigh" typeface="Microsoft Uighur"/>
         <a:font script="Geor" typeface="Sylfaen"/>
-        <a:font script="Armn" typeface="Arial"/>
-        <a:font script="Bugi" typeface="Leelawadee UI"/>
-        <a:font script="Bopo" typeface="Microsoft JhengHei"/>
-        <a:font script="Java" typeface="Javanese Text"/>
-        <a:font script="Lisu" typeface="Segoe UI"/>
-        <a:font script="Mymr" typeface="Myanmar Text"/>
-        <a:font script="Nkoo" typeface="Ebrima"/>
-        <a:font script="Olck" typeface="Nirmala UI"/>
-        <a:font script="Osma" typeface="Ebrima"/>
-        <a:font script="Phag" typeface="Phagspa"/>
-        <a:font script="Syrn" typeface="Estrangelo Edessa"/>
-        <a:font script="Syrj" typeface="Estrangelo Edessa"/>
-        <a:font script="Syre" typeface="Estrangelo Edessa"/>
-        <a:font script="Sora" typeface="Nirmala UI"/>
-        <a:font script="Tale" typeface="Microsoft Tai Le"/>
-        <a:font script="Talu" typeface="Microsoft New Tai Lue"/>
-        <a:font script="Tfng" typeface="Ebrima"/>
       </a:majorFont>
       <a:minorFont>
-        <a:latin typeface="等线" panose="020F0502020204030204"/>
+        <a:latin typeface="等线"/>
         <a:ea typeface=""/>
         <a:cs typeface=""/>
         <a:font script="Jpan" typeface="游ゴシック"/>
@@ -4731,23 +5145,6 @@
         <a:font script="Viet" typeface="Arial"/>
         <a:font script="Uigh" typeface="Microsoft Uighur"/>
         <a:font script="Geor" typeface="Sylfaen"/>
-        <a:font script="Armn" typeface="Arial"/>
-        <a:font script="Bugi" typeface="Leelawadee UI"/>
-        <a:font script="Bopo" typeface="Microsoft JhengHei"/>
-        <a:font script="Java" typeface="Javanese Text"/>
-        <a:font script="Lisu" typeface="Segoe UI"/>
-        <a:font script="Mymr" typeface="Myanmar Text"/>
-        <a:font script="Nkoo" typeface="Ebrima"/>
-        <a:font script="Olck" typeface="Nirmala UI"/>
-        <a:font script="Osma" typeface="Ebrima"/>
-        <a:font script="Phag" typeface="Phagspa"/>
-        <a:font script="Syrn" typeface="Estrangelo Edessa"/>
-        <a:font script="Syrj" typeface="Estrangelo Edessa"/>
-        <a:font script="Syre" typeface="Estrangelo Edessa"/>
-        <a:font script="Sora" typeface="Nirmala UI"/>
-        <a:font script="Tale" typeface="Microsoft Tai Le"/>
-        <a:font script="Talu" typeface="Microsoft New Tai Lue"/>
-        <a:font script="Tfng" typeface="Ebrima"/>
       </a:minorFont>
     </a:fontScheme>
     <a:fmtScheme name="Office">
@@ -4888,8 +5285,6 @@
       </a:bgFillStyleLst>
     </a:fmtScheme>
   </a:themeElements>
-  <a:objectDefaults/>
-  <a:extraClrSchemeLst/>
   <a:extLst>
     <a:ext uri="{05A4C25C-085E-4340-85A3-A5531E510DB2}">
       <thm15:themeFamily xmlns:thm15="http://schemas.microsoft.com/office/thememl/2012/main" name="Office Theme" id="{62F939B6-93AF-4DB8-9C6B-D6C7DFDC589F}" vid="{4A3C46E8-61CC-4603-A589-7422A47A8E4A}"/>

--- a/06-ppt/discussion/0524.pptx
+++ b/06-ppt/discussion/0524.pptx
@@ -3,21 +3,22 @@
 <p:presentation xmlns:a="http://schemas.openxmlformats.org/drawingml/2006/main" xmlns:r="http://schemas.openxmlformats.org/officeDocument/2006/relationships" xmlns:p="http://schemas.openxmlformats.org/presentationml/2006/main" embedTrueTypeFonts="1" saveSubsetFonts="1">
   <p:sldMasterIdLst>
     <p:sldMasterId id="2147483648" r:id="rId1"/>
+    <p:sldMasterId id="2147483660" r:id="rId3"/>
   </p:sldMasterIdLst>
   <p:sldIdLst>
-    <p:sldId id="256" r:id="rId3"/>
-    <p:sldId id="257" r:id="rId4"/>
-    <p:sldId id="259" r:id="rId5"/>
-    <p:sldId id="260" r:id="rId6"/>
-    <p:sldId id="261" r:id="rId7"/>
-    <p:sldId id="262" r:id="rId8"/>
+    <p:sldId id="256" r:id="rId4"/>
+    <p:sldId id="264" r:id="rId5"/>
+    <p:sldId id="259" r:id="rId6"/>
+    <p:sldId id="260" r:id="rId7"/>
+    <p:sldId id="261" r:id="rId8"/>
+    <p:sldId id="262" r:id="rId9"/>
   </p:sldIdLst>
   <p:sldSz cx="12192000" cy="6858000"/>
   <p:notesSz cx="6858000" cy="9144000"/>
   <p:embeddedFontLst>
     <p:embeddedFont>
       <p:font typeface="DejaVu Math TeX Gyre" panose="02000503000000000000" charset="0"/>
-      <p:regular r:id="rId12"/>
+      <p:regular r:id="rId13"/>
     </p:embeddedFont>
   </p:embeddedFontLst>
   <p:defaultTextStyle>
@@ -118,7 +119,7 @@
   <p:extLst>
     <p:ext uri="{EFAFB233-063F-42B5-8137-9DF3F51BA10A}">
       <p15:sldGuideLst xmlns:p15="http://schemas.microsoft.com/office/powerpoint/2012/main">
-        <p15:guide id="1" orient="horz" pos="2174" userDrawn="1">
+        <p15:guide id="1" orient="horz" pos="2160" userDrawn="1">
           <p15:clr>
             <a:srgbClr val="A4A3A4"/>
           </p15:clr>
@@ -663,6 +664,1675 @@
 </p:sldLayout>
 </file>
 
+<file path=ppt/slideLayouts/slideLayout12.xml><?xml version="1.0" encoding="utf-8"?>
+<p:sldLayout xmlns:a="http://schemas.openxmlformats.org/drawingml/2006/main" xmlns:r="http://schemas.openxmlformats.org/officeDocument/2006/relationships" xmlns:p="http://schemas.openxmlformats.org/presentationml/2006/main" type="title" preserve="1">
+  <p:cSld name="标题幻灯片">
+    <p:spTree>
+      <p:nvGrpSpPr>
+        <p:cNvPr id="1" name=""/>
+        <p:cNvGrpSpPr/>
+        <p:nvPr/>
+      </p:nvGrpSpPr>
+      <p:grpSpPr>
+        <a:xfrm>
+          <a:off x="0" y="0"/>
+          <a:ext cx="0" cy="0"/>
+          <a:chOff x="0" y="0"/>
+          <a:chExt cx="0" cy="0"/>
+        </a:xfrm>
+      </p:grpSpPr>
+      <p:sp>
+        <p:nvSpPr>
+          <p:cNvPr id="2" name="标题 1"/>
+          <p:cNvSpPr>
+            <a:spLocks noGrp="1"/>
+          </p:cNvSpPr>
+          <p:nvPr>
+            <p:ph type="ctrTitle"/>
+          </p:nvPr>
+        </p:nvSpPr>
+        <p:spPr>
+          <a:xfrm>
+            <a:off x="1524000" y="1122363"/>
+            <a:ext cx="9144000" cy="2387600"/>
+          </a:xfrm>
+        </p:spPr>
+        <p:txBody>
+          <a:bodyPr anchor="b"/>
+          <a:lstStyle>
+            <a:lvl1pPr algn="ctr">
+              <a:defRPr sz="6000"/>
+            </a:lvl1pPr>
+          </a:lstStyle>
+          <a:p>
+            <a:r>
+              <a:rPr lang="zh-CN" altLang="en-US"/>
+              <a:t>单击此处编辑母版标题样式</a:t>
+            </a:r>
+            <a:endParaRPr lang="zh-CN" altLang="en-US"/>
+          </a:p>
+        </p:txBody>
+      </p:sp>
+      <p:sp>
+        <p:nvSpPr>
+          <p:cNvPr id="3" name="副标题 2"/>
+          <p:cNvSpPr>
+            <a:spLocks noGrp="1"/>
+          </p:cNvSpPr>
+          <p:nvPr>
+            <p:ph type="subTitle" idx="1"/>
+          </p:nvPr>
+        </p:nvSpPr>
+        <p:spPr>
+          <a:xfrm>
+            <a:off x="1524000" y="3602038"/>
+            <a:ext cx="9144000" cy="1655762"/>
+          </a:xfrm>
+        </p:spPr>
+        <p:txBody>
+          <a:bodyPr/>
+          <a:lstStyle>
+            <a:lvl1pPr marL="0" indent="0" algn="ctr">
+              <a:buNone/>
+              <a:defRPr sz="2400"/>
+            </a:lvl1pPr>
+            <a:lvl2pPr marL="457200" indent="0" algn="ctr">
+              <a:buNone/>
+              <a:defRPr sz="2000"/>
+            </a:lvl2pPr>
+            <a:lvl3pPr marL="914400" indent="0" algn="ctr">
+              <a:buNone/>
+              <a:defRPr sz="1800"/>
+            </a:lvl3pPr>
+            <a:lvl4pPr marL="1371600" indent="0" algn="ctr">
+              <a:buNone/>
+              <a:defRPr sz="1600"/>
+            </a:lvl4pPr>
+            <a:lvl5pPr marL="1828800" indent="0" algn="ctr">
+              <a:buNone/>
+              <a:defRPr sz="1600"/>
+            </a:lvl5pPr>
+            <a:lvl6pPr marL="2286000" indent="0" algn="ctr">
+              <a:buNone/>
+              <a:defRPr sz="1600"/>
+            </a:lvl6pPr>
+            <a:lvl7pPr marL="2743200" indent="0" algn="ctr">
+              <a:buNone/>
+              <a:defRPr sz="1600"/>
+            </a:lvl7pPr>
+            <a:lvl8pPr marL="3200400" indent="0" algn="ctr">
+              <a:buNone/>
+              <a:defRPr sz="1600"/>
+            </a:lvl8pPr>
+            <a:lvl9pPr marL="3657600" indent="0" algn="ctr">
+              <a:buNone/>
+              <a:defRPr sz="1600"/>
+            </a:lvl9pPr>
+          </a:lstStyle>
+          <a:p>
+            <a:r>
+              <a:rPr lang="zh-CN" altLang="en-US"/>
+              <a:t>单击此处编辑母版副标题样式</a:t>
+            </a:r>
+            <a:endParaRPr lang="zh-CN" altLang="en-US"/>
+          </a:p>
+        </p:txBody>
+      </p:sp>
+      <p:sp>
+        <p:nvSpPr>
+          <p:cNvPr id="4" name="日期占位符 3"/>
+          <p:cNvSpPr>
+            <a:spLocks noGrp="1"/>
+          </p:cNvSpPr>
+          <p:nvPr>
+            <p:ph type="dt" sz="half" idx="10"/>
+          </p:nvPr>
+        </p:nvSpPr>
+        <p:spPr/>
+        <p:txBody>
+          <a:bodyPr/>
+          <a:lstStyle/>
+          <a:p>
+            <a:fld id="{51FD5836-1B78-4E70-983F-F8F353C30F27}" type="datetimeFigureOut">
+              <a:rPr lang="zh-CN" altLang="en-US" smtClean="0"/>
+            </a:fld>
+            <a:endParaRPr lang="zh-CN" altLang="en-US"/>
+          </a:p>
+        </p:txBody>
+      </p:sp>
+      <p:sp>
+        <p:nvSpPr>
+          <p:cNvPr id="5" name="页脚占位符 4"/>
+          <p:cNvSpPr>
+            <a:spLocks noGrp="1"/>
+          </p:cNvSpPr>
+          <p:nvPr>
+            <p:ph type="ftr" sz="quarter" idx="11"/>
+          </p:nvPr>
+        </p:nvSpPr>
+        <p:spPr/>
+        <p:txBody>
+          <a:bodyPr/>
+          <a:lstStyle/>
+          <a:p>
+            <a:endParaRPr lang="zh-CN" altLang="en-US"/>
+          </a:p>
+        </p:txBody>
+      </p:sp>
+      <p:sp>
+        <p:nvSpPr>
+          <p:cNvPr id="6" name="灯片编号占位符 5"/>
+          <p:cNvSpPr>
+            <a:spLocks noGrp="1"/>
+          </p:cNvSpPr>
+          <p:nvPr>
+            <p:ph type="sldNum" sz="quarter" idx="12"/>
+          </p:nvPr>
+        </p:nvSpPr>
+        <p:spPr/>
+        <p:txBody>
+          <a:bodyPr/>
+          <a:lstStyle/>
+          <a:p>
+            <a:fld id="{AB80B9A9-C03D-4F64-ADE2-7C0EC2978D5F}" type="slidenum">
+              <a:rPr lang="zh-CN" altLang="en-US" smtClean="0"/>
+            </a:fld>
+            <a:endParaRPr lang="zh-CN" altLang="en-US"/>
+          </a:p>
+        </p:txBody>
+      </p:sp>
+    </p:spTree>
+  </p:cSld>
+  <p:clrMapOvr>
+    <a:masterClrMapping/>
+  </p:clrMapOvr>
+</p:sldLayout>
+</file>
+
+<file path=ppt/slideLayouts/slideLayout13.xml><?xml version="1.0" encoding="utf-8"?>
+<p:sldLayout xmlns:a="http://schemas.openxmlformats.org/drawingml/2006/main" xmlns:r="http://schemas.openxmlformats.org/officeDocument/2006/relationships" xmlns:p="http://schemas.openxmlformats.org/presentationml/2006/main" type="obj" preserve="1">
+  <p:cSld name="标题和内容">
+    <p:spTree>
+      <p:nvGrpSpPr>
+        <p:cNvPr id="1" name=""/>
+        <p:cNvGrpSpPr/>
+        <p:nvPr/>
+      </p:nvGrpSpPr>
+      <p:grpSpPr>
+        <a:xfrm>
+          <a:off x="0" y="0"/>
+          <a:ext cx="0" cy="0"/>
+          <a:chOff x="0" y="0"/>
+          <a:chExt cx="0" cy="0"/>
+        </a:xfrm>
+      </p:grpSpPr>
+      <p:sp>
+        <p:nvSpPr>
+          <p:cNvPr id="2" name="标题 1"/>
+          <p:cNvSpPr>
+            <a:spLocks noGrp="1"/>
+          </p:cNvSpPr>
+          <p:nvPr>
+            <p:ph type="title"/>
+          </p:nvPr>
+        </p:nvSpPr>
+        <p:spPr/>
+        <p:txBody>
+          <a:bodyPr/>
+          <a:lstStyle/>
+          <a:p>
+            <a:r>
+              <a:rPr lang="zh-CN" altLang="en-US"/>
+              <a:t>单击此处编辑母版标题样式</a:t>
+            </a:r>
+            <a:endParaRPr lang="zh-CN" altLang="en-US"/>
+          </a:p>
+        </p:txBody>
+      </p:sp>
+      <p:sp>
+        <p:nvSpPr>
+          <p:cNvPr id="3" name="内容占位符 2"/>
+          <p:cNvSpPr>
+            <a:spLocks noGrp="1"/>
+          </p:cNvSpPr>
+          <p:nvPr>
+            <p:ph idx="1"/>
+          </p:nvPr>
+        </p:nvSpPr>
+        <p:spPr/>
+        <p:txBody>
+          <a:bodyPr/>
+          <a:lstStyle/>
+          <a:p>
+            <a:pPr lvl="0"/>
+            <a:r>
+              <a:rPr lang="zh-CN" altLang="en-US"/>
+              <a:t>单击此处编辑母版文本样式</a:t>
+            </a:r>
+            <a:endParaRPr lang="zh-CN" altLang="en-US"/>
+          </a:p>
+          <a:p>
+            <a:pPr lvl="1"/>
+            <a:r>
+              <a:rPr lang="zh-CN" altLang="en-US"/>
+              <a:t>二级</a:t>
+            </a:r>
+            <a:endParaRPr lang="zh-CN" altLang="en-US"/>
+          </a:p>
+          <a:p>
+            <a:pPr lvl="2"/>
+            <a:r>
+              <a:rPr lang="zh-CN" altLang="en-US"/>
+              <a:t>三级</a:t>
+            </a:r>
+            <a:endParaRPr lang="zh-CN" altLang="en-US"/>
+          </a:p>
+          <a:p>
+            <a:pPr lvl="3"/>
+            <a:r>
+              <a:rPr lang="zh-CN" altLang="en-US"/>
+              <a:t>四级</a:t>
+            </a:r>
+            <a:endParaRPr lang="zh-CN" altLang="en-US"/>
+          </a:p>
+          <a:p>
+            <a:pPr lvl="4"/>
+            <a:r>
+              <a:rPr lang="zh-CN" altLang="en-US"/>
+              <a:t>五级</a:t>
+            </a:r>
+            <a:endParaRPr lang="zh-CN" altLang="en-US"/>
+          </a:p>
+        </p:txBody>
+      </p:sp>
+      <p:sp>
+        <p:nvSpPr>
+          <p:cNvPr id="4" name="日期占位符 3"/>
+          <p:cNvSpPr>
+            <a:spLocks noGrp="1"/>
+          </p:cNvSpPr>
+          <p:nvPr>
+            <p:ph type="dt" sz="half" idx="10"/>
+          </p:nvPr>
+        </p:nvSpPr>
+        <p:spPr/>
+        <p:txBody>
+          <a:bodyPr/>
+          <a:lstStyle/>
+          <a:p>
+            <a:fld id="{51FD5836-1B78-4E70-983F-F8F353C30F27}" type="datetimeFigureOut">
+              <a:rPr lang="zh-CN" altLang="en-US" smtClean="0"/>
+            </a:fld>
+            <a:endParaRPr lang="zh-CN" altLang="en-US"/>
+          </a:p>
+        </p:txBody>
+      </p:sp>
+      <p:sp>
+        <p:nvSpPr>
+          <p:cNvPr id="5" name="页脚占位符 4"/>
+          <p:cNvSpPr>
+            <a:spLocks noGrp="1"/>
+          </p:cNvSpPr>
+          <p:nvPr>
+            <p:ph type="ftr" sz="quarter" idx="11"/>
+          </p:nvPr>
+        </p:nvSpPr>
+        <p:spPr/>
+        <p:txBody>
+          <a:bodyPr/>
+          <a:lstStyle/>
+          <a:p>
+            <a:endParaRPr lang="zh-CN" altLang="en-US"/>
+          </a:p>
+        </p:txBody>
+      </p:sp>
+      <p:sp>
+        <p:nvSpPr>
+          <p:cNvPr id="6" name="灯片编号占位符 5"/>
+          <p:cNvSpPr>
+            <a:spLocks noGrp="1"/>
+          </p:cNvSpPr>
+          <p:nvPr>
+            <p:ph type="sldNum" sz="quarter" idx="12"/>
+          </p:nvPr>
+        </p:nvSpPr>
+        <p:spPr/>
+        <p:txBody>
+          <a:bodyPr/>
+          <a:lstStyle/>
+          <a:p>
+            <a:fld id="{AB80B9A9-C03D-4F64-ADE2-7C0EC2978D5F}" type="slidenum">
+              <a:rPr lang="zh-CN" altLang="en-US" smtClean="0"/>
+            </a:fld>
+            <a:endParaRPr lang="zh-CN" altLang="en-US"/>
+          </a:p>
+        </p:txBody>
+      </p:sp>
+    </p:spTree>
+  </p:cSld>
+  <p:clrMapOvr>
+    <a:masterClrMapping/>
+  </p:clrMapOvr>
+</p:sldLayout>
+</file>
+
+<file path=ppt/slideLayouts/slideLayout14.xml><?xml version="1.0" encoding="utf-8"?>
+<p:sldLayout xmlns:a="http://schemas.openxmlformats.org/drawingml/2006/main" xmlns:r="http://schemas.openxmlformats.org/officeDocument/2006/relationships" xmlns:p="http://schemas.openxmlformats.org/presentationml/2006/main" type="secHead" preserve="1">
+  <p:cSld name="节标题">
+    <p:spTree>
+      <p:nvGrpSpPr>
+        <p:cNvPr id="1" name=""/>
+        <p:cNvGrpSpPr/>
+        <p:nvPr/>
+      </p:nvGrpSpPr>
+      <p:grpSpPr>
+        <a:xfrm>
+          <a:off x="0" y="0"/>
+          <a:ext cx="0" cy="0"/>
+          <a:chOff x="0" y="0"/>
+          <a:chExt cx="0" cy="0"/>
+        </a:xfrm>
+      </p:grpSpPr>
+      <p:sp>
+        <p:nvSpPr>
+          <p:cNvPr id="2" name="标题 1"/>
+          <p:cNvSpPr>
+            <a:spLocks noGrp="1"/>
+          </p:cNvSpPr>
+          <p:nvPr>
+            <p:ph type="title"/>
+          </p:nvPr>
+        </p:nvSpPr>
+        <p:spPr>
+          <a:xfrm>
+            <a:off x="831850" y="1709738"/>
+            <a:ext cx="10515600" cy="2852737"/>
+          </a:xfrm>
+        </p:spPr>
+        <p:txBody>
+          <a:bodyPr anchor="b"/>
+          <a:lstStyle>
+            <a:lvl1pPr>
+              <a:defRPr sz="6000"/>
+            </a:lvl1pPr>
+          </a:lstStyle>
+          <a:p>
+            <a:r>
+              <a:rPr lang="zh-CN" altLang="en-US"/>
+              <a:t>单击此处编辑母版标题样式</a:t>
+            </a:r>
+            <a:endParaRPr lang="zh-CN" altLang="en-US"/>
+          </a:p>
+        </p:txBody>
+      </p:sp>
+      <p:sp>
+        <p:nvSpPr>
+          <p:cNvPr id="3" name="文本占位符 2"/>
+          <p:cNvSpPr>
+            <a:spLocks noGrp="1"/>
+          </p:cNvSpPr>
+          <p:nvPr>
+            <p:ph type="body" idx="1"/>
+          </p:nvPr>
+        </p:nvSpPr>
+        <p:spPr>
+          <a:xfrm>
+            <a:off x="831850" y="4589463"/>
+            <a:ext cx="10515600" cy="1500187"/>
+          </a:xfrm>
+        </p:spPr>
+        <p:txBody>
+          <a:bodyPr/>
+          <a:lstStyle>
+            <a:lvl1pPr marL="0" indent="0">
+              <a:buNone/>
+              <a:defRPr sz="2400">
+                <a:solidFill>
+                  <a:schemeClr val="tx1">
+                    <a:tint val="75000"/>
+                  </a:schemeClr>
+                </a:solidFill>
+              </a:defRPr>
+            </a:lvl1pPr>
+            <a:lvl2pPr marL="457200" indent="0">
+              <a:buNone/>
+              <a:defRPr sz="2000">
+                <a:solidFill>
+                  <a:schemeClr val="tx1">
+                    <a:tint val="75000"/>
+                  </a:schemeClr>
+                </a:solidFill>
+              </a:defRPr>
+            </a:lvl2pPr>
+            <a:lvl3pPr marL="914400" indent="0">
+              <a:buNone/>
+              <a:defRPr sz="1800">
+                <a:solidFill>
+                  <a:schemeClr val="tx1">
+                    <a:tint val="75000"/>
+                  </a:schemeClr>
+                </a:solidFill>
+              </a:defRPr>
+            </a:lvl3pPr>
+            <a:lvl4pPr marL="1371600" indent="0">
+              <a:buNone/>
+              <a:defRPr sz="1600">
+                <a:solidFill>
+                  <a:schemeClr val="tx1">
+                    <a:tint val="75000"/>
+                  </a:schemeClr>
+                </a:solidFill>
+              </a:defRPr>
+            </a:lvl4pPr>
+            <a:lvl5pPr marL="1828800" indent="0">
+              <a:buNone/>
+              <a:defRPr sz="1600">
+                <a:solidFill>
+                  <a:schemeClr val="tx1">
+                    <a:tint val="75000"/>
+                  </a:schemeClr>
+                </a:solidFill>
+              </a:defRPr>
+            </a:lvl5pPr>
+            <a:lvl6pPr marL="2286000" indent="0">
+              <a:buNone/>
+              <a:defRPr sz="1600">
+                <a:solidFill>
+                  <a:schemeClr val="tx1">
+                    <a:tint val="75000"/>
+                  </a:schemeClr>
+                </a:solidFill>
+              </a:defRPr>
+            </a:lvl6pPr>
+            <a:lvl7pPr marL="2743200" indent="0">
+              <a:buNone/>
+              <a:defRPr sz="1600">
+                <a:solidFill>
+                  <a:schemeClr val="tx1">
+                    <a:tint val="75000"/>
+                  </a:schemeClr>
+                </a:solidFill>
+              </a:defRPr>
+            </a:lvl7pPr>
+            <a:lvl8pPr marL="3200400" indent="0">
+              <a:buNone/>
+              <a:defRPr sz="1600">
+                <a:solidFill>
+                  <a:schemeClr val="tx1">
+                    <a:tint val="75000"/>
+                  </a:schemeClr>
+                </a:solidFill>
+              </a:defRPr>
+            </a:lvl8pPr>
+            <a:lvl9pPr marL="3657600" indent="0">
+              <a:buNone/>
+              <a:defRPr sz="1600">
+                <a:solidFill>
+                  <a:schemeClr val="tx1">
+                    <a:tint val="75000"/>
+                  </a:schemeClr>
+                </a:solidFill>
+              </a:defRPr>
+            </a:lvl9pPr>
+          </a:lstStyle>
+          <a:p>
+            <a:pPr lvl="0"/>
+            <a:r>
+              <a:rPr lang="zh-CN" altLang="en-US"/>
+              <a:t>单击此处编辑母版文本样式</a:t>
+            </a:r>
+            <a:endParaRPr lang="zh-CN" altLang="en-US"/>
+          </a:p>
+        </p:txBody>
+      </p:sp>
+      <p:sp>
+        <p:nvSpPr>
+          <p:cNvPr id="4" name="日期占位符 3"/>
+          <p:cNvSpPr>
+            <a:spLocks noGrp="1"/>
+          </p:cNvSpPr>
+          <p:nvPr>
+            <p:ph type="dt" sz="half" idx="10"/>
+          </p:nvPr>
+        </p:nvSpPr>
+        <p:spPr/>
+        <p:txBody>
+          <a:bodyPr/>
+          <a:lstStyle/>
+          <a:p>
+            <a:fld id="{51FD5836-1B78-4E70-983F-F8F353C30F27}" type="datetimeFigureOut">
+              <a:rPr lang="zh-CN" altLang="en-US" smtClean="0"/>
+            </a:fld>
+            <a:endParaRPr lang="zh-CN" altLang="en-US"/>
+          </a:p>
+        </p:txBody>
+      </p:sp>
+      <p:sp>
+        <p:nvSpPr>
+          <p:cNvPr id="5" name="页脚占位符 4"/>
+          <p:cNvSpPr>
+            <a:spLocks noGrp="1"/>
+          </p:cNvSpPr>
+          <p:nvPr>
+            <p:ph type="ftr" sz="quarter" idx="11"/>
+          </p:nvPr>
+        </p:nvSpPr>
+        <p:spPr/>
+        <p:txBody>
+          <a:bodyPr/>
+          <a:lstStyle/>
+          <a:p>
+            <a:endParaRPr lang="zh-CN" altLang="en-US"/>
+          </a:p>
+        </p:txBody>
+      </p:sp>
+      <p:sp>
+        <p:nvSpPr>
+          <p:cNvPr id="6" name="灯片编号占位符 5"/>
+          <p:cNvSpPr>
+            <a:spLocks noGrp="1"/>
+          </p:cNvSpPr>
+          <p:nvPr>
+            <p:ph type="sldNum" sz="quarter" idx="12"/>
+          </p:nvPr>
+        </p:nvSpPr>
+        <p:spPr/>
+        <p:txBody>
+          <a:bodyPr/>
+          <a:lstStyle/>
+          <a:p>
+            <a:fld id="{AB80B9A9-C03D-4F64-ADE2-7C0EC2978D5F}" type="slidenum">
+              <a:rPr lang="zh-CN" altLang="en-US" smtClean="0"/>
+            </a:fld>
+            <a:endParaRPr lang="zh-CN" altLang="en-US"/>
+          </a:p>
+        </p:txBody>
+      </p:sp>
+    </p:spTree>
+  </p:cSld>
+  <p:clrMapOvr>
+    <a:masterClrMapping/>
+  </p:clrMapOvr>
+</p:sldLayout>
+</file>
+
+<file path=ppt/slideLayouts/slideLayout15.xml><?xml version="1.0" encoding="utf-8"?>
+<p:sldLayout xmlns:a="http://schemas.openxmlformats.org/drawingml/2006/main" xmlns:r="http://schemas.openxmlformats.org/officeDocument/2006/relationships" xmlns:p="http://schemas.openxmlformats.org/presentationml/2006/main" type="twoObj" preserve="1">
+  <p:cSld name="两栏内容">
+    <p:spTree>
+      <p:nvGrpSpPr>
+        <p:cNvPr id="1" name=""/>
+        <p:cNvGrpSpPr/>
+        <p:nvPr/>
+      </p:nvGrpSpPr>
+      <p:grpSpPr>
+        <a:xfrm>
+          <a:off x="0" y="0"/>
+          <a:ext cx="0" cy="0"/>
+          <a:chOff x="0" y="0"/>
+          <a:chExt cx="0" cy="0"/>
+        </a:xfrm>
+      </p:grpSpPr>
+      <p:sp>
+        <p:nvSpPr>
+          <p:cNvPr id="2" name="标题 1"/>
+          <p:cNvSpPr>
+            <a:spLocks noGrp="1"/>
+          </p:cNvSpPr>
+          <p:nvPr>
+            <p:ph type="title"/>
+          </p:nvPr>
+        </p:nvSpPr>
+        <p:spPr/>
+        <p:txBody>
+          <a:bodyPr/>
+          <a:lstStyle/>
+          <a:p>
+            <a:r>
+              <a:rPr lang="zh-CN" altLang="en-US"/>
+              <a:t>单击此处编辑母版标题样式</a:t>
+            </a:r>
+            <a:endParaRPr lang="zh-CN" altLang="en-US"/>
+          </a:p>
+        </p:txBody>
+      </p:sp>
+      <p:sp>
+        <p:nvSpPr>
+          <p:cNvPr id="3" name="内容占位符 2"/>
+          <p:cNvSpPr>
+            <a:spLocks noGrp="1"/>
+          </p:cNvSpPr>
+          <p:nvPr>
+            <p:ph sz="half" idx="1"/>
+          </p:nvPr>
+        </p:nvSpPr>
+        <p:spPr>
+          <a:xfrm>
+            <a:off x="838200" y="1825625"/>
+            <a:ext cx="5181600" cy="4351338"/>
+          </a:xfrm>
+        </p:spPr>
+        <p:txBody>
+          <a:bodyPr/>
+          <a:lstStyle/>
+          <a:p>
+            <a:pPr lvl="0"/>
+            <a:r>
+              <a:rPr lang="zh-CN" altLang="en-US"/>
+              <a:t>单击此处编辑母版文本样式</a:t>
+            </a:r>
+            <a:endParaRPr lang="zh-CN" altLang="en-US"/>
+          </a:p>
+          <a:p>
+            <a:pPr lvl="1"/>
+            <a:r>
+              <a:rPr lang="zh-CN" altLang="en-US"/>
+              <a:t>二级</a:t>
+            </a:r>
+            <a:endParaRPr lang="zh-CN" altLang="en-US"/>
+          </a:p>
+          <a:p>
+            <a:pPr lvl="2"/>
+            <a:r>
+              <a:rPr lang="zh-CN" altLang="en-US"/>
+              <a:t>三级</a:t>
+            </a:r>
+            <a:endParaRPr lang="zh-CN" altLang="en-US"/>
+          </a:p>
+          <a:p>
+            <a:pPr lvl="3"/>
+            <a:r>
+              <a:rPr lang="zh-CN" altLang="en-US"/>
+              <a:t>四级</a:t>
+            </a:r>
+            <a:endParaRPr lang="zh-CN" altLang="en-US"/>
+          </a:p>
+          <a:p>
+            <a:pPr lvl="4"/>
+            <a:r>
+              <a:rPr lang="zh-CN" altLang="en-US"/>
+              <a:t>五级</a:t>
+            </a:r>
+            <a:endParaRPr lang="zh-CN" altLang="en-US"/>
+          </a:p>
+        </p:txBody>
+      </p:sp>
+      <p:sp>
+        <p:nvSpPr>
+          <p:cNvPr id="4" name="内容占位符 3"/>
+          <p:cNvSpPr>
+            <a:spLocks noGrp="1"/>
+          </p:cNvSpPr>
+          <p:nvPr>
+            <p:ph sz="half" idx="2"/>
+          </p:nvPr>
+        </p:nvSpPr>
+        <p:spPr>
+          <a:xfrm>
+            <a:off x="6172200" y="1825625"/>
+            <a:ext cx="5181600" cy="4351338"/>
+          </a:xfrm>
+        </p:spPr>
+        <p:txBody>
+          <a:bodyPr/>
+          <a:lstStyle/>
+          <a:p>
+            <a:pPr lvl="0"/>
+            <a:r>
+              <a:rPr lang="zh-CN" altLang="en-US"/>
+              <a:t>单击此处编辑母版文本样式</a:t>
+            </a:r>
+            <a:endParaRPr lang="zh-CN" altLang="en-US"/>
+          </a:p>
+          <a:p>
+            <a:pPr lvl="1"/>
+            <a:r>
+              <a:rPr lang="zh-CN" altLang="en-US"/>
+              <a:t>二级</a:t>
+            </a:r>
+            <a:endParaRPr lang="zh-CN" altLang="en-US"/>
+          </a:p>
+          <a:p>
+            <a:pPr lvl="2"/>
+            <a:r>
+              <a:rPr lang="zh-CN" altLang="en-US"/>
+              <a:t>三级</a:t>
+            </a:r>
+            <a:endParaRPr lang="zh-CN" altLang="en-US"/>
+          </a:p>
+          <a:p>
+            <a:pPr lvl="3"/>
+            <a:r>
+              <a:rPr lang="zh-CN" altLang="en-US"/>
+              <a:t>四级</a:t>
+            </a:r>
+            <a:endParaRPr lang="zh-CN" altLang="en-US"/>
+          </a:p>
+          <a:p>
+            <a:pPr lvl="4"/>
+            <a:r>
+              <a:rPr lang="zh-CN" altLang="en-US"/>
+              <a:t>五级</a:t>
+            </a:r>
+            <a:endParaRPr lang="zh-CN" altLang="en-US"/>
+          </a:p>
+        </p:txBody>
+      </p:sp>
+      <p:sp>
+        <p:nvSpPr>
+          <p:cNvPr id="5" name="日期占位符 4"/>
+          <p:cNvSpPr>
+            <a:spLocks noGrp="1"/>
+          </p:cNvSpPr>
+          <p:nvPr>
+            <p:ph type="dt" sz="half" idx="10"/>
+          </p:nvPr>
+        </p:nvSpPr>
+        <p:spPr/>
+        <p:txBody>
+          <a:bodyPr/>
+          <a:lstStyle/>
+          <a:p>
+            <a:fld id="{51FD5836-1B78-4E70-983F-F8F353C30F27}" type="datetimeFigureOut">
+              <a:rPr lang="zh-CN" altLang="en-US" smtClean="0"/>
+            </a:fld>
+            <a:endParaRPr lang="zh-CN" altLang="en-US"/>
+          </a:p>
+        </p:txBody>
+      </p:sp>
+      <p:sp>
+        <p:nvSpPr>
+          <p:cNvPr id="6" name="页脚占位符 5"/>
+          <p:cNvSpPr>
+            <a:spLocks noGrp="1"/>
+          </p:cNvSpPr>
+          <p:nvPr>
+            <p:ph type="ftr" sz="quarter" idx="11"/>
+          </p:nvPr>
+        </p:nvSpPr>
+        <p:spPr/>
+        <p:txBody>
+          <a:bodyPr/>
+          <a:lstStyle/>
+          <a:p>
+            <a:endParaRPr lang="zh-CN" altLang="en-US"/>
+          </a:p>
+        </p:txBody>
+      </p:sp>
+      <p:sp>
+        <p:nvSpPr>
+          <p:cNvPr id="7" name="灯片编号占位符 6"/>
+          <p:cNvSpPr>
+            <a:spLocks noGrp="1"/>
+          </p:cNvSpPr>
+          <p:nvPr>
+            <p:ph type="sldNum" sz="quarter" idx="12"/>
+          </p:nvPr>
+        </p:nvSpPr>
+        <p:spPr/>
+        <p:txBody>
+          <a:bodyPr/>
+          <a:lstStyle/>
+          <a:p>
+            <a:fld id="{AB80B9A9-C03D-4F64-ADE2-7C0EC2978D5F}" type="slidenum">
+              <a:rPr lang="zh-CN" altLang="en-US" smtClean="0"/>
+            </a:fld>
+            <a:endParaRPr lang="zh-CN" altLang="en-US"/>
+          </a:p>
+        </p:txBody>
+      </p:sp>
+    </p:spTree>
+  </p:cSld>
+  <p:clrMapOvr>
+    <a:masterClrMapping/>
+  </p:clrMapOvr>
+</p:sldLayout>
+</file>
+
+<file path=ppt/slideLayouts/slideLayout16.xml><?xml version="1.0" encoding="utf-8"?>
+<p:sldLayout xmlns:a="http://schemas.openxmlformats.org/drawingml/2006/main" xmlns:r="http://schemas.openxmlformats.org/officeDocument/2006/relationships" xmlns:p="http://schemas.openxmlformats.org/presentationml/2006/main" type="twoTxTwoObj" preserve="1">
+  <p:cSld name="比较">
+    <p:spTree>
+      <p:nvGrpSpPr>
+        <p:cNvPr id="1" name=""/>
+        <p:cNvGrpSpPr/>
+        <p:nvPr/>
+      </p:nvGrpSpPr>
+      <p:grpSpPr>
+        <a:xfrm>
+          <a:off x="0" y="0"/>
+          <a:ext cx="0" cy="0"/>
+          <a:chOff x="0" y="0"/>
+          <a:chExt cx="0" cy="0"/>
+        </a:xfrm>
+      </p:grpSpPr>
+      <p:sp>
+        <p:nvSpPr>
+          <p:cNvPr id="2" name="标题 1"/>
+          <p:cNvSpPr>
+            <a:spLocks noGrp="1"/>
+          </p:cNvSpPr>
+          <p:nvPr>
+            <p:ph type="title"/>
+          </p:nvPr>
+        </p:nvSpPr>
+        <p:spPr>
+          <a:xfrm>
+            <a:off x="839788" y="365125"/>
+            <a:ext cx="10515600" cy="1325563"/>
+          </a:xfrm>
+        </p:spPr>
+        <p:txBody>
+          <a:bodyPr/>
+          <a:lstStyle/>
+          <a:p>
+            <a:r>
+              <a:rPr lang="zh-CN" altLang="en-US"/>
+              <a:t>单击此处编辑母版标题样式</a:t>
+            </a:r>
+            <a:endParaRPr lang="zh-CN" altLang="en-US"/>
+          </a:p>
+        </p:txBody>
+      </p:sp>
+      <p:sp>
+        <p:nvSpPr>
+          <p:cNvPr id="3" name="文本占位符 2"/>
+          <p:cNvSpPr>
+            <a:spLocks noGrp="1"/>
+          </p:cNvSpPr>
+          <p:nvPr>
+            <p:ph type="body" idx="1"/>
+          </p:nvPr>
+        </p:nvSpPr>
+        <p:spPr>
+          <a:xfrm>
+            <a:off x="839788" y="1681163"/>
+            <a:ext cx="5157787" cy="823912"/>
+          </a:xfrm>
+        </p:spPr>
+        <p:txBody>
+          <a:bodyPr anchor="b"/>
+          <a:lstStyle>
+            <a:lvl1pPr marL="0" indent="0">
+              <a:buNone/>
+              <a:defRPr sz="2400" b="1"/>
+            </a:lvl1pPr>
+            <a:lvl2pPr marL="457200" indent="0">
+              <a:buNone/>
+              <a:defRPr sz="2000" b="1"/>
+            </a:lvl2pPr>
+            <a:lvl3pPr marL="914400" indent="0">
+              <a:buNone/>
+              <a:defRPr sz="1800" b="1"/>
+            </a:lvl3pPr>
+            <a:lvl4pPr marL="1371600" indent="0">
+              <a:buNone/>
+              <a:defRPr sz="1600" b="1"/>
+            </a:lvl4pPr>
+            <a:lvl5pPr marL="1828800" indent="0">
+              <a:buNone/>
+              <a:defRPr sz="1600" b="1"/>
+            </a:lvl5pPr>
+            <a:lvl6pPr marL="2286000" indent="0">
+              <a:buNone/>
+              <a:defRPr sz="1600" b="1"/>
+            </a:lvl6pPr>
+            <a:lvl7pPr marL="2743200" indent="0">
+              <a:buNone/>
+              <a:defRPr sz="1600" b="1"/>
+            </a:lvl7pPr>
+            <a:lvl8pPr marL="3200400" indent="0">
+              <a:buNone/>
+              <a:defRPr sz="1600" b="1"/>
+            </a:lvl8pPr>
+            <a:lvl9pPr marL="3657600" indent="0">
+              <a:buNone/>
+              <a:defRPr sz="1600" b="1"/>
+            </a:lvl9pPr>
+          </a:lstStyle>
+          <a:p>
+            <a:pPr lvl="0"/>
+            <a:r>
+              <a:rPr lang="zh-CN" altLang="en-US"/>
+              <a:t>单击此处编辑母版文本样式</a:t>
+            </a:r>
+            <a:endParaRPr lang="zh-CN" altLang="en-US"/>
+          </a:p>
+        </p:txBody>
+      </p:sp>
+      <p:sp>
+        <p:nvSpPr>
+          <p:cNvPr id="4" name="内容占位符 3"/>
+          <p:cNvSpPr>
+            <a:spLocks noGrp="1"/>
+          </p:cNvSpPr>
+          <p:nvPr>
+            <p:ph sz="half" idx="2"/>
+          </p:nvPr>
+        </p:nvSpPr>
+        <p:spPr>
+          <a:xfrm>
+            <a:off x="839788" y="2505075"/>
+            <a:ext cx="5157787" cy="3684588"/>
+          </a:xfrm>
+        </p:spPr>
+        <p:txBody>
+          <a:bodyPr/>
+          <a:lstStyle/>
+          <a:p>
+            <a:pPr lvl="0"/>
+            <a:r>
+              <a:rPr lang="zh-CN" altLang="en-US"/>
+              <a:t>单击此处编辑母版文本样式</a:t>
+            </a:r>
+            <a:endParaRPr lang="zh-CN" altLang="en-US"/>
+          </a:p>
+          <a:p>
+            <a:pPr lvl="1"/>
+            <a:r>
+              <a:rPr lang="zh-CN" altLang="en-US"/>
+              <a:t>二级</a:t>
+            </a:r>
+            <a:endParaRPr lang="zh-CN" altLang="en-US"/>
+          </a:p>
+          <a:p>
+            <a:pPr lvl="2"/>
+            <a:r>
+              <a:rPr lang="zh-CN" altLang="en-US"/>
+              <a:t>三级</a:t>
+            </a:r>
+            <a:endParaRPr lang="zh-CN" altLang="en-US"/>
+          </a:p>
+          <a:p>
+            <a:pPr lvl="3"/>
+            <a:r>
+              <a:rPr lang="zh-CN" altLang="en-US"/>
+              <a:t>四级</a:t>
+            </a:r>
+            <a:endParaRPr lang="zh-CN" altLang="en-US"/>
+          </a:p>
+          <a:p>
+            <a:pPr lvl="4"/>
+            <a:r>
+              <a:rPr lang="zh-CN" altLang="en-US"/>
+              <a:t>五级</a:t>
+            </a:r>
+            <a:endParaRPr lang="zh-CN" altLang="en-US"/>
+          </a:p>
+        </p:txBody>
+      </p:sp>
+      <p:sp>
+        <p:nvSpPr>
+          <p:cNvPr id="5" name="文本占位符 4"/>
+          <p:cNvSpPr>
+            <a:spLocks noGrp="1"/>
+          </p:cNvSpPr>
+          <p:nvPr>
+            <p:ph type="body" sz="quarter" idx="3"/>
+          </p:nvPr>
+        </p:nvSpPr>
+        <p:spPr>
+          <a:xfrm>
+            <a:off x="6172200" y="1681163"/>
+            <a:ext cx="5183188" cy="823912"/>
+          </a:xfrm>
+        </p:spPr>
+        <p:txBody>
+          <a:bodyPr anchor="b"/>
+          <a:lstStyle>
+            <a:lvl1pPr marL="0" indent="0">
+              <a:buNone/>
+              <a:defRPr sz="2400" b="1"/>
+            </a:lvl1pPr>
+            <a:lvl2pPr marL="457200" indent="0">
+              <a:buNone/>
+              <a:defRPr sz="2000" b="1"/>
+            </a:lvl2pPr>
+            <a:lvl3pPr marL="914400" indent="0">
+              <a:buNone/>
+              <a:defRPr sz="1800" b="1"/>
+            </a:lvl3pPr>
+            <a:lvl4pPr marL="1371600" indent="0">
+              <a:buNone/>
+              <a:defRPr sz="1600" b="1"/>
+            </a:lvl4pPr>
+            <a:lvl5pPr marL="1828800" indent="0">
+              <a:buNone/>
+              <a:defRPr sz="1600" b="1"/>
+            </a:lvl5pPr>
+            <a:lvl6pPr marL="2286000" indent="0">
+              <a:buNone/>
+              <a:defRPr sz="1600" b="1"/>
+            </a:lvl6pPr>
+            <a:lvl7pPr marL="2743200" indent="0">
+              <a:buNone/>
+              <a:defRPr sz="1600" b="1"/>
+            </a:lvl7pPr>
+            <a:lvl8pPr marL="3200400" indent="0">
+              <a:buNone/>
+              <a:defRPr sz="1600" b="1"/>
+            </a:lvl8pPr>
+            <a:lvl9pPr marL="3657600" indent="0">
+              <a:buNone/>
+              <a:defRPr sz="1600" b="1"/>
+            </a:lvl9pPr>
+          </a:lstStyle>
+          <a:p>
+            <a:pPr lvl="0"/>
+            <a:r>
+              <a:rPr lang="zh-CN" altLang="en-US"/>
+              <a:t>单击此处编辑母版文本样式</a:t>
+            </a:r>
+            <a:endParaRPr lang="zh-CN" altLang="en-US"/>
+          </a:p>
+        </p:txBody>
+      </p:sp>
+      <p:sp>
+        <p:nvSpPr>
+          <p:cNvPr id="6" name="内容占位符 5"/>
+          <p:cNvSpPr>
+            <a:spLocks noGrp="1"/>
+          </p:cNvSpPr>
+          <p:nvPr>
+            <p:ph sz="quarter" idx="4"/>
+          </p:nvPr>
+        </p:nvSpPr>
+        <p:spPr>
+          <a:xfrm>
+            <a:off x="6172200" y="2505075"/>
+            <a:ext cx="5183188" cy="3684588"/>
+          </a:xfrm>
+        </p:spPr>
+        <p:txBody>
+          <a:bodyPr/>
+          <a:lstStyle/>
+          <a:p>
+            <a:pPr lvl="0"/>
+            <a:r>
+              <a:rPr lang="zh-CN" altLang="en-US"/>
+              <a:t>单击此处编辑母版文本样式</a:t>
+            </a:r>
+            <a:endParaRPr lang="zh-CN" altLang="en-US"/>
+          </a:p>
+          <a:p>
+            <a:pPr lvl="1"/>
+            <a:r>
+              <a:rPr lang="zh-CN" altLang="en-US"/>
+              <a:t>二级</a:t>
+            </a:r>
+            <a:endParaRPr lang="zh-CN" altLang="en-US"/>
+          </a:p>
+          <a:p>
+            <a:pPr lvl="2"/>
+            <a:r>
+              <a:rPr lang="zh-CN" altLang="en-US"/>
+              <a:t>三级</a:t>
+            </a:r>
+            <a:endParaRPr lang="zh-CN" altLang="en-US"/>
+          </a:p>
+          <a:p>
+            <a:pPr lvl="3"/>
+            <a:r>
+              <a:rPr lang="zh-CN" altLang="en-US"/>
+              <a:t>四级</a:t>
+            </a:r>
+            <a:endParaRPr lang="zh-CN" altLang="en-US"/>
+          </a:p>
+          <a:p>
+            <a:pPr lvl="4"/>
+            <a:r>
+              <a:rPr lang="zh-CN" altLang="en-US"/>
+              <a:t>五级</a:t>
+            </a:r>
+            <a:endParaRPr lang="zh-CN" altLang="en-US"/>
+          </a:p>
+        </p:txBody>
+      </p:sp>
+      <p:sp>
+        <p:nvSpPr>
+          <p:cNvPr id="7" name="日期占位符 6"/>
+          <p:cNvSpPr>
+            <a:spLocks noGrp="1"/>
+          </p:cNvSpPr>
+          <p:nvPr>
+            <p:ph type="dt" sz="half" idx="10"/>
+          </p:nvPr>
+        </p:nvSpPr>
+        <p:spPr/>
+        <p:txBody>
+          <a:bodyPr/>
+          <a:lstStyle/>
+          <a:p>
+            <a:fld id="{51FD5836-1B78-4E70-983F-F8F353C30F27}" type="datetimeFigureOut">
+              <a:rPr lang="zh-CN" altLang="en-US" smtClean="0"/>
+            </a:fld>
+            <a:endParaRPr lang="zh-CN" altLang="en-US"/>
+          </a:p>
+        </p:txBody>
+      </p:sp>
+      <p:sp>
+        <p:nvSpPr>
+          <p:cNvPr id="8" name="页脚占位符 7"/>
+          <p:cNvSpPr>
+            <a:spLocks noGrp="1"/>
+          </p:cNvSpPr>
+          <p:nvPr>
+            <p:ph type="ftr" sz="quarter" idx="11"/>
+          </p:nvPr>
+        </p:nvSpPr>
+        <p:spPr/>
+        <p:txBody>
+          <a:bodyPr/>
+          <a:lstStyle/>
+          <a:p>
+            <a:endParaRPr lang="zh-CN" altLang="en-US"/>
+          </a:p>
+        </p:txBody>
+      </p:sp>
+      <p:sp>
+        <p:nvSpPr>
+          <p:cNvPr id="9" name="灯片编号占位符 8"/>
+          <p:cNvSpPr>
+            <a:spLocks noGrp="1"/>
+          </p:cNvSpPr>
+          <p:nvPr>
+            <p:ph type="sldNum" sz="quarter" idx="12"/>
+          </p:nvPr>
+        </p:nvSpPr>
+        <p:spPr/>
+        <p:txBody>
+          <a:bodyPr/>
+          <a:lstStyle/>
+          <a:p>
+            <a:fld id="{AB80B9A9-C03D-4F64-ADE2-7C0EC2978D5F}" type="slidenum">
+              <a:rPr lang="zh-CN" altLang="en-US" smtClean="0"/>
+            </a:fld>
+            <a:endParaRPr lang="zh-CN" altLang="en-US"/>
+          </a:p>
+        </p:txBody>
+      </p:sp>
+    </p:spTree>
+  </p:cSld>
+  <p:clrMapOvr>
+    <a:masterClrMapping/>
+  </p:clrMapOvr>
+</p:sldLayout>
+</file>
+
+<file path=ppt/slideLayouts/slideLayout17.xml><?xml version="1.0" encoding="utf-8"?>
+<p:sldLayout xmlns:a="http://schemas.openxmlformats.org/drawingml/2006/main" xmlns:r="http://schemas.openxmlformats.org/officeDocument/2006/relationships" xmlns:p="http://schemas.openxmlformats.org/presentationml/2006/main" type="titleOnly" preserve="1">
+  <p:cSld name="仅标题">
+    <p:spTree>
+      <p:nvGrpSpPr>
+        <p:cNvPr id="1" name=""/>
+        <p:cNvGrpSpPr/>
+        <p:nvPr/>
+      </p:nvGrpSpPr>
+      <p:grpSpPr>
+        <a:xfrm>
+          <a:off x="0" y="0"/>
+          <a:ext cx="0" cy="0"/>
+          <a:chOff x="0" y="0"/>
+          <a:chExt cx="0" cy="0"/>
+        </a:xfrm>
+      </p:grpSpPr>
+      <p:sp>
+        <p:nvSpPr>
+          <p:cNvPr id="2" name="标题 1"/>
+          <p:cNvSpPr>
+            <a:spLocks noGrp="1"/>
+          </p:cNvSpPr>
+          <p:nvPr>
+            <p:ph type="title"/>
+          </p:nvPr>
+        </p:nvSpPr>
+        <p:spPr/>
+        <p:txBody>
+          <a:bodyPr/>
+          <a:lstStyle/>
+          <a:p>
+            <a:r>
+              <a:rPr lang="zh-CN" altLang="en-US"/>
+              <a:t>单击此处编辑母版标题样式</a:t>
+            </a:r>
+            <a:endParaRPr lang="zh-CN" altLang="en-US"/>
+          </a:p>
+        </p:txBody>
+      </p:sp>
+      <p:sp>
+        <p:nvSpPr>
+          <p:cNvPr id="3" name="日期占位符 2"/>
+          <p:cNvSpPr>
+            <a:spLocks noGrp="1"/>
+          </p:cNvSpPr>
+          <p:nvPr>
+            <p:ph type="dt" sz="half" idx="10"/>
+          </p:nvPr>
+        </p:nvSpPr>
+        <p:spPr/>
+        <p:txBody>
+          <a:bodyPr/>
+          <a:lstStyle/>
+          <a:p>
+            <a:fld id="{51FD5836-1B78-4E70-983F-F8F353C30F27}" type="datetimeFigureOut">
+              <a:rPr lang="zh-CN" altLang="en-US" smtClean="0"/>
+            </a:fld>
+            <a:endParaRPr lang="zh-CN" altLang="en-US"/>
+          </a:p>
+        </p:txBody>
+      </p:sp>
+      <p:sp>
+        <p:nvSpPr>
+          <p:cNvPr id="4" name="页脚占位符 3"/>
+          <p:cNvSpPr>
+            <a:spLocks noGrp="1"/>
+          </p:cNvSpPr>
+          <p:nvPr>
+            <p:ph type="ftr" sz="quarter" idx="11"/>
+          </p:nvPr>
+        </p:nvSpPr>
+        <p:spPr/>
+        <p:txBody>
+          <a:bodyPr/>
+          <a:lstStyle/>
+          <a:p>
+            <a:endParaRPr lang="zh-CN" altLang="en-US"/>
+          </a:p>
+        </p:txBody>
+      </p:sp>
+      <p:sp>
+        <p:nvSpPr>
+          <p:cNvPr id="5" name="灯片编号占位符 4"/>
+          <p:cNvSpPr>
+            <a:spLocks noGrp="1"/>
+          </p:cNvSpPr>
+          <p:nvPr>
+            <p:ph type="sldNum" sz="quarter" idx="12"/>
+          </p:nvPr>
+        </p:nvSpPr>
+        <p:spPr/>
+        <p:txBody>
+          <a:bodyPr/>
+          <a:lstStyle/>
+          <a:p>
+            <a:fld id="{AB80B9A9-C03D-4F64-ADE2-7C0EC2978D5F}" type="slidenum">
+              <a:rPr lang="zh-CN" altLang="en-US" smtClean="0"/>
+            </a:fld>
+            <a:endParaRPr lang="zh-CN" altLang="en-US"/>
+          </a:p>
+        </p:txBody>
+      </p:sp>
+    </p:spTree>
+  </p:cSld>
+  <p:clrMapOvr>
+    <a:masterClrMapping/>
+  </p:clrMapOvr>
+</p:sldLayout>
+</file>
+
+<file path=ppt/slideLayouts/slideLayout18.xml><?xml version="1.0" encoding="utf-8"?>
+<p:sldLayout xmlns:a="http://schemas.openxmlformats.org/drawingml/2006/main" xmlns:r="http://schemas.openxmlformats.org/officeDocument/2006/relationships" xmlns:p="http://schemas.openxmlformats.org/presentationml/2006/main" type="blank" preserve="1">
+  <p:cSld name="空白">
+    <p:spTree>
+      <p:nvGrpSpPr>
+        <p:cNvPr id="1" name=""/>
+        <p:cNvGrpSpPr/>
+        <p:nvPr/>
+      </p:nvGrpSpPr>
+      <p:grpSpPr>
+        <a:xfrm>
+          <a:off x="0" y="0"/>
+          <a:ext cx="0" cy="0"/>
+          <a:chOff x="0" y="0"/>
+          <a:chExt cx="0" cy="0"/>
+        </a:xfrm>
+      </p:grpSpPr>
+      <p:sp>
+        <p:nvSpPr>
+          <p:cNvPr id="2" name="日期占位符 1"/>
+          <p:cNvSpPr>
+            <a:spLocks noGrp="1"/>
+          </p:cNvSpPr>
+          <p:nvPr>
+            <p:ph type="dt" sz="half" idx="10"/>
+          </p:nvPr>
+        </p:nvSpPr>
+        <p:spPr/>
+        <p:txBody>
+          <a:bodyPr/>
+          <a:lstStyle/>
+          <a:p>
+            <a:fld id="{51FD5836-1B78-4E70-983F-F8F353C30F27}" type="datetimeFigureOut">
+              <a:rPr lang="zh-CN" altLang="en-US" smtClean="0"/>
+            </a:fld>
+            <a:endParaRPr lang="zh-CN" altLang="en-US"/>
+          </a:p>
+        </p:txBody>
+      </p:sp>
+      <p:sp>
+        <p:nvSpPr>
+          <p:cNvPr id="3" name="页脚占位符 2"/>
+          <p:cNvSpPr>
+            <a:spLocks noGrp="1"/>
+          </p:cNvSpPr>
+          <p:nvPr>
+            <p:ph type="ftr" sz="quarter" idx="11"/>
+          </p:nvPr>
+        </p:nvSpPr>
+        <p:spPr/>
+        <p:txBody>
+          <a:bodyPr/>
+          <a:lstStyle/>
+          <a:p>
+            <a:endParaRPr lang="zh-CN" altLang="en-US"/>
+          </a:p>
+        </p:txBody>
+      </p:sp>
+      <p:sp>
+        <p:nvSpPr>
+          <p:cNvPr id="4" name="灯片编号占位符 3"/>
+          <p:cNvSpPr>
+            <a:spLocks noGrp="1"/>
+          </p:cNvSpPr>
+          <p:nvPr>
+            <p:ph type="sldNum" sz="quarter" idx="12"/>
+          </p:nvPr>
+        </p:nvSpPr>
+        <p:spPr/>
+        <p:txBody>
+          <a:bodyPr/>
+          <a:lstStyle/>
+          <a:p>
+            <a:fld id="{AB80B9A9-C03D-4F64-ADE2-7C0EC2978D5F}" type="slidenum">
+              <a:rPr lang="zh-CN" altLang="en-US" smtClean="0"/>
+            </a:fld>
+            <a:endParaRPr lang="zh-CN" altLang="en-US"/>
+          </a:p>
+        </p:txBody>
+      </p:sp>
+    </p:spTree>
+  </p:cSld>
+  <p:clrMapOvr>
+    <a:masterClrMapping/>
+  </p:clrMapOvr>
+</p:sldLayout>
+</file>
+
+<file path=ppt/slideLayouts/slideLayout19.xml><?xml version="1.0" encoding="utf-8"?>
+<p:sldLayout xmlns:a="http://schemas.openxmlformats.org/drawingml/2006/main" xmlns:r="http://schemas.openxmlformats.org/officeDocument/2006/relationships" xmlns:p="http://schemas.openxmlformats.org/presentationml/2006/main" type="objTx" preserve="1">
+  <p:cSld name="内容与标题">
+    <p:spTree>
+      <p:nvGrpSpPr>
+        <p:cNvPr id="1" name=""/>
+        <p:cNvGrpSpPr/>
+        <p:nvPr/>
+      </p:nvGrpSpPr>
+      <p:grpSpPr>
+        <a:xfrm>
+          <a:off x="0" y="0"/>
+          <a:ext cx="0" cy="0"/>
+          <a:chOff x="0" y="0"/>
+          <a:chExt cx="0" cy="0"/>
+        </a:xfrm>
+      </p:grpSpPr>
+      <p:sp>
+        <p:nvSpPr>
+          <p:cNvPr id="2" name="标题 1"/>
+          <p:cNvSpPr>
+            <a:spLocks noGrp="1"/>
+          </p:cNvSpPr>
+          <p:nvPr>
+            <p:ph type="title"/>
+          </p:nvPr>
+        </p:nvSpPr>
+        <p:spPr>
+          <a:xfrm>
+            <a:off x="839788" y="457200"/>
+            <a:ext cx="3932237" cy="1600200"/>
+          </a:xfrm>
+        </p:spPr>
+        <p:txBody>
+          <a:bodyPr anchor="b"/>
+          <a:lstStyle>
+            <a:lvl1pPr>
+              <a:defRPr sz="3200"/>
+            </a:lvl1pPr>
+          </a:lstStyle>
+          <a:p>
+            <a:r>
+              <a:rPr lang="zh-CN" altLang="en-US"/>
+              <a:t>单击此处编辑母版标题样式</a:t>
+            </a:r>
+            <a:endParaRPr lang="zh-CN" altLang="en-US"/>
+          </a:p>
+        </p:txBody>
+      </p:sp>
+      <p:sp>
+        <p:nvSpPr>
+          <p:cNvPr id="3" name="内容占位符 2"/>
+          <p:cNvSpPr>
+            <a:spLocks noGrp="1"/>
+          </p:cNvSpPr>
+          <p:nvPr>
+            <p:ph idx="1"/>
+          </p:nvPr>
+        </p:nvSpPr>
+        <p:spPr>
+          <a:xfrm>
+            <a:off x="5183188" y="987425"/>
+            <a:ext cx="6172200" cy="4873625"/>
+          </a:xfrm>
+        </p:spPr>
+        <p:txBody>
+          <a:bodyPr/>
+          <a:lstStyle>
+            <a:lvl1pPr>
+              <a:defRPr sz="3200"/>
+            </a:lvl1pPr>
+            <a:lvl2pPr>
+              <a:defRPr sz="2800"/>
+            </a:lvl2pPr>
+            <a:lvl3pPr>
+              <a:defRPr sz="2400"/>
+            </a:lvl3pPr>
+            <a:lvl4pPr>
+              <a:defRPr sz="2000"/>
+            </a:lvl4pPr>
+            <a:lvl5pPr>
+              <a:defRPr sz="2000"/>
+            </a:lvl5pPr>
+            <a:lvl6pPr>
+              <a:defRPr sz="2000"/>
+            </a:lvl6pPr>
+            <a:lvl7pPr>
+              <a:defRPr sz="2000"/>
+            </a:lvl7pPr>
+            <a:lvl8pPr>
+              <a:defRPr sz="2000"/>
+            </a:lvl8pPr>
+            <a:lvl9pPr>
+              <a:defRPr sz="2000"/>
+            </a:lvl9pPr>
+          </a:lstStyle>
+          <a:p>
+            <a:pPr lvl="0"/>
+            <a:r>
+              <a:rPr lang="zh-CN" altLang="en-US"/>
+              <a:t>单击此处编辑母版文本样式</a:t>
+            </a:r>
+            <a:endParaRPr lang="zh-CN" altLang="en-US"/>
+          </a:p>
+          <a:p>
+            <a:pPr lvl="1"/>
+            <a:r>
+              <a:rPr lang="zh-CN" altLang="en-US"/>
+              <a:t>二级</a:t>
+            </a:r>
+            <a:endParaRPr lang="zh-CN" altLang="en-US"/>
+          </a:p>
+          <a:p>
+            <a:pPr lvl="2"/>
+            <a:r>
+              <a:rPr lang="zh-CN" altLang="en-US"/>
+              <a:t>三级</a:t>
+            </a:r>
+            <a:endParaRPr lang="zh-CN" altLang="en-US"/>
+          </a:p>
+          <a:p>
+            <a:pPr lvl="3"/>
+            <a:r>
+              <a:rPr lang="zh-CN" altLang="en-US"/>
+              <a:t>四级</a:t>
+            </a:r>
+            <a:endParaRPr lang="zh-CN" altLang="en-US"/>
+          </a:p>
+          <a:p>
+            <a:pPr lvl="4"/>
+            <a:r>
+              <a:rPr lang="zh-CN" altLang="en-US"/>
+              <a:t>五级</a:t>
+            </a:r>
+            <a:endParaRPr lang="zh-CN" altLang="en-US"/>
+          </a:p>
+        </p:txBody>
+      </p:sp>
+      <p:sp>
+        <p:nvSpPr>
+          <p:cNvPr id="4" name="文本占位符 3"/>
+          <p:cNvSpPr>
+            <a:spLocks noGrp="1"/>
+          </p:cNvSpPr>
+          <p:nvPr>
+            <p:ph type="body" sz="half" idx="2"/>
+          </p:nvPr>
+        </p:nvSpPr>
+        <p:spPr>
+          <a:xfrm>
+            <a:off x="839788" y="2057400"/>
+            <a:ext cx="3932237" cy="3811588"/>
+          </a:xfrm>
+        </p:spPr>
+        <p:txBody>
+          <a:bodyPr/>
+          <a:lstStyle>
+            <a:lvl1pPr marL="0" indent="0">
+              <a:buNone/>
+              <a:defRPr sz="1600"/>
+            </a:lvl1pPr>
+            <a:lvl2pPr marL="457200" indent="0">
+              <a:buNone/>
+              <a:defRPr sz="1400"/>
+            </a:lvl2pPr>
+            <a:lvl3pPr marL="914400" indent="0">
+              <a:buNone/>
+              <a:defRPr sz="1200"/>
+            </a:lvl3pPr>
+            <a:lvl4pPr marL="1371600" indent="0">
+              <a:buNone/>
+              <a:defRPr sz="1000"/>
+            </a:lvl4pPr>
+            <a:lvl5pPr marL="1828800" indent="0">
+              <a:buNone/>
+              <a:defRPr sz="1000"/>
+            </a:lvl5pPr>
+            <a:lvl6pPr marL="2286000" indent="0">
+              <a:buNone/>
+              <a:defRPr sz="1000"/>
+            </a:lvl6pPr>
+            <a:lvl7pPr marL="2743200" indent="0">
+              <a:buNone/>
+              <a:defRPr sz="1000"/>
+            </a:lvl7pPr>
+            <a:lvl8pPr marL="3200400" indent="0">
+              <a:buNone/>
+              <a:defRPr sz="1000"/>
+            </a:lvl8pPr>
+            <a:lvl9pPr marL="3657600" indent="0">
+              <a:buNone/>
+              <a:defRPr sz="1000"/>
+            </a:lvl9pPr>
+          </a:lstStyle>
+          <a:p>
+            <a:pPr lvl="0"/>
+            <a:r>
+              <a:rPr lang="zh-CN" altLang="en-US"/>
+              <a:t>单击此处编辑母版文本样式</a:t>
+            </a:r>
+            <a:endParaRPr lang="zh-CN" altLang="en-US"/>
+          </a:p>
+        </p:txBody>
+      </p:sp>
+      <p:sp>
+        <p:nvSpPr>
+          <p:cNvPr id="5" name="日期占位符 4"/>
+          <p:cNvSpPr>
+            <a:spLocks noGrp="1"/>
+          </p:cNvSpPr>
+          <p:nvPr>
+            <p:ph type="dt" sz="half" idx="10"/>
+          </p:nvPr>
+        </p:nvSpPr>
+        <p:spPr/>
+        <p:txBody>
+          <a:bodyPr/>
+          <a:lstStyle/>
+          <a:p>
+            <a:fld id="{51FD5836-1B78-4E70-983F-F8F353C30F27}" type="datetimeFigureOut">
+              <a:rPr lang="zh-CN" altLang="en-US" smtClean="0"/>
+            </a:fld>
+            <a:endParaRPr lang="zh-CN" altLang="en-US"/>
+          </a:p>
+        </p:txBody>
+      </p:sp>
+      <p:sp>
+        <p:nvSpPr>
+          <p:cNvPr id="6" name="页脚占位符 5"/>
+          <p:cNvSpPr>
+            <a:spLocks noGrp="1"/>
+          </p:cNvSpPr>
+          <p:nvPr>
+            <p:ph type="ftr" sz="quarter" idx="11"/>
+          </p:nvPr>
+        </p:nvSpPr>
+        <p:spPr/>
+        <p:txBody>
+          <a:bodyPr/>
+          <a:lstStyle/>
+          <a:p>
+            <a:endParaRPr lang="zh-CN" altLang="en-US"/>
+          </a:p>
+        </p:txBody>
+      </p:sp>
+      <p:sp>
+        <p:nvSpPr>
+          <p:cNvPr id="7" name="灯片编号占位符 6"/>
+          <p:cNvSpPr>
+            <a:spLocks noGrp="1"/>
+          </p:cNvSpPr>
+          <p:nvPr>
+            <p:ph type="sldNum" sz="quarter" idx="12"/>
+          </p:nvPr>
+        </p:nvSpPr>
+        <p:spPr/>
+        <p:txBody>
+          <a:bodyPr/>
+          <a:lstStyle/>
+          <a:p>
+            <a:fld id="{AB80B9A9-C03D-4F64-ADE2-7C0EC2978D5F}" type="slidenum">
+              <a:rPr lang="zh-CN" altLang="en-US" smtClean="0"/>
+            </a:fld>
+            <a:endParaRPr lang="zh-CN" altLang="en-US"/>
+          </a:p>
+        </p:txBody>
+      </p:sp>
+    </p:spTree>
+  </p:cSld>
+  <p:clrMapOvr>
+    <a:masterClrMapping/>
+  </p:clrMapOvr>
+</p:sldLayout>
+</file>
+
 <file path=ppt/slideLayouts/slideLayout2.xml><?xml version="1.0" encoding="utf-8"?>
 <p:sldLayout xmlns:a="http://schemas.openxmlformats.org/drawingml/2006/main" xmlns:r="http://schemas.openxmlformats.org/officeDocument/2006/relationships" xmlns:p="http://schemas.openxmlformats.org/presentationml/2006/main" type="obj" preserve="1">
   <p:cSld name="标题和内容">
@@ -716,6 +2386,597 @@
         <p:spPr/>
         <p:txBody>
           <a:bodyPr/>
+          <a:lstStyle/>
+          <a:p>
+            <a:pPr lvl="0"/>
+            <a:r>
+              <a:rPr lang="zh-CN" altLang="en-US"/>
+              <a:t>单击此处编辑母版文本样式</a:t>
+            </a:r>
+            <a:endParaRPr lang="zh-CN" altLang="en-US"/>
+          </a:p>
+          <a:p>
+            <a:pPr lvl="1"/>
+            <a:r>
+              <a:rPr lang="zh-CN" altLang="en-US"/>
+              <a:t>二级</a:t>
+            </a:r>
+            <a:endParaRPr lang="zh-CN" altLang="en-US"/>
+          </a:p>
+          <a:p>
+            <a:pPr lvl="2"/>
+            <a:r>
+              <a:rPr lang="zh-CN" altLang="en-US"/>
+              <a:t>三级</a:t>
+            </a:r>
+            <a:endParaRPr lang="zh-CN" altLang="en-US"/>
+          </a:p>
+          <a:p>
+            <a:pPr lvl="3"/>
+            <a:r>
+              <a:rPr lang="zh-CN" altLang="en-US"/>
+              <a:t>四级</a:t>
+            </a:r>
+            <a:endParaRPr lang="zh-CN" altLang="en-US"/>
+          </a:p>
+          <a:p>
+            <a:pPr lvl="4"/>
+            <a:r>
+              <a:rPr lang="zh-CN" altLang="en-US"/>
+              <a:t>五级</a:t>
+            </a:r>
+            <a:endParaRPr lang="zh-CN" altLang="en-US"/>
+          </a:p>
+        </p:txBody>
+      </p:sp>
+      <p:sp>
+        <p:nvSpPr>
+          <p:cNvPr id="4" name="日期占位符 3"/>
+          <p:cNvSpPr>
+            <a:spLocks noGrp="1"/>
+          </p:cNvSpPr>
+          <p:nvPr>
+            <p:ph type="dt" sz="half" idx="10"/>
+          </p:nvPr>
+        </p:nvSpPr>
+        <p:spPr/>
+        <p:txBody>
+          <a:bodyPr/>
+          <a:lstStyle/>
+          <a:p>
+            <a:fld id="{51FD5836-1B78-4E70-983F-F8F353C30F27}" type="datetimeFigureOut">
+              <a:rPr lang="zh-CN" altLang="en-US" smtClean="0"/>
+            </a:fld>
+            <a:endParaRPr lang="zh-CN" altLang="en-US"/>
+          </a:p>
+        </p:txBody>
+      </p:sp>
+      <p:sp>
+        <p:nvSpPr>
+          <p:cNvPr id="5" name="页脚占位符 4"/>
+          <p:cNvSpPr>
+            <a:spLocks noGrp="1"/>
+          </p:cNvSpPr>
+          <p:nvPr>
+            <p:ph type="ftr" sz="quarter" idx="11"/>
+          </p:nvPr>
+        </p:nvSpPr>
+        <p:spPr/>
+        <p:txBody>
+          <a:bodyPr/>
+          <a:lstStyle/>
+          <a:p>
+            <a:endParaRPr lang="zh-CN" altLang="en-US"/>
+          </a:p>
+        </p:txBody>
+      </p:sp>
+      <p:sp>
+        <p:nvSpPr>
+          <p:cNvPr id="6" name="灯片编号占位符 5"/>
+          <p:cNvSpPr>
+            <a:spLocks noGrp="1"/>
+          </p:cNvSpPr>
+          <p:nvPr>
+            <p:ph type="sldNum" sz="quarter" idx="12"/>
+          </p:nvPr>
+        </p:nvSpPr>
+        <p:spPr/>
+        <p:txBody>
+          <a:bodyPr/>
+          <a:lstStyle/>
+          <a:p>
+            <a:fld id="{AB80B9A9-C03D-4F64-ADE2-7C0EC2978D5F}" type="slidenum">
+              <a:rPr lang="zh-CN" altLang="en-US" smtClean="0"/>
+            </a:fld>
+            <a:endParaRPr lang="zh-CN" altLang="en-US"/>
+          </a:p>
+        </p:txBody>
+      </p:sp>
+    </p:spTree>
+  </p:cSld>
+  <p:clrMapOvr>
+    <a:masterClrMapping/>
+  </p:clrMapOvr>
+</p:sldLayout>
+</file>
+
+<file path=ppt/slideLayouts/slideLayout20.xml><?xml version="1.0" encoding="utf-8"?>
+<p:sldLayout xmlns:a="http://schemas.openxmlformats.org/drawingml/2006/main" xmlns:r="http://schemas.openxmlformats.org/officeDocument/2006/relationships" xmlns:p="http://schemas.openxmlformats.org/presentationml/2006/main" type="picTx" preserve="1">
+  <p:cSld name="图片与标题">
+    <p:spTree>
+      <p:nvGrpSpPr>
+        <p:cNvPr id="1" name=""/>
+        <p:cNvGrpSpPr/>
+        <p:nvPr/>
+      </p:nvGrpSpPr>
+      <p:grpSpPr>
+        <a:xfrm>
+          <a:off x="0" y="0"/>
+          <a:ext cx="0" cy="0"/>
+          <a:chOff x="0" y="0"/>
+          <a:chExt cx="0" cy="0"/>
+        </a:xfrm>
+      </p:grpSpPr>
+      <p:sp>
+        <p:nvSpPr>
+          <p:cNvPr id="2" name="标题 1"/>
+          <p:cNvSpPr>
+            <a:spLocks noGrp="1"/>
+          </p:cNvSpPr>
+          <p:nvPr>
+            <p:ph type="title"/>
+          </p:nvPr>
+        </p:nvSpPr>
+        <p:spPr>
+          <a:xfrm>
+            <a:off x="839788" y="457200"/>
+            <a:ext cx="3932237" cy="1600200"/>
+          </a:xfrm>
+        </p:spPr>
+        <p:txBody>
+          <a:bodyPr anchor="b"/>
+          <a:lstStyle>
+            <a:lvl1pPr>
+              <a:defRPr sz="3200"/>
+            </a:lvl1pPr>
+          </a:lstStyle>
+          <a:p>
+            <a:r>
+              <a:rPr lang="zh-CN" altLang="en-US"/>
+              <a:t>单击此处编辑母版标题样式</a:t>
+            </a:r>
+            <a:endParaRPr lang="zh-CN" altLang="en-US"/>
+          </a:p>
+        </p:txBody>
+      </p:sp>
+      <p:sp>
+        <p:nvSpPr>
+          <p:cNvPr id="3" name="图片占位符 2"/>
+          <p:cNvSpPr>
+            <a:spLocks noGrp="1"/>
+          </p:cNvSpPr>
+          <p:nvPr>
+            <p:ph type="pic" idx="1"/>
+          </p:nvPr>
+        </p:nvSpPr>
+        <p:spPr>
+          <a:xfrm>
+            <a:off x="5183188" y="987425"/>
+            <a:ext cx="6172200" cy="4873625"/>
+          </a:xfrm>
+        </p:spPr>
+        <p:txBody>
+          <a:bodyPr/>
+          <a:lstStyle>
+            <a:lvl1pPr marL="0" indent="0">
+              <a:buNone/>
+              <a:defRPr sz="3200"/>
+            </a:lvl1pPr>
+            <a:lvl2pPr marL="457200" indent="0">
+              <a:buNone/>
+              <a:defRPr sz="2800"/>
+            </a:lvl2pPr>
+            <a:lvl3pPr marL="914400" indent="0">
+              <a:buNone/>
+              <a:defRPr sz="2400"/>
+            </a:lvl3pPr>
+            <a:lvl4pPr marL="1371600" indent="0">
+              <a:buNone/>
+              <a:defRPr sz="2000"/>
+            </a:lvl4pPr>
+            <a:lvl5pPr marL="1828800" indent="0">
+              <a:buNone/>
+              <a:defRPr sz="2000"/>
+            </a:lvl5pPr>
+            <a:lvl6pPr marL="2286000" indent="0">
+              <a:buNone/>
+              <a:defRPr sz="2000"/>
+            </a:lvl6pPr>
+            <a:lvl7pPr marL="2743200" indent="0">
+              <a:buNone/>
+              <a:defRPr sz="2000"/>
+            </a:lvl7pPr>
+            <a:lvl8pPr marL="3200400" indent="0">
+              <a:buNone/>
+              <a:defRPr sz="2000"/>
+            </a:lvl8pPr>
+            <a:lvl9pPr marL="3657600" indent="0">
+              <a:buNone/>
+              <a:defRPr sz="2000"/>
+            </a:lvl9pPr>
+          </a:lstStyle>
+          <a:p>
+            <a:endParaRPr lang="zh-CN" altLang="en-US"/>
+          </a:p>
+        </p:txBody>
+      </p:sp>
+      <p:sp>
+        <p:nvSpPr>
+          <p:cNvPr id="4" name="文本占位符 3"/>
+          <p:cNvSpPr>
+            <a:spLocks noGrp="1"/>
+          </p:cNvSpPr>
+          <p:nvPr>
+            <p:ph type="body" sz="half" idx="2"/>
+          </p:nvPr>
+        </p:nvSpPr>
+        <p:spPr>
+          <a:xfrm>
+            <a:off x="839788" y="2057400"/>
+            <a:ext cx="3932237" cy="3811588"/>
+          </a:xfrm>
+        </p:spPr>
+        <p:txBody>
+          <a:bodyPr/>
+          <a:lstStyle>
+            <a:lvl1pPr marL="0" indent="0">
+              <a:buNone/>
+              <a:defRPr sz="1600"/>
+            </a:lvl1pPr>
+            <a:lvl2pPr marL="457200" indent="0">
+              <a:buNone/>
+              <a:defRPr sz="1400"/>
+            </a:lvl2pPr>
+            <a:lvl3pPr marL="914400" indent="0">
+              <a:buNone/>
+              <a:defRPr sz="1200"/>
+            </a:lvl3pPr>
+            <a:lvl4pPr marL="1371600" indent="0">
+              <a:buNone/>
+              <a:defRPr sz="1000"/>
+            </a:lvl4pPr>
+            <a:lvl5pPr marL="1828800" indent="0">
+              <a:buNone/>
+              <a:defRPr sz="1000"/>
+            </a:lvl5pPr>
+            <a:lvl6pPr marL="2286000" indent="0">
+              <a:buNone/>
+              <a:defRPr sz="1000"/>
+            </a:lvl6pPr>
+            <a:lvl7pPr marL="2743200" indent="0">
+              <a:buNone/>
+              <a:defRPr sz="1000"/>
+            </a:lvl7pPr>
+            <a:lvl8pPr marL="3200400" indent="0">
+              <a:buNone/>
+              <a:defRPr sz="1000"/>
+            </a:lvl8pPr>
+            <a:lvl9pPr marL="3657600" indent="0">
+              <a:buNone/>
+              <a:defRPr sz="1000"/>
+            </a:lvl9pPr>
+          </a:lstStyle>
+          <a:p>
+            <a:pPr lvl="0"/>
+            <a:r>
+              <a:rPr lang="zh-CN" altLang="en-US"/>
+              <a:t>单击此处编辑母版文本样式</a:t>
+            </a:r>
+            <a:endParaRPr lang="zh-CN" altLang="en-US"/>
+          </a:p>
+        </p:txBody>
+      </p:sp>
+      <p:sp>
+        <p:nvSpPr>
+          <p:cNvPr id="5" name="日期占位符 4"/>
+          <p:cNvSpPr>
+            <a:spLocks noGrp="1"/>
+          </p:cNvSpPr>
+          <p:nvPr>
+            <p:ph type="dt" sz="half" idx="10"/>
+          </p:nvPr>
+        </p:nvSpPr>
+        <p:spPr/>
+        <p:txBody>
+          <a:bodyPr/>
+          <a:lstStyle/>
+          <a:p>
+            <a:fld id="{51FD5836-1B78-4E70-983F-F8F353C30F27}" type="datetimeFigureOut">
+              <a:rPr lang="zh-CN" altLang="en-US" smtClean="0"/>
+            </a:fld>
+            <a:endParaRPr lang="zh-CN" altLang="en-US"/>
+          </a:p>
+        </p:txBody>
+      </p:sp>
+      <p:sp>
+        <p:nvSpPr>
+          <p:cNvPr id="6" name="页脚占位符 5"/>
+          <p:cNvSpPr>
+            <a:spLocks noGrp="1"/>
+          </p:cNvSpPr>
+          <p:nvPr>
+            <p:ph type="ftr" sz="quarter" idx="11"/>
+          </p:nvPr>
+        </p:nvSpPr>
+        <p:spPr/>
+        <p:txBody>
+          <a:bodyPr/>
+          <a:lstStyle/>
+          <a:p>
+            <a:endParaRPr lang="zh-CN" altLang="en-US"/>
+          </a:p>
+        </p:txBody>
+      </p:sp>
+      <p:sp>
+        <p:nvSpPr>
+          <p:cNvPr id="7" name="灯片编号占位符 6"/>
+          <p:cNvSpPr>
+            <a:spLocks noGrp="1"/>
+          </p:cNvSpPr>
+          <p:nvPr>
+            <p:ph type="sldNum" sz="quarter" idx="12"/>
+          </p:nvPr>
+        </p:nvSpPr>
+        <p:spPr/>
+        <p:txBody>
+          <a:bodyPr/>
+          <a:lstStyle/>
+          <a:p>
+            <a:fld id="{AB80B9A9-C03D-4F64-ADE2-7C0EC2978D5F}" type="slidenum">
+              <a:rPr lang="zh-CN" altLang="en-US" smtClean="0"/>
+            </a:fld>
+            <a:endParaRPr lang="zh-CN" altLang="en-US"/>
+          </a:p>
+        </p:txBody>
+      </p:sp>
+    </p:spTree>
+  </p:cSld>
+  <p:clrMapOvr>
+    <a:masterClrMapping/>
+  </p:clrMapOvr>
+</p:sldLayout>
+</file>
+
+<file path=ppt/slideLayouts/slideLayout21.xml><?xml version="1.0" encoding="utf-8"?>
+<p:sldLayout xmlns:a="http://schemas.openxmlformats.org/drawingml/2006/main" xmlns:r="http://schemas.openxmlformats.org/officeDocument/2006/relationships" xmlns:p="http://schemas.openxmlformats.org/presentationml/2006/main" type="vertTx" preserve="1">
+  <p:cSld name="标题和竖排文字">
+    <p:spTree>
+      <p:nvGrpSpPr>
+        <p:cNvPr id="1" name=""/>
+        <p:cNvGrpSpPr/>
+        <p:nvPr/>
+      </p:nvGrpSpPr>
+      <p:grpSpPr>
+        <a:xfrm>
+          <a:off x="0" y="0"/>
+          <a:ext cx="0" cy="0"/>
+          <a:chOff x="0" y="0"/>
+          <a:chExt cx="0" cy="0"/>
+        </a:xfrm>
+      </p:grpSpPr>
+      <p:sp>
+        <p:nvSpPr>
+          <p:cNvPr id="2" name="标题 1"/>
+          <p:cNvSpPr>
+            <a:spLocks noGrp="1"/>
+          </p:cNvSpPr>
+          <p:nvPr>
+            <p:ph type="title"/>
+          </p:nvPr>
+        </p:nvSpPr>
+        <p:spPr/>
+        <p:txBody>
+          <a:bodyPr/>
+          <a:lstStyle/>
+          <a:p>
+            <a:r>
+              <a:rPr lang="zh-CN" altLang="en-US"/>
+              <a:t>单击此处编辑母版标题样式</a:t>
+            </a:r>
+            <a:endParaRPr lang="zh-CN" altLang="en-US"/>
+          </a:p>
+        </p:txBody>
+      </p:sp>
+      <p:sp>
+        <p:nvSpPr>
+          <p:cNvPr id="3" name="竖排文字占位符 2"/>
+          <p:cNvSpPr>
+            <a:spLocks noGrp="1"/>
+          </p:cNvSpPr>
+          <p:nvPr>
+            <p:ph type="body" orient="vert" idx="1"/>
+          </p:nvPr>
+        </p:nvSpPr>
+        <p:spPr/>
+        <p:txBody>
+          <a:bodyPr vert="eaVert"/>
+          <a:lstStyle/>
+          <a:p>
+            <a:pPr lvl="0"/>
+            <a:r>
+              <a:rPr lang="zh-CN" altLang="en-US"/>
+              <a:t>单击此处编辑母版文本样式</a:t>
+            </a:r>
+            <a:endParaRPr lang="zh-CN" altLang="en-US"/>
+          </a:p>
+          <a:p>
+            <a:pPr lvl="1"/>
+            <a:r>
+              <a:rPr lang="zh-CN" altLang="en-US"/>
+              <a:t>二级</a:t>
+            </a:r>
+            <a:endParaRPr lang="zh-CN" altLang="en-US"/>
+          </a:p>
+          <a:p>
+            <a:pPr lvl="2"/>
+            <a:r>
+              <a:rPr lang="zh-CN" altLang="en-US"/>
+              <a:t>三级</a:t>
+            </a:r>
+            <a:endParaRPr lang="zh-CN" altLang="en-US"/>
+          </a:p>
+          <a:p>
+            <a:pPr lvl="3"/>
+            <a:r>
+              <a:rPr lang="zh-CN" altLang="en-US"/>
+              <a:t>四级</a:t>
+            </a:r>
+            <a:endParaRPr lang="zh-CN" altLang="en-US"/>
+          </a:p>
+          <a:p>
+            <a:pPr lvl="4"/>
+            <a:r>
+              <a:rPr lang="zh-CN" altLang="en-US"/>
+              <a:t>五级</a:t>
+            </a:r>
+            <a:endParaRPr lang="zh-CN" altLang="en-US"/>
+          </a:p>
+        </p:txBody>
+      </p:sp>
+      <p:sp>
+        <p:nvSpPr>
+          <p:cNvPr id="4" name="日期占位符 3"/>
+          <p:cNvSpPr>
+            <a:spLocks noGrp="1"/>
+          </p:cNvSpPr>
+          <p:nvPr>
+            <p:ph type="dt" sz="half" idx="10"/>
+          </p:nvPr>
+        </p:nvSpPr>
+        <p:spPr/>
+        <p:txBody>
+          <a:bodyPr/>
+          <a:lstStyle/>
+          <a:p>
+            <a:fld id="{51FD5836-1B78-4E70-983F-F8F353C30F27}" type="datetimeFigureOut">
+              <a:rPr lang="zh-CN" altLang="en-US" smtClean="0"/>
+            </a:fld>
+            <a:endParaRPr lang="zh-CN" altLang="en-US"/>
+          </a:p>
+        </p:txBody>
+      </p:sp>
+      <p:sp>
+        <p:nvSpPr>
+          <p:cNvPr id="5" name="页脚占位符 4"/>
+          <p:cNvSpPr>
+            <a:spLocks noGrp="1"/>
+          </p:cNvSpPr>
+          <p:nvPr>
+            <p:ph type="ftr" sz="quarter" idx="11"/>
+          </p:nvPr>
+        </p:nvSpPr>
+        <p:spPr/>
+        <p:txBody>
+          <a:bodyPr/>
+          <a:lstStyle/>
+          <a:p>
+            <a:endParaRPr lang="zh-CN" altLang="en-US"/>
+          </a:p>
+        </p:txBody>
+      </p:sp>
+      <p:sp>
+        <p:nvSpPr>
+          <p:cNvPr id="6" name="灯片编号占位符 5"/>
+          <p:cNvSpPr>
+            <a:spLocks noGrp="1"/>
+          </p:cNvSpPr>
+          <p:nvPr>
+            <p:ph type="sldNum" sz="quarter" idx="12"/>
+          </p:nvPr>
+        </p:nvSpPr>
+        <p:spPr/>
+        <p:txBody>
+          <a:bodyPr/>
+          <a:lstStyle/>
+          <a:p>
+            <a:fld id="{AB80B9A9-C03D-4F64-ADE2-7C0EC2978D5F}" type="slidenum">
+              <a:rPr lang="zh-CN" altLang="en-US" smtClean="0"/>
+            </a:fld>
+            <a:endParaRPr lang="zh-CN" altLang="en-US"/>
+          </a:p>
+        </p:txBody>
+      </p:sp>
+    </p:spTree>
+  </p:cSld>
+  <p:clrMapOvr>
+    <a:masterClrMapping/>
+  </p:clrMapOvr>
+</p:sldLayout>
+</file>
+
+<file path=ppt/slideLayouts/slideLayout22.xml><?xml version="1.0" encoding="utf-8"?>
+<p:sldLayout xmlns:a="http://schemas.openxmlformats.org/drawingml/2006/main" xmlns:r="http://schemas.openxmlformats.org/officeDocument/2006/relationships" xmlns:p="http://schemas.openxmlformats.org/presentationml/2006/main" type="vertTitleAndTx" preserve="1">
+  <p:cSld name="竖排标题与文本">
+    <p:spTree>
+      <p:nvGrpSpPr>
+        <p:cNvPr id="1" name=""/>
+        <p:cNvGrpSpPr/>
+        <p:nvPr/>
+      </p:nvGrpSpPr>
+      <p:grpSpPr>
+        <a:xfrm>
+          <a:off x="0" y="0"/>
+          <a:ext cx="0" cy="0"/>
+          <a:chOff x="0" y="0"/>
+          <a:chExt cx="0" cy="0"/>
+        </a:xfrm>
+      </p:grpSpPr>
+      <p:sp>
+        <p:nvSpPr>
+          <p:cNvPr id="2" name="竖排标题 1"/>
+          <p:cNvSpPr>
+            <a:spLocks noGrp="1"/>
+          </p:cNvSpPr>
+          <p:nvPr>
+            <p:ph type="title" orient="vert"/>
+          </p:nvPr>
+        </p:nvSpPr>
+        <p:spPr>
+          <a:xfrm>
+            <a:off x="8724900" y="365125"/>
+            <a:ext cx="2628900" cy="5811838"/>
+          </a:xfrm>
+        </p:spPr>
+        <p:txBody>
+          <a:bodyPr vert="eaVert"/>
+          <a:lstStyle/>
+          <a:p>
+            <a:r>
+              <a:rPr lang="zh-CN" altLang="en-US"/>
+              <a:t>单击此处编辑母版标题样式</a:t>
+            </a:r>
+            <a:endParaRPr lang="zh-CN" altLang="en-US"/>
+          </a:p>
+        </p:txBody>
+      </p:sp>
+      <p:sp>
+        <p:nvSpPr>
+          <p:cNvPr id="3" name="竖排文字占位符 2"/>
+          <p:cNvSpPr>
+            <a:spLocks noGrp="1"/>
+          </p:cNvSpPr>
+          <p:nvPr>
+            <p:ph type="body" orient="vert" idx="1"/>
+          </p:nvPr>
+        </p:nvSpPr>
+        <p:spPr>
+          <a:xfrm>
+            <a:off x="838200" y="365125"/>
+            <a:ext cx="7734300" cy="5811838"/>
+          </a:xfrm>
+        </p:spPr>
+        <p:txBody>
+          <a:bodyPr vert="eaVert"/>
           <a:lstStyle/>
           <a:p>
             <a:pPr lvl="0"/>
@@ -2647,6 +4908,543 @@
     <p:sldLayoutId id="2147483657" r:id="rId9"/>
     <p:sldLayoutId id="2147483658" r:id="rId10"/>
     <p:sldLayoutId id="2147483659" r:id="rId11"/>
+  </p:sldLayoutIdLst>
+  <p:txStyles>
+    <p:titleStyle>
+      <a:lvl1pPr algn="l" defTabSz="914400" rtl="0" eaLnBrk="1" latinLnBrk="0" hangingPunct="1">
+        <a:lnSpc>
+          <a:spcPct val="90000"/>
+        </a:lnSpc>
+        <a:spcBef>
+          <a:spcPct val="0"/>
+        </a:spcBef>
+        <a:buNone/>
+        <a:defRPr sz="4400" kern="1200">
+          <a:solidFill>
+            <a:schemeClr val="tx1"/>
+          </a:solidFill>
+          <a:latin typeface="+mj-lt"/>
+          <a:ea typeface="+mj-ea"/>
+          <a:cs typeface="+mj-cs"/>
+        </a:defRPr>
+      </a:lvl1pPr>
+    </p:titleStyle>
+    <p:bodyStyle>
+      <a:lvl1pPr marL="228600" indent="-228600" algn="l" defTabSz="914400" rtl="0" eaLnBrk="1" latinLnBrk="0" hangingPunct="1">
+        <a:lnSpc>
+          <a:spcPct val="90000"/>
+        </a:lnSpc>
+        <a:spcBef>
+          <a:spcPts val="1000"/>
+        </a:spcBef>
+        <a:buFont typeface="Arial" panose="020B0604020202090204" pitchFamily="34" charset="0"/>
+        <a:buChar char="•"/>
+        <a:defRPr sz="2800" kern="1200">
+          <a:solidFill>
+            <a:schemeClr val="tx1"/>
+          </a:solidFill>
+          <a:latin typeface="+mn-lt"/>
+          <a:ea typeface="+mn-ea"/>
+          <a:cs typeface="+mn-cs"/>
+        </a:defRPr>
+      </a:lvl1pPr>
+      <a:lvl2pPr marL="685800" indent="-228600" algn="l" defTabSz="914400" rtl="0" eaLnBrk="1" latinLnBrk="0" hangingPunct="1">
+        <a:lnSpc>
+          <a:spcPct val="90000"/>
+        </a:lnSpc>
+        <a:spcBef>
+          <a:spcPts val="500"/>
+        </a:spcBef>
+        <a:buFont typeface="Arial" panose="020B0604020202090204" pitchFamily="34" charset="0"/>
+        <a:buChar char="•"/>
+        <a:defRPr sz="2400" kern="1200">
+          <a:solidFill>
+            <a:schemeClr val="tx1"/>
+          </a:solidFill>
+          <a:latin typeface="+mn-lt"/>
+          <a:ea typeface="+mn-ea"/>
+          <a:cs typeface="+mn-cs"/>
+        </a:defRPr>
+      </a:lvl2pPr>
+      <a:lvl3pPr marL="1143000" indent="-228600" algn="l" defTabSz="914400" rtl="0" eaLnBrk="1" latinLnBrk="0" hangingPunct="1">
+        <a:lnSpc>
+          <a:spcPct val="90000"/>
+        </a:lnSpc>
+        <a:spcBef>
+          <a:spcPts val="500"/>
+        </a:spcBef>
+        <a:buFont typeface="Arial" panose="020B0604020202090204" pitchFamily="34" charset="0"/>
+        <a:buChar char="•"/>
+        <a:defRPr sz="2000" kern="1200">
+          <a:solidFill>
+            <a:schemeClr val="tx1"/>
+          </a:solidFill>
+          <a:latin typeface="+mn-lt"/>
+          <a:ea typeface="+mn-ea"/>
+          <a:cs typeface="+mn-cs"/>
+        </a:defRPr>
+      </a:lvl3pPr>
+      <a:lvl4pPr marL="1600200" indent="-228600" algn="l" defTabSz="914400" rtl="0" eaLnBrk="1" latinLnBrk="0" hangingPunct="1">
+        <a:lnSpc>
+          <a:spcPct val="90000"/>
+        </a:lnSpc>
+        <a:spcBef>
+          <a:spcPts val="500"/>
+        </a:spcBef>
+        <a:buFont typeface="Arial" panose="020B0604020202090204" pitchFamily="34" charset="0"/>
+        <a:buChar char="•"/>
+        <a:defRPr sz="1800" kern="1200">
+          <a:solidFill>
+            <a:schemeClr val="tx1"/>
+          </a:solidFill>
+          <a:latin typeface="+mn-lt"/>
+          <a:ea typeface="+mn-ea"/>
+          <a:cs typeface="+mn-cs"/>
+        </a:defRPr>
+      </a:lvl4pPr>
+      <a:lvl5pPr marL="2057400" indent="-228600" algn="l" defTabSz="914400" rtl="0" eaLnBrk="1" latinLnBrk="0" hangingPunct="1">
+        <a:lnSpc>
+          <a:spcPct val="90000"/>
+        </a:lnSpc>
+        <a:spcBef>
+          <a:spcPts val="500"/>
+        </a:spcBef>
+        <a:buFont typeface="Arial" panose="020B0604020202090204" pitchFamily="34" charset="0"/>
+        <a:buChar char="•"/>
+        <a:defRPr sz="1800" kern="1200">
+          <a:solidFill>
+            <a:schemeClr val="tx1"/>
+          </a:solidFill>
+          <a:latin typeface="+mn-lt"/>
+          <a:ea typeface="+mn-ea"/>
+          <a:cs typeface="+mn-cs"/>
+        </a:defRPr>
+      </a:lvl5pPr>
+      <a:lvl6pPr marL="2514600" indent="-228600" algn="l" defTabSz="914400" rtl="0" eaLnBrk="1" latinLnBrk="0" hangingPunct="1">
+        <a:lnSpc>
+          <a:spcPct val="90000"/>
+        </a:lnSpc>
+        <a:spcBef>
+          <a:spcPts val="500"/>
+        </a:spcBef>
+        <a:buFont typeface="Arial" panose="020B0604020202090204" pitchFamily="34" charset="0"/>
+        <a:buChar char="•"/>
+        <a:defRPr sz="1800" kern="1200">
+          <a:solidFill>
+            <a:schemeClr val="tx1"/>
+          </a:solidFill>
+          <a:latin typeface="+mn-lt"/>
+          <a:ea typeface="+mn-ea"/>
+          <a:cs typeface="+mn-cs"/>
+        </a:defRPr>
+      </a:lvl6pPr>
+      <a:lvl7pPr marL="2971800" indent="-228600" algn="l" defTabSz="914400" rtl="0" eaLnBrk="1" latinLnBrk="0" hangingPunct="1">
+        <a:lnSpc>
+          <a:spcPct val="90000"/>
+        </a:lnSpc>
+        <a:spcBef>
+          <a:spcPts val="500"/>
+        </a:spcBef>
+        <a:buFont typeface="Arial" panose="020B0604020202090204" pitchFamily="34" charset="0"/>
+        <a:buChar char="•"/>
+        <a:defRPr sz="1800" kern="1200">
+          <a:solidFill>
+            <a:schemeClr val="tx1"/>
+          </a:solidFill>
+          <a:latin typeface="+mn-lt"/>
+          <a:ea typeface="+mn-ea"/>
+          <a:cs typeface="+mn-cs"/>
+        </a:defRPr>
+      </a:lvl7pPr>
+      <a:lvl8pPr marL="3429000" indent="-228600" algn="l" defTabSz="914400" rtl="0" eaLnBrk="1" latinLnBrk="0" hangingPunct="1">
+        <a:lnSpc>
+          <a:spcPct val="90000"/>
+        </a:lnSpc>
+        <a:spcBef>
+          <a:spcPts val="500"/>
+        </a:spcBef>
+        <a:buFont typeface="Arial" panose="020B0604020202090204" pitchFamily="34" charset="0"/>
+        <a:buChar char="•"/>
+        <a:defRPr sz="1800" kern="1200">
+          <a:solidFill>
+            <a:schemeClr val="tx1"/>
+          </a:solidFill>
+          <a:latin typeface="+mn-lt"/>
+          <a:ea typeface="+mn-ea"/>
+          <a:cs typeface="+mn-cs"/>
+        </a:defRPr>
+      </a:lvl8pPr>
+      <a:lvl9pPr marL="3886200" indent="-228600" algn="l" defTabSz="914400" rtl="0" eaLnBrk="1" latinLnBrk="0" hangingPunct="1">
+        <a:lnSpc>
+          <a:spcPct val="90000"/>
+        </a:lnSpc>
+        <a:spcBef>
+          <a:spcPts val="500"/>
+        </a:spcBef>
+        <a:buFont typeface="Arial" panose="020B0604020202090204" pitchFamily="34" charset="0"/>
+        <a:buChar char="•"/>
+        <a:defRPr sz="1800" kern="1200">
+          <a:solidFill>
+            <a:schemeClr val="tx1"/>
+          </a:solidFill>
+          <a:latin typeface="+mn-lt"/>
+          <a:ea typeface="+mn-ea"/>
+          <a:cs typeface="+mn-cs"/>
+        </a:defRPr>
+      </a:lvl9pPr>
+    </p:bodyStyle>
+    <p:otherStyle>
+      <a:defPPr>
+        <a:defRPr lang="zh-CN"/>
+      </a:defPPr>
+      <a:lvl1pPr marL="0" algn="l" defTabSz="914400" rtl="0" eaLnBrk="1" latinLnBrk="0" hangingPunct="1">
+        <a:defRPr sz="1800" kern="1200">
+          <a:solidFill>
+            <a:schemeClr val="tx1"/>
+          </a:solidFill>
+          <a:latin typeface="+mn-lt"/>
+          <a:ea typeface="+mn-ea"/>
+          <a:cs typeface="+mn-cs"/>
+        </a:defRPr>
+      </a:lvl1pPr>
+      <a:lvl2pPr marL="457200" algn="l" defTabSz="914400" rtl="0" eaLnBrk="1" latinLnBrk="0" hangingPunct="1">
+        <a:defRPr sz="1800" kern="1200">
+          <a:solidFill>
+            <a:schemeClr val="tx1"/>
+          </a:solidFill>
+          <a:latin typeface="+mn-lt"/>
+          <a:ea typeface="+mn-ea"/>
+          <a:cs typeface="+mn-cs"/>
+        </a:defRPr>
+      </a:lvl2pPr>
+      <a:lvl3pPr marL="914400" algn="l" defTabSz="914400" rtl="0" eaLnBrk="1" latinLnBrk="0" hangingPunct="1">
+        <a:defRPr sz="1800" kern="1200">
+          <a:solidFill>
+            <a:schemeClr val="tx1"/>
+          </a:solidFill>
+          <a:latin typeface="+mn-lt"/>
+          <a:ea typeface="+mn-ea"/>
+          <a:cs typeface="+mn-cs"/>
+        </a:defRPr>
+      </a:lvl3pPr>
+      <a:lvl4pPr marL="1371600" algn="l" defTabSz="914400" rtl="0" eaLnBrk="1" latinLnBrk="0" hangingPunct="1">
+        <a:defRPr sz="1800" kern="1200">
+          <a:solidFill>
+            <a:schemeClr val="tx1"/>
+          </a:solidFill>
+          <a:latin typeface="+mn-lt"/>
+          <a:ea typeface="+mn-ea"/>
+          <a:cs typeface="+mn-cs"/>
+        </a:defRPr>
+      </a:lvl4pPr>
+      <a:lvl5pPr marL="1828800" algn="l" defTabSz="914400" rtl="0" eaLnBrk="1" latinLnBrk="0" hangingPunct="1">
+        <a:defRPr sz="1800" kern="1200">
+          <a:solidFill>
+            <a:schemeClr val="tx1"/>
+          </a:solidFill>
+          <a:latin typeface="+mn-lt"/>
+          <a:ea typeface="+mn-ea"/>
+          <a:cs typeface="+mn-cs"/>
+        </a:defRPr>
+      </a:lvl5pPr>
+      <a:lvl6pPr marL="2286000" algn="l" defTabSz="914400" rtl="0" eaLnBrk="1" latinLnBrk="0" hangingPunct="1">
+        <a:defRPr sz="1800" kern="1200">
+          <a:solidFill>
+            <a:schemeClr val="tx1"/>
+          </a:solidFill>
+          <a:latin typeface="+mn-lt"/>
+          <a:ea typeface="+mn-ea"/>
+          <a:cs typeface="+mn-cs"/>
+        </a:defRPr>
+      </a:lvl6pPr>
+      <a:lvl7pPr marL="2743200" algn="l" defTabSz="914400" rtl="0" eaLnBrk="1" latinLnBrk="0" hangingPunct="1">
+        <a:defRPr sz="1800" kern="1200">
+          <a:solidFill>
+            <a:schemeClr val="tx1"/>
+          </a:solidFill>
+          <a:latin typeface="+mn-lt"/>
+          <a:ea typeface="+mn-ea"/>
+          <a:cs typeface="+mn-cs"/>
+        </a:defRPr>
+      </a:lvl7pPr>
+      <a:lvl8pPr marL="3200400" algn="l" defTabSz="914400" rtl="0" eaLnBrk="1" latinLnBrk="0" hangingPunct="1">
+        <a:defRPr sz="1800" kern="1200">
+          <a:solidFill>
+            <a:schemeClr val="tx1"/>
+          </a:solidFill>
+          <a:latin typeface="+mn-lt"/>
+          <a:ea typeface="+mn-ea"/>
+          <a:cs typeface="+mn-cs"/>
+        </a:defRPr>
+      </a:lvl8pPr>
+      <a:lvl9pPr marL="3657600" algn="l" defTabSz="914400" rtl="0" eaLnBrk="1" latinLnBrk="0" hangingPunct="1">
+        <a:defRPr sz="1800" kern="1200">
+          <a:solidFill>
+            <a:schemeClr val="tx1"/>
+          </a:solidFill>
+          <a:latin typeface="+mn-lt"/>
+          <a:ea typeface="+mn-ea"/>
+          <a:cs typeface="+mn-cs"/>
+        </a:defRPr>
+      </a:lvl9pPr>
+    </p:otherStyle>
+  </p:txStyles>
+</p:sldMaster>
+</file>
+
+<file path=ppt/slideMasters/slideMaster2.xml><?xml version="1.0" encoding="utf-8"?>
+<p:sldMaster xmlns:a="http://schemas.openxmlformats.org/drawingml/2006/main" xmlns:r="http://schemas.openxmlformats.org/officeDocument/2006/relationships" xmlns:p="http://schemas.openxmlformats.org/presentationml/2006/main">
+  <p:cSld>
+    <p:bg>
+      <p:bgRef idx="1001">
+        <a:schemeClr val="bg1"/>
+      </p:bgRef>
+    </p:bg>
+    <p:spTree>
+      <p:nvGrpSpPr>
+        <p:cNvPr id="1" name=""/>
+        <p:cNvGrpSpPr/>
+        <p:nvPr/>
+      </p:nvGrpSpPr>
+      <p:grpSpPr>
+        <a:xfrm>
+          <a:off x="0" y="0"/>
+          <a:ext cx="0" cy="0"/>
+          <a:chOff x="0" y="0"/>
+          <a:chExt cx="0" cy="0"/>
+        </a:xfrm>
+      </p:grpSpPr>
+      <p:sp>
+        <p:nvSpPr>
+          <p:cNvPr id="2" name="标题占位符 1"/>
+          <p:cNvSpPr>
+            <a:spLocks noGrp="1"/>
+          </p:cNvSpPr>
+          <p:nvPr>
+            <p:ph type="title"/>
+          </p:nvPr>
+        </p:nvSpPr>
+        <p:spPr>
+          <a:xfrm>
+            <a:off x="838200" y="365125"/>
+            <a:ext cx="10515600" cy="1325563"/>
+          </a:xfrm>
+          <a:prstGeom prst="rect">
+            <a:avLst/>
+          </a:prstGeom>
+        </p:spPr>
+        <p:txBody>
+          <a:bodyPr vert="horz" lIns="91440" tIns="45720" rIns="91440" bIns="45720" rtlCol="0" anchor="ctr">
+            <a:normAutofit/>
+          </a:bodyPr>
+          <a:lstStyle/>
+          <a:p>
+            <a:r>
+              <a:rPr lang="zh-CN" altLang="en-US"/>
+              <a:t>单击此处编辑母版标题样式</a:t>
+            </a:r>
+            <a:endParaRPr lang="zh-CN" altLang="en-US"/>
+          </a:p>
+        </p:txBody>
+      </p:sp>
+      <p:sp>
+        <p:nvSpPr>
+          <p:cNvPr id="3" name="文本占位符 2"/>
+          <p:cNvSpPr>
+            <a:spLocks noGrp="1"/>
+          </p:cNvSpPr>
+          <p:nvPr>
+            <p:ph type="body" idx="1"/>
+          </p:nvPr>
+        </p:nvSpPr>
+        <p:spPr>
+          <a:xfrm>
+            <a:off x="838200" y="1825625"/>
+            <a:ext cx="10515600" cy="4351338"/>
+          </a:xfrm>
+          <a:prstGeom prst="rect">
+            <a:avLst/>
+          </a:prstGeom>
+        </p:spPr>
+        <p:txBody>
+          <a:bodyPr vert="horz" lIns="91440" tIns="45720" rIns="91440" bIns="45720" rtlCol="0">
+            <a:normAutofit/>
+          </a:bodyPr>
+          <a:lstStyle/>
+          <a:p>
+            <a:pPr lvl="0"/>
+            <a:r>
+              <a:rPr lang="zh-CN" altLang="en-US"/>
+              <a:t>单击此处编辑母版文本样式</a:t>
+            </a:r>
+            <a:endParaRPr lang="zh-CN" altLang="en-US"/>
+          </a:p>
+          <a:p>
+            <a:pPr lvl="1"/>
+            <a:r>
+              <a:rPr lang="zh-CN" altLang="en-US"/>
+              <a:t>二级</a:t>
+            </a:r>
+            <a:endParaRPr lang="zh-CN" altLang="en-US"/>
+          </a:p>
+          <a:p>
+            <a:pPr lvl="2"/>
+            <a:r>
+              <a:rPr lang="zh-CN" altLang="en-US"/>
+              <a:t>三级</a:t>
+            </a:r>
+            <a:endParaRPr lang="zh-CN" altLang="en-US"/>
+          </a:p>
+          <a:p>
+            <a:pPr lvl="3"/>
+            <a:r>
+              <a:rPr lang="zh-CN" altLang="en-US"/>
+              <a:t>四级</a:t>
+            </a:r>
+            <a:endParaRPr lang="zh-CN" altLang="en-US"/>
+          </a:p>
+          <a:p>
+            <a:pPr lvl="4"/>
+            <a:r>
+              <a:rPr lang="zh-CN" altLang="en-US"/>
+              <a:t>五级</a:t>
+            </a:r>
+            <a:endParaRPr lang="zh-CN" altLang="en-US"/>
+          </a:p>
+        </p:txBody>
+      </p:sp>
+      <p:sp>
+        <p:nvSpPr>
+          <p:cNvPr id="4" name="日期占位符 3"/>
+          <p:cNvSpPr>
+            <a:spLocks noGrp="1"/>
+          </p:cNvSpPr>
+          <p:nvPr>
+            <p:ph type="dt" sz="half" idx="2"/>
+          </p:nvPr>
+        </p:nvSpPr>
+        <p:spPr>
+          <a:xfrm>
+            <a:off x="838200" y="6356350"/>
+            <a:ext cx="2743200" cy="365125"/>
+          </a:xfrm>
+          <a:prstGeom prst="rect">
+            <a:avLst/>
+          </a:prstGeom>
+        </p:spPr>
+        <p:txBody>
+          <a:bodyPr vert="horz" lIns="91440" tIns="45720" rIns="91440" bIns="45720" rtlCol="0" anchor="ctr"/>
+          <a:lstStyle>
+            <a:lvl1pPr algn="l">
+              <a:defRPr sz="1200">
+                <a:solidFill>
+                  <a:schemeClr val="tx1">
+                    <a:tint val="75000"/>
+                  </a:schemeClr>
+                </a:solidFill>
+              </a:defRPr>
+            </a:lvl1pPr>
+          </a:lstStyle>
+          <a:p>
+            <a:fld id="{51FD5836-1B78-4E70-983F-F8F353C30F27}" type="datetimeFigureOut">
+              <a:rPr lang="zh-CN" altLang="en-US" smtClean="0"/>
+            </a:fld>
+            <a:endParaRPr lang="zh-CN" altLang="en-US"/>
+          </a:p>
+        </p:txBody>
+      </p:sp>
+      <p:sp>
+        <p:nvSpPr>
+          <p:cNvPr id="5" name="页脚占位符 4"/>
+          <p:cNvSpPr>
+            <a:spLocks noGrp="1"/>
+          </p:cNvSpPr>
+          <p:nvPr>
+            <p:ph type="ftr" sz="quarter" idx="3"/>
+          </p:nvPr>
+        </p:nvSpPr>
+        <p:spPr>
+          <a:xfrm>
+            <a:off x="4038600" y="6356350"/>
+            <a:ext cx="4114800" cy="365125"/>
+          </a:xfrm>
+          <a:prstGeom prst="rect">
+            <a:avLst/>
+          </a:prstGeom>
+        </p:spPr>
+        <p:txBody>
+          <a:bodyPr vert="horz" lIns="91440" tIns="45720" rIns="91440" bIns="45720" rtlCol="0" anchor="ctr"/>
+          <a:lstStyle>
+            <a:lvl1pPr algn="ctr">
+              <a:defRPr sz="1200">
+                <a:solidFill>
+                  <a:schemeClr val="tx1">
+                    <a:tint val="75000"/>
+                  </a:schemeClr>
+                </a:solidFill>
+              </a:defRPr>
+            </a:lvl1pPr>
+          </a:lstStyle>
+          <a:p>
+            <a:endParaRPr lang="zh-CN" altLang="en-US"/>
+          </a:p>
+        </p:txBody>
+      </p:sp>
+      <p:sp>
+        <p:nvSpPr>
+          <p:cNvPr id="6" name="灯片编号占位符 5"/>
+          <p:cNvSpPr>
+            <a:spLocks noGrp="1"/>
+          </p:cNvSpPr>
+          <p:nvPr>
+            <p:ph type="sldNum" sz="quarter" idx="4"/>
+          </p:nvPr>
+        </p:nvSpPr>
+        <p:spPr>
+          <a:xfrm>
+            <a:off x="8610600" y="6356350"/>
+            <a:ext cx="2743200" cy="365125"/>
+          </a:xfrm>
+          <a:prstGeom prst="rect">
+            <a:avLst/>
+          </a:prstGeom>
+        </p:spPr>
+        <p:txBody>
+          <a:bodyPr vert="horz" lIns="91440" tIns="45720" rIns="91440" bIns="45720" rtlCol="0" anchor="ctr"/>
+          <a:lstStyle>
+            <a:lvl1pPr algn="r">
+              <a:defRPr sz="1200">
+                <a:solidFill>
+                  <a:schemeClr val="tx1">
+                    <a:tint val="75000"/>
+                  </a:schemeClr>
+                </a:solidFill>
+              </a:defRPr>
+            </a:lvl1pPr>
+          </a:lstStyle>
+          <a:p>
+            <a:fld id="{AB80B9A9-C03D-4F64-ADE2-7C0EC2978D5F}" type="slidenum">
+              <a:rPr lang="zh-CN" altLang="en-US" smtClean="0"/>
+            </a:fld>
+            <a:endParaRPr lang="zh-CN" altLang="en-US"/>
+          </a:p>
+        </p:txBody>
+      </p:sp>
+    </p:spTree>
+  </p:cSld>
+  <p:clrMap bg1="lt1" tx1="dk1" bg2="lt2" tx2="dk2" accent1="accent1" accent2="accent2" accent3="accent3" accent4="accent4" accent5="accent5" accent6="accent6" hlink="hlink" folHlink="folHlink"/>
+  <p:sldLayoutIdLst>
+    <p:sldLayoutId id="2147483661" r:id="rId1"/>
+    <p:sldLayoutId id="2147483662" r:id="rId2"/>
+    <p:sldLayoutId id="2147483663" r:id="rId3"/>
+    <p:sldLayoutId id="2147483664" r:id="rId4"/>
+    <p:sldLayoutId id="2147483665" r:id="rId5"/>
+    <p:sldLayoutId id="2147483666" r:id="rId6"/>
+    <p:sldLayoutId id="2147483667" r:id="rId7"/>
+    <p:sldLayoutId id="2147483668" r:id="rId8"/>
+    <p:sldLayoutId id="2147483669" r:id="rId9"/>
+    <p:sldLayoutId id="2147483670" r:id="rId10"/>
+    <p:sldLayoutId id="2147483671" r:id="rId11"/>
   </p:sldLayoutIdLst>
   <p:txStyles>
     <p:titleStyle>
@@ -3081,33 +5879,45 @@
             <a:pPr lvl="1"/>
             <a:r>
               <a:rPr lang="en-US" altLang="zh-CN" sz="1600" dirty="0"/>
-              <a:t>Including timers, subscriptions, services, and client callbacks.</a:t>
+              <a:t>Including timer, subscription, service, and client callbacks.</a:t>
             </a:r>
             <a:endParaRPr lang="en-US" altLang="zh-CN" sz="1600" dirty="0"/>
           </a:p>
           <a:p>
             <a:pPr lvl="1"/>
             <a:r>
+              <a:rPr lang="en-US" altLang="zh-CN" sz="1600" b="1" dirty="0"/>
+              <a:t>Timer callbacks have a period (time trigger).</a:t>
+            </a:r>
+            <a:r>
               <a:rPr lang="en-US" altLang="zh-CN" sz="1600" dirty="0"/>
-              <a:t>Timer callbacks have a period (time trigger). </a:t>
+              <a:t> </a:t>
             </a:r>
             <a:endParaRPr lang="en-US" altLang="zh-CN" sz="1600" dirty="0"/>
           </a:p>
           <a:p>
             <a:pPr lvl="1"/>
             <a:r>
-              <a:rPr lang="en-US" altLang="zh-CN" sz="1600" dirty="0"/>
-              <a:t>Others are regular callbacks (event triggered)</a:t>
-            </a:r>
-            <a:endParaRPr lang="en-US" altLang="zh-CN" sz="1600" dirty="0"/>
+              <a:rPr lang="en-US" altLang="zh-CN" sz="1600" b="1" dirty="0"/>
+              <a:t>Others are regular callbacks (event trigger)</a:t>
+            </a:r>
+            <a:endParaRPr lang="en-US" altLang="zh-CN" sz="1600" b="1" dirty="0"/>
           </a:p>
           <a:p>
             <a:pPr lvl="1"/>
             <a:r>
-              <a:rPr lang="en-US" altLang="zh-CN" sz="1600" dirty="0"/>
+              <a:rPr lang="en-US" altLang="zh-CN" sz="1600" dirty="0">
+                <a:solidFill>
+                  <a:schemeClr val="accent1"/>
+                </a:solidFill>
+              </a:rPr>
               <a:t>With priority attribute: Timer&gt;Subscription&gt;Service&gt;Client</a:t>
             </a:r>
-            <a:endParaRPr lang="en-US" altLang="zh-CN" sz="1600" dirty="0"/>
+            <a:endParaRPr lang="en-US" altLang="zh-CN" sz="1600" dirty="0">
+              <a:solidFill>
+                <a:schemeClr val="accent1"/>
+              </a:solidFill>
+            </a:endParaRPr>
           </a:p>
           <a:p>
             <a:r>
@@ -3135,10 +5945,10 @@
           <a:p>
             <a:pPr lvl="1"/>
             <a:r>
-              <a:rPr lang="en-US" altLang="zh-CN" sz="1600" dirty="0"/>
+              <a:rPr lang="en-US" altLang="zh-CN" sz="1600" b="1" dirty="0"/>
               <a:t>Can only be assigned to the only executor</a:t>
             </a:r>
-            <a:endParaRPr lang="en-US" altLang="zh-CN" sz="1600" dirty="0"/>
+            <a:endParaRPr lang="en-US" altLang="zh-CN" sz="1600" b="1" dirty="0"/>
           </a:p>
           <a:p>
             <a:pPr lvl="1"/>
@@ -3175,7 +5985,11 @@
             <a:pPr lvl="1"/>
             <a:r>
               <a:rPr lang="en-US" altLang="zh-CN" sz="1600" dirty="0"/>
-              <a:t>The executor itself occupies a thread</a:t>
+              <a:t>The executor itself occupies </a:t>
+            </a:r>
+            <a:r>
+              <a:rPr lang="en-US" altLang="zh-CN" sz="1600" b="1" dirty="0"/>
+              <a:t>a thread</a:t>
             </a:r>
             <a:endParaRPr lang="en-US" altLang="zh-CN" sz="1600" dirty="0"/>
           </a:p>
@@ -3198,10 +6012,18 @@
           <a:p>
             <a:pPr lvl="1"/>
             <a:r>
-              <a:rPr lang="en-US" altLang="zh-CN" sz="1600" dirty="0"/>
+              <a:rPr lang="en-US" altLang="zh-CN" sz="1600" dirty="0">
+                <a:solidFill>
+                  <a:schemeClr val="accent1"/>
+                </a:solidFill>
+              </a:rPr>
               <a:t>Single-threaded executor: handle all callbacks in a single thread</a:t>
             </a:r>
-            <a:endParaRPr lang="en-US" altLang="zh-CN" sz="1600" dirty="0"/>
+            <a:endParaRPr lang="en-US" altLang="zh-CN" sz="1600" dirty="0">
+              <a:solidFill>
+                <a:schemeClr val="accent1"/>
+              </a:solidFill>
+            </a:endParaRPr>
           </a:p>
           <a:p>
             <a:pPr lvl="1"/>
@@ -3323,28 +6145,40 @@
           <a:lstStyle/>
           <a:p>
             <a:r>
+              <a:rPr lang="en-US" altLang="zh-CN" sz="2000" b="1" dirty="0"/>
+              <a:t>Polling point</a:t>
+            </a:r>
+            <a:r>
               <a:rPr lang="en-US" altLang="zh-CN" sz="2000" dirty="0"/>
-              <a:t>Polling point: The executor reaches the polling point when it needs to select the next instance to execute but no instance is currently available.</a:t>
-            </a:r>
-            <a:r>
-              <a:rPr lang="zh-CN" altLang="en-US" sz="2000" dirty="0"/>
+              <a:t>: </a:t>
+            </a:r>
+            <a:r>
+              <a:rPr lang="en-US" altLang="zh-CN" sz="1800" dirty="0"/>
+              <a:t>The executor reaches the polling point when it needs to select the next instance to execute but no instance is currently available.</a:t>
+            </a:r>
+            <a:r>
+              <a:rPr lang="zh-CN" altLang="en-US" sz="1800" dirty="0"/>
               <a:t> </a:t>
             </a:r>
             <a:endParaRPr lang="zh-CN" altLang="en-US" sz="2000" dirty="0"/>
           </a:p>
           <a:p>
             <a:r>
+              <a:rPr lang="en-US" altLang="zh-CN" sz="2000" b="1" dirty="0"/>
+              <a:t>Processing window</a:t>
+            </a:r>
+            <a:r>
               <a:rPr lang="en-US" altLang="zh-CN" sz="2000" dirty="0"/>
-              <a:t>Processing window: between two polling points.</a:t>
+              <a:t>: between two polling points.</a:t>
             </a:r>
             <a:endParaRPr lang="en-US" altLang="zh-CN" sz="2000" dirty="0"/>
           </a:p>
           <a:p>
             <a:r>
-              <a:rPr lang="en-US" altLang="zh-CN" sz="2000" dirty="0"/>
+              <a:rPr lang="en-US" altLang="zh-CN" sz="2000" b="1" dirty="0"/>
               <a:t>Single-threaded executor process</a:t>
             </a:r>
-            <a:endParaRPr lang="en-US" altLang="zh-CN" sz="2000" dirty="0"/>
+            <a:endParaRPr lang="en-US" altLang="zh-CN" sz="2000" b="1" dirty="0"/>
           </a:p>
           <a:p>
             <a:pPr lvl="1"/>
@@ -3373,18 +6207,38 @@
           <a:p>
             <a:pPr lvl="1"/>
             <a:r>
+              <a:rPr lang="en-US" altLang="zh-CN" sz="1600" b="1" dirty="0">
+                <a:solidFill>
+                  <a:schemeClr val="accent1"/>
+                </a:solidFill>
+              </a:rPr>
+              <a:t>The timer callback does not need to wait for the polling point, only needs to wait for the scheduled arrival</a:t>
+            </a:r>
+            <a:endParaRPr lang="en-US" altLang="zh-CN" sz="1600" b="1" dirty="0">
+              <a:solidFill>
+                <a:schemeClr val="accent1"/>
+              </a:solidFill>
+            </a:endParaRPr>
+          </a:p>
+          <a:p>
+            <a:pPr lvl="1"/>
+            <a:r>
               <a:rPr lang="en-US" altLang="zh-CN" sz="1600" dirty="0"/>
-              <a:t>The timer callback does not need to wait for the polling point, only needs to wait for the scheduled arrival</a:t>
-            </a:r>
-            <a:endParaRPr lang="en-US" altLang="zh-CN" sz="1600" dirty="0"/>
-          </a:p>
-          <a:p>
-            <a:pPr lvl="1"/>
-            <a:r>
-              <a:rPr lang="en-US" altLang="zh-CN" sz="1600" dirty="0"/>
-              <a:t>In a poll, only the first instance of the callback is processed</a:t>
-            </a:r>
-            <a:endParaRPr lang="en-US" altLang="zh-CN" sz="1600" dirty="0"/>
+              <a:t>In a processing window, </a:t>
+            </a:r>
+            <a:r>
+              <a:rPr lang="en-US" altLang="zh-CN" sz="1600" b="1" dirty="0">
+                <a:solidFill>
+                  <a:schemeClr val="accent1"/>
+                </a:solidFill>
+              </a:rPr>
+              <a:t>only the first instance of the callback is processed</a:t>
+            </a:r>
+            <a:endParaRPr lang="en-US" altLang="zh-CN" sz="1600" b="1" dirty="0">
+              <a:solidFill>
+                <a:schemeClr val="accent1"/>
+              </a:solidFill>
+            </a:endParaRPr>
           </a:p>
           <a:p>
             <a:pPr lvl="1"/>
@@ -3533,7 +6387,11 @@
               <a:p>
                 <a:r>
                   <a:rPr lang="en-US" altLang="zh-CN" sz="2000" dirty="0"/>
-                  <a:t>The triggering relationship between callbacks constitutes the callback chain</a:t>
+                  <a:t>The triggering relationship between callbacks constitutes the </a:t>
+                </a:r>
+                <a:r>
+                  <a:rPr lang="en-US" altLang="zh-CN" sz="2000" b="1" dirty="0"/>
+                  <a:t>callback chain</a:t>
                 </a:r>
                 <a:endParaRPr lang="en-US" altLang="zh-CN" sz="2000" dirty="0"/>
               </a:p>
@@ -5291,4 +8149,263 @@
     </a:ext>
   </a:extLst>
 </a:theme>
+</file>
+
+<file path=ppt/theme/theme2.xml><?xml version="1.0" encoding="utf-8"?>
+<a:theme xmlns:a="http://schemas.openxmlformats.org/drawingml/2006/main" name="1_Office 主题​​">
+  <a:themeElements>
+    <a:clrScheme name="Office">
+      <a:dk1>
+        <a:sysClr val="windowText" lastClr="000000"/>
+      </a:dk1>
+      <a:lt1>
+        <a:sysClr val="window" lastClr="FFFFFF"/>
+      </a:lt1>
+      <a:dk2>
+        <a:srgbClr val="44546A"/>
+      </a:dk2>
+      <a:lt2>
+        <a:srgbClr val="E7E6E6"/>
+      </a:lt2>
+      <a:accent1>
+        <a:srgbClr val="4472C4"/>
+      </a:accent1>
+      <a:accent2>
+        <a:srgbClr val="ED7D31"/>
+      </a:accent2>
+      <a:accent3>
+        <a:srgbClr val="A5A5A5"/>
+      </a:accent3>
+      <a:accent4>
+        <a:srgbClr val="FFC000"/>
+      </a:accent4>
+      <a:accent5>
+        <a:srgbClr val="5B9BD5"/>
+      </a:accent5>
+      <a:accent6>
+        <a:srgbClr val="70AD47"/>
+      </a:accent6>
+      <a:hlink>
+        <a:srgbClr val="0563C1"/>
+      </a:hlink>
+      <a:folHlink>
+        <a:srgbClr val="954F72"/>
+      </a:folHlink>
+    </a:clrScheme>
+    <a:fontScheme name="Office">
+      <a:majorFont>
+        <a:latin typeface="等线 Light"/>
+        <a:ea typeface=""/>
+        <a:cs typeface=""/>
+        <a:font script="Jpan" typeface="游ゴシック Light"/>
+        <a:font script="Hang" typeface="맑은 고딕"/>
+        <a:font script="Hans" typeface="等线 Light"/>
+        <a:font script="Hant" typeface="新細明體"/>
+        <a:font script="Arab" typeface="Times New Roman"/>
+        <a:font script="Hebr" typeface="Times New Roman"/>
+        <a:font script="Thai" typeface="Angsana New"/>
+        <a:font script="Ethi" typeface="Nyala"/>
+        <a:font script="Beng" typeface="Vrinda"/>
+        <a:font script="Gujr" typeface="Shruti"/>
+        <a:font script="Khmr" typeface="MoolBoran"/>
+        <a:font script="Knda" typeface="Tunga"/>
+        <a:font script="Guru" typeface="Raavi"/>
+        <a:font script="Cans" typeface="Euphemia"/>
+        <a:font script="Cher" typeface="Plantagenet Cherokee"/>
+        <a:font script="Yiii" typeface="Microsoft Yi Baiti"/>
+        <a:font script="Tibt" typeface="Microsoft Himalaya"/>
+        <a:font script="Thaa" typeface="MV Boli"/>
+        <a:font script="Deva" typeface="Mangal"/>
+        <a:font script="Telu" typeface="Gautami"/>
+        <a:font script="Taml" typeface="Latha"/>
+        <a:font script="Syrc" typeface="Estrangelo Edessa"/>
+        <a:font script="Orya" typeface="Kalinga"/>
+        <a:font script="Mlym" typeface="Kartika"/>
+        <a:font script="Laoo" typeface="DokChampa"/>
+        <a:font script="Sinh" typeface="Iskoola Pota"/>
+        <a:font script="Mong" typeface="Mongolian Baiti"/>
+        <a:font script="Viet" typeface="Times New Roman"/>
+        <a:font script="Uigh" typeface="Microsoft Uighur"/>
+        <a:font script="Geor" typeface="Sylfaen"/>
+      </a:majorFont>
+      <a:minorFont>
+        <a:latin typeface="等线"/>
+        <a:ea typeface=""/>
+        <a:cs typeface=""/>
+        <a:font script="Jpan" typeface="游ゴシック"/>
+        <a:font script="Hang" typeface="맑은 고딕"/>
+        <a:font script="Hans" typeface="等线"/>
+        <a:font script="Hant" typeface="新細明體"/>
+        <a:font script="Arab" typeface="Arial"/>
+        <a:font script="Hebr" typeface="Arial"/>
+        <a:font script="Thai" typeface="Cordia New"/>
+        <a:font script="Ethi" typeface="Nyala"/>
+        <a:font script="Beng" typeface="Vrinda"/>
+        <a:font script="Gujr" typeface="Shruti"/>
+        <a:font script="Khmr" typeface="DaunPenh"/>
+        <a:font script="Knda" typeface="Tunga"/>
+        <a:font script="Guru" typeface="Raavi"/>
+        <a:font script="Cans" typeface="Euphemia"/>
+        <a:font script="Cher" typeface="Plantagenet Cherokee"/>
+        <a:font script="Yiii" typeface="Microsoft Yi Baiti"/>
+        <a:font script="Tibt" typeface="Microsoft Himalaya"/>
+        <a:font script="Thaa" typeface="MV Boli"/>
+        <a:font script="Deva" typeface="Mangal"/>
+        <a:font script="Telu" typeface="Gautami"/>
+        <a:font script="Taml" typeface="Latha"/>
+        <a:font script="Syrc" typeface="Estrangelo Edessa"/>
+        <a:font script="Orya" typeface="Kalinga"/>
+        <a:font script="Mlym" typeface="Kartika"/>
+        <a:font script="Laoo" typeface="DokChampa"/>
+        <a:font script="Sinh" typeface="Iskoola Pota"/>
+        <a:font script="Mong" typeface="Mongolian Baiti"/>
+        <a:font script="Viet" typeface="Arial"/>
+        <a:font script="Uigh" typeface="Microsoft Uighur"/>
+        <a:font script="Geor" typeface="Sylfaen"/>
+      </a:minorFont>
+    </a:fontScheme>
+    <a:fmtScheme name="Office">
+      <a:fillStyleLst>
+        <a:solidFill>
+          <a:schemeClr val="phClr"/>
+        </a:solidFill>
+        <a:gradFill rotWithShape="1">
+          <a:gsLst>
+            <a:gs pos="0">
+              <a:schemeClr val="phClr">
+                <a:lumMod val="110000"/>
+                <a:satMod val="105000"/>
+                <a:tint val="67000"/>
+              </a:schemeClr>
+            </a:gs>
+            <a:gs pos="50000">
+              <a:schemeClr val="phClr">
+                <a:lumMod val="105000"/>
+                <a:satMod val="103000"/>
+                <a:tint val="73000"/>
+              </a:schemeClr>
+            </a:gs>
+            <a:gs pos="100000">
+              <a:schemeClr val="phClr">
+                <a:lumMod val="105000"/>
+                <a:satMod val="109000"/>
+                <a:tint val="81000"/>
+              </a:schemeClr>
+            </a:gs>
+          </a:gsLst>
+          <a:lin ang="5400000" scaled="0"/>
+        </a:gradFill>
+        <a:gradFill rotWithShape="1">
+          <a:gsLst>
+            <a:gs pos="0">
+              <a:schemeClr val="phClr">
+                <a:satMod val="103000"/>
+                <a:lumMod val="102000"/>
+                <a:tint val="94000"/>
+              </a:schemeClr>
+            </a:gs>
+            <a:gs pos="50000">
+              <a:schemeClr val="phClr">
+                <a:satMod val="110000"/>
+                <a:lumMod val="100000"/>
+                <a:shade val="100000"/>
+              </a:schemeClr>
+            </a:gs>
+            <a:gs pos="100000">
+              <a:schemeClr val="phClr">
+                <a:lumMod val="99000"/>
+                <a:satMod val="120000"/>
+                <a:shade val="78000"/>
+              </a:schemeClr>
+            </a:gs>
+          </a:gsLst>
+          <a:lin ang="5400000" scaled="0"/>
+        </a:gradFill>
+      </a:fillStyleLst>
+      <a:lnStyleLst>
+        <a:ln w="6350" cap="flat" cmpd="sng" algn="ctr">
+          <a:solidFill>
+            <a:schemeClr val="phClr"/>
+          </a:solidFill>
+          <a:prstDash val="solid"/>
+          <a:miter lim="800000"/>
+        </a:ln>
+        <a:ln w="12700" cap="flat" cmpd="sng" algn="ctr">
+          <a:solidFill>
+            <a:schemeClr val="phClr"/>
+          </a:solidFill>
+          <a:prstDash val="solid"/>
+          <a:miter lim="800000"/>
+        </a:ln>
+        <a:ln w="19050" cap="flat" cmpd="sng" algn="ctr">
+          <a:solidFill>
+            <a:schemeClr val="phClr"/>
+          </a:solidFill>
+          <a:prstDash val="solid"/>
+          <a:miter lim="800000"/>
+        </a:ln>
+      </a:lnStyleLst>
+      <a:effectStyleLst>
+        <a:effectStyle>
+          <a:effectLst/>
+        </a:effectStyle>
+        <a:effectStyle>
+          <a:effectLst/>
+        </a:effectStyle>
+        <a:effectStyle>
+          <a:effectLst>
+            <a:outerShdw blurRad="57150" dist="19050" dir="5400000" algn="ctr" rotWithShape="0">
+              <a:srgbClr val="000000">
+                <a:alpha val="63000"/>
+              </a:srgbClr>
+            </a:outerShdw>
+          </a:effectLst>
+        </a:effectStyle>
+      </a:effectStyleLst>
+      <a:bgFillStyleLst>
+        <a:solidFill>
+          <a:schemeClr val="phClr"/>
+        </a:solidFill>
+        <a:solidFill>
+          <a:schemeClr val="phClr">
+            <a:tint val="95000"/>
+            <a:satMod val="170000"/>
+          </a:schemeClr>
+        </a:solidFill>
+        <a:gradFill rotWithShape="1">
+          <a:gsLst>
+            <a:gs pos="0">
+              <a:schemeClr val="phClr">
+                <a:tint val="93000"/>
+                <a:satMod val="150000"/>
+                <a:shade val="98000"/>
+                <a:lumMod val="102000"/>
+              </a:schemeClr>
+            </a:gs>
+            <a:gs pos="50000">
+              <a:schemeClr val="phClr">
+                <a:tint val="98000"/>
+                <a:satMod val="130000"/>
+                <a:shade val="90000"/>
+                <a:lumMod val="103000"/>
+              </a:schemeClr>
+            </a:gs>
+            <a:gs pos="100000">
+              <a:schemeClr val="phClr">
+                <a:shade val="63000"/>
+                <a:satMod val="120000"/>
+              </a:schemeClr>
+            </a:gs>
+          </a:gsLst>
+          <a:lin ang="5400000" scaled="0"/>
+        </a:gradFill>
+      </a:bgFillStyleLst>
+    </a:fmtScheme>
+  </a:themeElements>
+  <a:extLst>
+    <a:ext uri="{05A4C25C-085E-4340-85A3-A5531E510DB2}">
+      <thm15:themeFamily xmlns:thm15="http://schemas.microsoft.com/office/thememl/2012/main" name="Office Theme" id="{62F939B6-93AF-4DB8-9C6B-D6C7DFDC589F}" vid="{4A3C46E8-61CC-4603-A589-7422A47A8E4A}"/>
+    </a:ext>
+  </a:extLst>
+</a:theme>
 </file>
--- a/06-ppt/discussion/0524.pptx
+++ b/06-ppt/discussion/0524.pptx
@@ -119,7 +119,7 @@
   <p:extLst>
     <p:ext uri="{EFAFB233-063F-42B5-8137-9DF3F51BA10A}">
       <p15:sldGuideLst xmlns:p15="http://schemas.microsoft.com/office/powerpoint/2012/main">
-        <p15:guide id="1" orient="horz" pos="2160" userDrawn="1">
+        <p15:guide id="1" orient="horz" pos="2174" userDrawn="1">
           <p15:clr>
             <a:srgbClr val="A4A3A4"/>
           </p15:clr>
@@ -5946,9 +5946,13 @@
             <a:pPr lvl="1"/>
             <a:r>
               <a:rPr lang="en-US" altLang="zh-CN" sz="1600" b="1" dirty="0"/>
-              <a:t>Can only be assigned to the only executor</a:t>
-            </a:r>
-            <a:endParaRPr lang="en-US" altLang="zh-CN" sz="1600" b="1" dirty="0"/>
+              <a:t>Can only running </a:t>
+            </a:r>
+            <a:r>
+              <a:rPr lang="en-US" altLang="zh-CN" sz="1600" b="1" dirty="0"/>
+              <a:t>on the only executor</a:t>
+            </a:r>
+            <a:endParaRPr lang="en-US" altLang="zh-CN" sz="1330" b="1" dirty="0"/>
           </a:p>
           <a:p>
             <a:pPr lvl="1"/>
@@ -6398,7 +6402,7 @@
               <a:p>
                 <a:r>
                   <a:rPr lang="en-US" altLang="zh-CN" sz="2000" dirty="0"/>
-                  <a:t>A callback chain can exist within a single executor or node, or span multiple executors.</a:t>
+                  <a:t>A callback chain can exist within a single executor, or span multiple executors.</a:t>
                 </a:r>
                 <a:endParaRPr lang="en-US" altLang="zh-CN" sz="2000" dirty="0"/>
               </a:p>
@@ -6406,7 +6410,17 @@
                 <a:pPr lvl="1"/>
                 <a:r>
                   <a:rPr lang="en-US" altLang="zh-CN" sz="1600" dirty="0"/>
-                  <a:t>Similar to a chain of tasks (callbacks) scheduled on a single or multiple cores (single or multiple executors), instances of tasks are similar to instances of callbacks</a:t>
+                  <a:t>Similar to a chain of tasks (callbacks) scheduled on a single or multiple cores (single-threaded or </a:t>
+                </a:r>
+                <a:r>
+                  <a:rPr lang="en-US" altLang="zh-CN" sz="1600" dirty="0">
+                    <a:sym typeface="+mn-ea"/>
+                  </a:rPr>
+                  <a:t>Multi-threaded </a:t>
+                </a:r>
+                <a:r>
+                  <a:rPr lang="en-US" altLang="zh-CN" sz="1600" dirty="0"/>
+                  <a:t>executor), instances of tasks are similar to instances of callbacks</a:t>
                 </a:r>
                 <a:endParaRPr lang="en-US" altLang="zh-CN" sz="1600" dirty="0"/>
               </a:p>

--- a/06-ppt/discussion/0524.pptx
+++ b/06-ppt/discussion/0524.pptx
@@ -7823,9 +7823,6 @@
             <a:endParaRPr lang="en-US" altLang="zh-CN" sz="1600" dirty="0"/>
           </a:p>
           <a:p>
-            <a:endParaRPr lang="en-US" altLang="zh-CN" sz="2400" dirty="0"/>
-          </a:p>
-          <a:p>
             <a:r>
               <a:rPr lang="en-US" altLang="zh-CN" sz="2000" dirty="0"/>
               <a:t>Analysis based on message synchronization</a:t>
@@ -7881,6 +7878,36 @@
             <a:r>
               <a:rPr lang="en-US" altLang="zh-CN" sz="1400" dirty="0"/>
               <a:t>	</a:t>
+            </a:r>
+            <a:endParaRPr lang="en-US" altLang="zh-CN" sz="1400" dirty="0"/>
+          </a:p>
+          <a:p>
+            <a:pPr lvl="0"/>
+            <a:r>
+              <a:rPr lang="en-US" altLang="zh-CN" sz="1960" dirty="0">
+                <a:sym typeface="+mn-ea"/>
+              </a:rPr>
+              <a:t>Analysis based on m</a:t>
+            </a:r>
+            <a:r>
+              <a:rPr lang="en-US" altLang="zh-CN" sz="1960" dirty="0">
+                <a:sym typeface="+mn-ea"/>
+              </a:rPr>
+              <a:t>ulti-threaded </a:t>
+            </a:r>
+            <a:r>
+              <a:rPr lang="en-US" altLang="zh-CN" sz="1960" dirty="0">
+                <a:sym typeface="+mn-ea"/>
+              </a:rPr>
+              <a:t>executor</a:t>
+            </a:r>
+            <a:endParaRPr lang="en-US" altLang="zh-CN" sz="1960" dirty="0"/>
+          </a:p>
+          <a:p>
+            <a:pPr lvl="2"/>
+            <a:r>
+              <a:rPr lang="en-US" altLang="zh-CN" sz="1400" dirty="0"/>
+              <a:t>RTeX：用于 ROS 2 的高效且时序可预测的多线程执行器</a:t>
             </a:r>
             <a:endParaRPr lang="en-US" altLang="zh-CN" sz="1400" dirty="0"/>
           </a:p>

--- a/06-ppt/discussion/0524.pptx
+++ b/06-ppt/discussion/0524.pptx
@@ -7791,6 +7791,14 @@
             <a:endParaRPr lang="en-US" altLang="zh-CN" sz="1600" dirty="0"/>
           </a:p>
           <a:p>
+            <a:pPr lvl="2"/>
+            <a:r>
+              <a:rPr lang="en-US" altLang="zh-CN" sz="1600" dirty="0"/>
+              <a:t>Response Time Analysis for Dynamic Priority Scheduling in ROS2</a:t>
+            </a:r>
+            <a:endParaRPr lang="en-US" altLang="zh-CN" sz="1600" dirty="0"/>
+          </a:p>
+          <a:p>
             <a:pPr lvl="1"/>
             <a:r>
               <a:rPr lang="en-US" altLang="zh-CN" sz="2000" dirty="0"/>
@@ -7907,7 +7915,7 @@
             <a:pPr lvl="2"/>
             <a:r>
               <a:rPr lang="en-US" altLang="zh-CN" sz="1400" dirty="0"/>
-              <a:t>RTeX：用于 ROS 2 的高效且时序可预测的多线程执行器</a:t>
+              <a:t>RTeX: an Efficient and Timing-Predictable Multi-threaded Executor for ROS 2</a:t>
             </a:r>
             <a:endParaRPr lang="en-US" altLang="zh-CN" sz="1400" dirty="0"/>
           </a:p>
